--- a/Course freak.pptx
+++ b/Course freak.pptx
@@ -38,21 +38,23 @@
     <p:sldId id="283" r:id="rId32"/>
     <p:sldId id="284" r:id="rId33"/>
     <p:sldId id="285" r:id="rId34"/>
+    <p:sldId id="286" r:id="rId35"/>
+    <p:sldId id="287" r:id="rId36"/>
   </p:sldIdLst>
   <p:sldSz cy="6858000" cx="12192000"/>
   <p:notesSz cx="6858000" cy="9144000"/>
   <p:embeddedFontLst>
     <p:embeddedFont>
       <p:font typeface="Teko"/>
-      <p:regular r:id="rId35"/>
-      <p:bold r:id="rId36"/>
+      <p:regular r:id="rId37"/>
+      <p:bold r:id="rId38"/>
     </p:embeddedFont>
     <p:embeddedFont>
       <p:font typeface="Corbel"/>
-      <p:regular r:id="rId37"/>
-      <p:bold r:id="rId38"/>
-      <p:italic r:id="rId39"/>
-      <p:boldItalic r:id="rId40"/>
+      <p:regular r:id="rId39"/>
+      <p:bold r:id="rId40"/>
+      <p:italic r:id="rId41"/>
+      <p:boldItalic r:id="rId42"/>
     </p:embeddedFont>
   </p:embeddedFontLst>
   <p:defaultTextStyle>
@@ -815,7 +817,7 @@
   <p:cSld>
     <p:spTree>
       <p:nvGrpSpPr>
-        <p:cNvPr id="237" name="Shape 237"/>
+        <p:cNvPr id="236" name="Shape 236"/>
         <p:cNvGrpSpPr/>
         <p:nvPr/>
       </p:nvGrpSpPr>
@@ -829,7 +831,7 @@
       </p:grpSpPr>
       <p:sp>
         <p:nvSpPr>
-          <p:cNvPr id="238" name="Google Shape;238;g45f96b986c_0_12:notes"/>
+          <p:cNvPr id="237" name="Google Shape;237;g48224fb2b0_0_0:notes"/>
           <p:cNvSpPr/>
           <p:nvPr>
             <p:ph idx="2" type="sldImg"/>
@@ -864,7 +866,7 @@
       </p:sp>
       <p:sp>
         <p:nvSpPr>
-          <p:cNvPr id="239" name="Google Shape;239;g45f96b986c_0_12:notes"/>
+          <p:cNvPr id="238" name="Google Shape;238;g48224fb2b0_0_0:notes"/>
           <p:cNvSpPr txBox="1"/>
           <p:nvPr>
             <p:ph idx="1" type="body"/>
@@ -914,7 +916,7 @@
   <p:cSld>
     <p:spTree>
       <p:nvGrpSpPr>
-        <p:cNvPr id="243" name="Shape 243"/>
+        <p:cNvPr id="242" name="Shape 242"/>
         <p:cNvGrpSpPr/>
         <p:nvPr/>
       </p:nvGrpSpPr>
@@ -928,7 +930,7 @@
       </p:grpSpPr>
       <p:sp>
         <p:nvSpPr>
-          <p:cNvPr id="244" name="Google Shape;244;g473684c2df_0_1:notes"/>
+          <p:cNvPr id="243" name="Google Shape;243;g473684c2df_0_1:notes"/>
           <p:cNvSpPr/>
           <p:nvPr>
             <p:ph idx="2" type="sldImg"/>
@@ -963,7 +965,7 @@
       </p:sp>
       <p:sp>
         <p:nvSpPr>
-          <p:cNvPr id="245" name="Google Shape;245;g473684c2df_0_1:notes"/>
+          <p:cNvPr id="244" name="Google Shape;244;g473684c2df_0_1:notes"/>
           <p:cNvSpPr txBox="1"/>
           <p:nvPr>
             <p:ph idx="1" type="body"/>
@@ -1013,7 +1015,7 @@
   <p:cSld>
     <p:spTree>
       <p:nvGrpSpPr>
-        <p:cNvPr id="249" name="Shape 249"/>
+        <p:cNvPr id="248" name="Shape 248"/>
         <p:cNvGrpSpPr/>
         <p:nvPr/>
       </p:nvGrpSpPr>
@@ -1027,7 +1029,7 @@
       </p:grpSpPr>
       <p:sp>
         <p:nvSpPr>
-          <p:cNvPr id="250" name="Google Shape;250;g45f96b986c_0_17:notes"/>
+          <p:cNvPr id="249" name="Google Shape;249;g45f98acc28_0_6:notes"/>
           <p:cNvSpPr/>
           <p:nvPr>
             <p:ph idx="2" type="sldImg"/>
@@ -1062,7 +1064,7 @@
       </p:sp>
       <p:sp>
         <p:nvSpPr>
-          <p:cNvPr id="251" name="Google Shape;251;g45f96b986c_0_17:notes"/>
+          <p:cNvPr id="250" name="Google Shape;250;g45f98acc28_0_6:notes"/>
           <p:cNvSpPr txBox="1"/>
           <p:nvPr>
             <p:ph idx="1" type="body"/>
@@ -1112,7 +1114,7 @@
   <p:cSld>
     <p:spTree>
       <p:nvGrpSpPr>
-        <p:cNvPr id="255" name="Shape 255"/>
+        <p:cNvPr id="254" name="Shape 254"/>
         <p:cNvGrpSpPr/>
         <p:nvPr/>
       </p:nvGrpSpPr>
@@ -1126,7 +1128,7 @@
       </p:grpSpPr>
       <p:sp>
         <p:nvSpPr>
-          <p:cNvPr id="256" name="Google Shape;256;g45f96b986c_0_22:notes"/>
+          <p:cNvPr id="255" name="Google Shape;255;g45f98acc28_0_0:notes"/>
           <p:cNvSpPr/>
           <p:nvPr>
             <p:ph idx="2" type="sldImg"/>
@@ -1161,7 +1163,7 @@
       </p:sp>
       <p:sp>
         <p:nvSpPr>
-          <p:cNvPr id="257" name="Google Shape;257;g45f96b986c_0_22:notes"/>
+          <p:cNvPr id="256" name="Google Shape;256;g45f98acc28_0_0:notes"/>
           <p:cNvSpPr txBox="1"/>
           <p:nvPr>
             <p:ph idx="1" type="body"/>
@@ -1211,7 +1213,7 @@
   <p:cSld>
     <p:spTree>
       <p:nvGrpSpPr>
-        <p:cNvPr id="261" name="Shape 261"/>
+        <p:cNvPr id="260" name="Shape 260"/>
         <p:cNvGrpSpPr/>
         <p:nvPr/>
       </p:nvGrpSpPr>
@@ -1225,7 +1227,7 @@
       </p:grpSpPr>
       <p:sp>
         <p:nvSpPr>
-          <p:cNvPr id="262" name="Google Shape;262;g45f96b986c_0_27:notes"/>
+          <p:cNvPr id="261" name="Google Shape;261;g45f96b986c_1_19:notes"/>
           <p:cNvSpPr/>
           <p:nvPr>
             <p:ph idx="2" type="sldImg"/>
@@ -1260,7 +1262,7 @@
       </p:sp>
       <p:sp>
         <p:nvSpPr>
-          <p:cNvPr id="263" name="Google Shape;263;g45f96b986c_0_27:notes"/>
+          <p:cNvPr id="262" name="Google Shape;262;g45f96b986c_1_19:notes"/>
           <p:cNvSpPr txBox="1"/>
           <p:nvPr>
             <p:ph idx="1" type="body"/>
@@ -1310,7 +1312,7 @@
   <p:cSld>
     <p:spTree>
       <p:nvGrpSpPr>
-        <p:cNvPr id="267" name="Shape 267"/>
+        <p:cNvPr id="266" name="Shape 266"/>
         <p:cNvGrpSpPr/>
         <p:nvPr/>
       </p:nvGrpSpPr>
@@ -1324,7 +1326,7 @@
       </p:grpSpPr>
       <p:sp>
         <p:nvSpPr>
-          <p:cNvPr id="268" name="Google Shape;268;g45f96b986c_0_32:notes"/>
+          <p:cNvPr id="267" name="Google Shape;267;g45f98acc28_0_18:notes"/>
           <p:cNvSpPr/>
           <p:nvPr>
             <p:ph idx="2" type="sldImg"/>
@@ -1359,7 +1361,7 @@
       </p:sp>
       <p:sp>
         <p:nvSpPr>
-          <p:cNvPr id="269" name="Google Shape;269;g45f96b986c_0_32:notes"/>
+          <p:cNvPr id="268" name="Google Shape;268;g45f98acc28_0_18:notes"/>
           <p:cNvSpPr txBox="1"/>
           <p:nvPr>
             <p:ph idx="1" type="body"/>
@@ -1409,7 +1411,7 @@
   <p:cSld>
     <p:spTree>
       <p:nvGrpSpPr>
-        <p:cNvPr id="273" name="Shape 273"/>
+        <p:cNvPr id="272" name="Shape 272"/>
         <p:cNvGrpSpPr/>
         <p:nvPr/>
       </p:nvGrpSpPr>
@@ -1423,7 +1425,7 @@
       </p:grpSpPr>
       <p:sp>
         <p:nvSpPr>
-          <p:cNvPr id="274" name="Google Shape;274;g45f96b986c_0_37:notes"/>
+          <p:cNvPr id="273" name="Google Shape;273;g45f96b986c_0_12:notes"/>
           <p:cNvSpPr/>
           <p:nvPr>
             <p:ph idx="2" type="sldImg"/>
@@ -1458,7 +1460,7 @@
       </p:sp>
       <p:sp>
         <p:nvSpPr>
-          <p:cNvPr id="275" name="Google Shape;275;g45f96b986c_0_37:notes"/>
+          <p:cNvPr id="274" name="Google Shape;274;g45f96b986c_0_12:notes"/>
           <p:cNvSpPr txBox="1"/>
           <p:nvPr>
             <p:ph idx="1" type="body"/>
@@ -1508,7 +1510,7 @@
   <p:cSld>
     <p:spTree>
       <p:nvGrpSpPr>
-        <p:cNvPr id="279" name="Shape 279"/>
+        <p:cNvPr id="278" name="Shape 278"/>
         <p:cNvGrpSpPr/>
         <p:nvPr/>
       </p:nvGrpSpPr>
@@ -1522,7 +1524,7 @@
       </p:grpSpPr>
       <p:sp>
         <p:nvSpPr>
-          <p:cNvPr id="280" name="Google Shape;280;g45f96b986c_0_42:notes"/>
+          <p:cNvPr id="279" name="Google Shape;279;g45f96b986c_1_31:notes"/>
           <p:cNvSpPr/>
           <p:nvPr>
             <p:ph idx="2" type="sldImg"/>
@@ -1557,7 +1559,7 @@
       </p:sp>
       <p:sp>
         <p:nvSpPr>
-          <p:cNvPr id="281" name="Google Shape;281;g45f96b986c_0_42:notes"/>
+          <p:cNvPr id="280" name="Google Shape;280;g45f96b986c_1_31:notes"/>
           <p:cNvSpPr txBox="1"/>
           <p:nvPr>
             <p:ph idx="1" type="body"/>
@@ -1607,7 +1609,7 @@
   <p:cSld>
     <p:spTree>
       <p:nvGrpSpPr>
-        <p:cNvPr id="285" name="Shape 285"/>
+        <p:cNvPr id="284" name="Shape 284"/>
         <p:cNvGrpSpPr/>
         <p:nvPr/>
       </p:nvGrpSpPr>
@@ -1621,7 +1623,106 @@
       </p:grpSpPr>
       <p:sp>
         <p:nvSpPr>
-          <p:cNvPr id="286" name="Google Shape;286;g45f98acc28_0_0:notes"/>
+          <p:cNvPr id="285" name="Google Shape;285;g473684c2df_1_4:notes"/>
+          <p:cNvSpPr txBox="1"/>
+          <p:nvPr>
+            <p:ph idx="1" type="body"/>
+          </p:nvPr>
+        </p:nvSpPr>
+        <p:spPr>
+          <a:xfrm>
+            <a:off x="685800" y="4343400"/>
+            <a:ext cx="5486400" cy="4114800"/>
+          </a:xfrm>
+          <a:prstGeom prst="rect">
+            <a:avLst/>
+          </a:prstGeom>
+        </p:spPr>
+        <p:txBody>
+          <a:bodyPr anchorCtr="0" anchor="t" bIns="91425" lIns="91425" spcFirstLastPara="1" rIns="91425" wrap="square" tIns="91425">
+            <a:noAutofit/>
+          </a:bodyPr>
+          <a:lstStyle/>
+          <a:p>
+            <a:pPr indent="0" lvl="0" marL="0" rtl="0" algn="l">
+              <a:spcBef>
+                <a:spcPts val="0"/>
+              </a:spcBef>
+              <a:spcAft>
+                <a:spcPts val="0"/>
+              </a:spcAft>
+              <a:buNone/>
+            </a:pPr>
+            <a:r>
+              <a:t/>
+            </a:r>
+            <a:endParaRPr/>
+          </a:p>
+        </p:txBody>
+      </p:sp>
+      <p:sp>
+        <p:nvSpPr>
+          <p:cNvPr id="286" name="Google Shape;286;g473684c2df_1_4:notes"/>
+          <p:cNvSpPr/>
+          <p:nvPr>
+            <p:ph idx="2" type="sldImg"/>
+          </p:nvPr>
+        </p:nvSpPr>
+        <p:spPr>
+          <a:xfrm>
+            <a:off x="1143225" y="685800"/>
+            <a:ext cx="4572300" cy="3429000"/>
+          </a:xfrm>
+          <a:custGeom>
+            <a:rect b="b" l="l" r="r" t="t"/>
+            <a:pathLst>
+              <a:path extrusionOk="0" h="120000" w="120000">
+                <a:moveTo>
+                  <a:pt x="0" y="0"/>
+                </a:moveTo>
+                <a:lnTo>
+                  <a:pt x="120000" y="0"/>
+                </a:lnTo>
+                <a:lnTo>
+                  <a:pt x="120000" y="120000"/>
+                </a:lnTo>
+                <a:lnTo>
+                  <a:pt x="0" y="120000"/>
+                </a:lnTo>
+                <a:close/>
+              </a:path>
+            </a:pathLst>
+          </a:custGeom>
+        </p:spPr>
+      </p:sp>
+    </p:spTree>
+  </p:cSld>
+  <p:clrMapOvr>
+    <a:masterClrMapping/>
+  </p:clrMapOvr>
+</p:notes>
+</file>
+
+<file path=ppt/notesSlides/notesSlide19.xml><?xml version="1.0" encoding="utf-8"?>
+<p:notes xmlns:a="http://schemas.openxmlformats.org/drawingml/2006/main" xmlns:r="http://schemas.openxmlformats.org/officeDocument/2006/relationships" xmlns:mc="http://schemas.openxmlformats.org/markup-compatibility/2006" xmlns:mv="urn:schemas-microsoft-com:mac:vml" xmlns:p="http://schemas.openxmlformats.org/presentationml/2006/main" xmlns:c="http://schemas.openxmlformats.org/drawingml/2006/chart" xmlns:dgm="http://schemas.openxmlformats.org/drawingml/2006/diagram" xmlns:o="urn:schemas-microsoft-com:office:office" xmlns:v="urn:schemas-microsoft-com:vml" xmlns:pvml="urn:schemas-microsoft-com:office:powerpoint" xmlns:com="http://schemas.openxmlformats.org/drawingml/2006/compatibility" xmlns:p14="http://schemas.microsoft.com/office/powerpoint/2010/main" xmlns:p15="http://schemas.microsoft.com/office/powerpoint/2012/main" showMasterPhAnim="0" showMasterSp="0">
+  <p:cSld>
+    <p:spTree>
+      <p:nvGrpSpPr>
+        <p:cNvPr id="289" name="Shape 289"/>
+        <p:cNvGrpSpPr/>
+        <p:nvPr/>
+      </p:nvGrpSpPr>
+      <p:grpSpPr>
+        <a:xfrm>
+          <a:off x="0" y="0"/>
+          <a:ext cx="0" cy="0"/>
+          <a:chOff x="0" y="0"/>
+          <a:chExt cx="0" cy="0"/>
+        </a:xfrm>
+      </p:grpSpPr>
+      <p:sp>
+        <p:nvSpPr>
+          <p:cNvPr id="290" name="Google Shape;290;g45f98acc28_0_42:notes"/>
           <p:cNvSpPr/>
           <p:nvPr>
             <p:ph idx="2" type="sldImg"/>
@@ -1656,106 +1757,7 @@
       </p:sp>
       <p:sp>
         <p:nvSpPr>
-          <p:cNvPr id="287" name="Google Shape;287;g45f98acc28_0_0:notes"/>
-          <p:cNvSpPr txBox="1"/>
-          <p:nvPr>
-            <p:ph idx="1" type="body"/>
-          </p:nvPr>
-        </p:nvSpPr>
-        <p:spPr>
-          <a:xfrm>
-            <a:off x="685800" y="4343400"/>
-            <a:ext cx="5486400" cy="4114800"/>
-          </a:xfrm>
-          <a:prstGeom prst="rect">
-            <a:avLst/>
-          </a:prstGeom>
-        </p:spPr>
-        <p:txBody>
-          <a:bodyPr anchorCtr="0" anchor="t" bIns="91425" lIns="91425" spcFirstLastPara="1" rIns="91425" wrap="square" tIns="91425">
-            <a:noAutofit/>
-          </a:bodyPr>
-          <a:lstStyle/>
-          <a:p>
-            <a:pPr indent="0" lvl="0" marL="0" rtl="0" algn="l">
-              <a:spcBef>
-                <a:spcPts val="0"/>
-              </a:spcBef>
-              <a:spcAft>
-                <a:spcPts val="0"/>
-              </a:spcAft>
-              <a:buNone/>
-            </a:pPr>
-            <a:r>
-              <a:t/>
-            </a:r>
-            <a:endParaRPr/>
-          </a:p>
-        </p:txBody>
-      </p:sp>
-    </p:spTree>
-  </p:cSld>
-  <p:clrMapOvr>
-    <a:masterClrMapping/>
-  </p:clrMapOvr>
-</p:notes>
-</file>
-
-<file path=ppt/notesSlides/notesSlide19.xml><?xml version="1.0" encoding="utf-8"?>
-<p:notes xmlns:a="http://schemas.openxmlformats.org/drawingml/2006/main" xmlns:r="http://schemas.openxmlformats.org/officeDocument/2006/relationships" xmlns:mc="http://schemas.openxmlformats.org/markup-compatibility/2006" xmlns:mv="urn:schemas-microsoft-com:mac:vml" xmlns:p="http://schemas.openxmlformats.org/presentationml/2006/main" xmlns:c="http://schemas.openxmlformats.org/drawingml/2006/chart" xmlns:dgm="http://schemas.openxmlformats.org/drawingml/2006/diagram" xmlns:o="urn:schemas-microsoft-com:office:office" xmlns:v="urn:schemas-microsoft-com:vml" xmlns:pvml="urn:schemas-microsoft-com:office:powerpoint" xmlns:com="http://schemas.openxmlformats.org/drawingml/2006/compatibility" xmlns:p14="http://schemas.microsoft.com/office/powerpoint/2010/main" xmlns:p15="http://schemas.microsoft.com/office/powerpoint/2012/main" showMasterPhAnim="0" showMasterSp="0">
-  <p:cSld>
-    <p:spTree>
-      <p:nvGrpSpPr>
-        <p:cNvPr id="291" name="Shape 291"/>
-        <p:cNvGrpSpPr/>
-        <p:nvPr/>
-      </p:nvGrpSpPr>
-      <p:grpSpPr>
-        <a:xfrm>
-          <a:off x="0" y="0"/>
-          <a:ext cx="0" cy="0"/>
-          <a:chOff x="0" y="0"/>
-          <a:chExt cx="0" cy="0"/>
-        </a:xfrm>
-      </p:grpSpPr>
-      <p:sp>
-        <p:nvSpPr>
-          <p:cNvPr id="292" name="Google Shape;292;g45f98acc28_0_23:notes"/>
-          <p:cNvSpPr/>
-          <p:nvPr>
-            <p:ph idx="2" type="sldImg"/>
-          </p:nvPr>
-        </p:nvSpPr>
-        <p:spPr>
-          <a:xfrm>
-            <a:off x="1143225" y="685800"/>
-            <a:ext cx="4572300" cy="3429000"/>
-          </a:xfrm>
-          <a:custGeom>
-            <a:rect b="b" l="l" r="r" t="t"/>
-            <a:pathLst>
-              <a:path extrusionOk="0" h="120000" w="120000">
-                <a:moveTo>
-                  <a:pt x="0" y="0"/>
-                </a:moveTo>
-                <a:lnTo>
-                  <a:pt x="120000" y="0"/>
-                </a:lnTo>
-                <a:lnTo>
-                  <a:pt x="120000" y="120000"/>
-                </a:lnTo>
-                <a:lnTo>
-                  <a:pt x="0" y="120000"/>
-                </a:lnTo>
-                <a:close/>
-              </a:path>
-            </a:pathLst>
-          </a:custGeom>
-        </p:spPr>
-      </p:sp>
-      <p:sp>
-        <p:nvSpPr>
-          <p:cNvPr id="293" name="Google Shape;293;g45f98acc28_0_23:notes"/>
+          <p:cNvPr id="291" name="Google Shape;291;g45f98acc28_0_42:notes"/>
           <p:cNvSpPr txBox="1"/>
           <p:nvPr>
             <p:ph idx="1" type="body"/>
@@ -1904,7 +1906,7 @@
   <p:cSld>
     <p:spTree>
       <p:nvGrpSpPr>
-        <p:cNvPr id="297" name="Shape 297"/>
+        <p:cNvPr id="295" name="Shape 295"/>
         <p:cNvGrpSpPr/>
         <p:nvPr/>
       </p:nvGrpSpPr>
@@ -1918,7 +1920,7 @@
       </p:grpSpPr>
       <p:sp>
         <p:nvSpPr>
-          <p:cNvPr id="298" name="Google Shape;298;g45f98acc28_0_6:notes"/>
+          <p:cNvPr id="296" name="Google Shape;296;g45f98acc28_0_29:notes"/>
           <p:cNvSpPr/>
           <p:nvPr>
             <p:ph idx="2" type="sldImg"/>
@@ -1953,7 +1955,7 @@
       </p:sp>
       <p:sp>
         <p:nvSpPr>
-          <p:cNvPr id="299" name="Google Shape;299;g45f98acc28_0_6:notes"/>
+          <p:cNvPr id="297" name="Google Shape;297;g45f98acc28_0_29:notes"/>
           <p:cNvSpPr txBox="1"/>
           <p:nvPr>
             <p:ph idx="1" type="body"/>
@@ -2003,7 +2005,7 @@
   <p:cSld>
     <p:spTree>
       <p:nvGrpSpPr>
-        <p:cNvPr id="303" name="Shape 303"/>
+        <p:cNvPr id="301" name="Shape 301"/>
         <p:cNvGrpSpPr/>
         <p:nvPr/>
       </p:nvGrpSpPr>
@@ -2017,7 +2019,7 @@
       </p:grpSpPr>
       <p:sp>
         <p:nvSpPr>
-          <p:cNvPr id="304" name="Google Shape;304;g45f98acc28_0_18:notes"/>
+          <p:cNvPr id="302" name="Google Shape;302;g45f96b986c_1_8:notes"/>
           <p:cNvSpPr/>
           <p:nvPr>
             <p:ph idx="2" type="sldImg"/>
@@ -2052,7 +2054,7 @@
       </p:sp>
       <p:sp>
         <p:nvSpPr>
-          <p:cNvPr id="305" name="Google Shape;305;g45f98acc28_0_18:notes"/>
+          <p:cNvPr id="303" name="Google Shape;303;g45f96b986c_1_8:notes"/>
           <p:cNvSpPr txBox="1"/>
           <p:nvPr>
             <p:ph idx="1" type="body"/>
@@ -2102,7 +2104,7 @@
   <p:cSld>
     <p:spTree>
       <p:nvGrpSpPr>
-        <p:cNvPr id="309" name="Shape 309"/>
+        <p:cNvPr id="307" name="Shape 307"/>
         <p:cNvGrpSpPr/>
         <p:nvPr/>
       </p:nvGrpSpPr>
@@ -2116,7 +2118,7 @@
       </p:grpSpPr>
       <p:sp>
         <p:nvSpPr>
-          <p:cNvPr id="310" name="Google Shape;310;g45f98acc28_0_29:notes"/>
+          <p:cNvPr id="308" name="Google Shape;308;g45f96b986c_0_37:notes"/>
           <p:cNvSpPr/>
           <p:nvPr>
             <p:ph idx="2" type="sldImg"/>
@@ -2151,7 +2153,7 @@
       </p:sp>
       <p:sp>
         <p:nvSpPr>
-          <p:cNvPr id="311" name="Google Shape;311;g45f98acc28_0_29:notes"/>
+          <p:cNvPr id="309" name="Google Shape;309;g45f96b986c_0_37:notes"/>
           <p:cNvSpPr txBox="1"/>
           <p:nvPr>
             <p:ph idx="1" type="body"/>
@@ -2201,7 +2203,7 @@
   <p:cSld>
     <p:spTree>
       <p:nvGrpSpPr>
-        <p:cNvPr id="315" name="Shape 315"/>
+        <p:cNvPr id="313" name="Shape 313"/>
         <p:cNvGrpSpPr/>
         <p:nvPr/>
       </p:nvGrpSpPr>
@@ -2215,7 +2217,7 @@
       </p:grpSpPr>
       <p:sp>
         <p:nvSpPr>
-          <p:cNvPr id="316" name="Google Shape;316;g45f98acc28_0_35:notes"/>
+          <p:cNvPr id="314" name="Google Shape;314;g45f96b986c_0_17:notes"/>
           <p:cNvSpPr/>
           <p:nvPr>
             <p:ph idx="2" type="sldImg"/>
@@ -2250,7 +2252,7 @@
       </p:sp>
       <p:sp>
         <p:nvSpPr>
-          <p:cNvPr id="317" name="Google Shape;317;g45f98acc28_0_35:notes"/>
+          <p:cNvPr id="315" name="Google Shape;315;g45f96b986c_0_17:notes"/>
           <p:cNvSpPr txBox="1"/>
           <p:nvPr>
             <p:ph idx="1" type="body"/>
@@ -2300,7 +2302,7 @@
   <p:cSld>
     <p:spTree>
       <p:nvGrpSpPr>
-        <p:cNvPr id="321" name="Shape 321"/>
+        <p:cNvPr id="319" name="Shape 319"/>
         <p:cNvGrpSpPr/>
         <p:nvPr/>
       </p:nvGrpSpPr>
@@ -2314,7 +2316,7 @@
       </p:grpSpPr>
       <p:sp>
         <p:nvSpPr>
-          <p:cNvPr id="322" name="Google Shape;322;g45f98acc28_0_42:notes"/>
+          <p:cNvPr id="320" name="Google Shape;320;g45f96b986c_0_27:notes"/>
           <p:cNvSpPr/>
           <p:nvPr>
             <p:ph idx="2" type="sldImg"/>
@@ -2349,7 +2351,7 @@
       </p:sp>
       <p:sp>
         <p:nvSpPr>
-          <p:cNvPr id="323" name="Google Shape;323;g45f98acc28_0_42:notes"/>
+          <p:cNvPr id="321" name="Google Shape;321;g45f96b986c_0_27:notes"/>
           <p:cNvSpPr txBox="1"/>
           <p:nvPr>
             <p:ph idx="1" type="body"/>
@@ -2399,7 +2401,7 @@
   <p:cSld>
     <p:spTree>
       <p:nvGrpSpPr>
-        <p:cNvPr id="327" name="Shape 327"/>
+        <p:cNvPr id="325" name="Shape 325"/>
         <p:cNvGrpSpPr/>
         <p:nvPr/>
       </p:nvGrpSpPr>
@@ -2413,7 +2415,7 @@
       </p:grpSpPr>
       <p:sp>
         <p:nvSpPr>
-          <p:cNvPr id="328" name="Google Shape;328;g45f96b986c_1_8:notes"/>
+          <p:cNvPr id="326" name="Google Shape;326;g45f96b986c_0_42:notes"/>
           <p:cNvSpPr/>
           <p:nvPr>
             <p:ph idx="2" type="sldImg"/>
@@ -2448,7 +2450,7 @@
       </p:sp>
       <p:sp>
         <p:nvSpPr>
-          <p:cNvPr id="329" name="Google Shape;329;g45f96b986c_1_8:notes"/>
+          <p:cNvPr id="327" name="Google Shape;327;g45f96b986c_0_42:notes"/>
           <p:cNvSpPr txBox="1"/>
           <p:nvPr>
             <p:ph idx="1" type="body"/>
@@ -2498,7 +2500,7 @@
   <p:cSld>
     <p:spTree>
       <p:nvGrpSpPr>
-        <p:cNvPr id="333" name="Shape 333"/>
+        <p:cNvPr id="331" name="Shape 331"/>
         <p:cNvGrpSpPr/>
         <p:nvPr/>
       </p:nvGrpSpPr>
@@ -2512,7 +2514,7 @@
       </p:grpSpPr>
       <p:sp>
         <p:nvSpPr>
-          <p:cNvPr id="334" name="Google Shape;334;g45f96b986c_1_19:notes"/>
+          <p:cNvPr id="332" name="Google Shape;332;g45f96b986c_1_43:notes"/>
           <p:cNvSpPr/>
           <p:nvPr>
             <p:ph idx="2" type="sldImg"/>
@@ -2547,7 +2549,7 @@
       </p:sp>
       <p:sp>
         <p:nvSpPr>
-          <p:cNvPr id="335" name="Google Shape;335;g45f96b986c_1_19:notes"/>
+          <p:cNvPr id="333" name="Google Shape;333;g45f96b986c_1_43:notes"/>
           <p:cNvSpPr txBox="1"/>
           <p:nvPr>
             <p:ph idx="1" type="body"/>
@@ -2597,7 +2599,7 @@
   <p:cSld>
     <p:spTree>
       <p:nvGrpSpPr>
-        <p:cNvPr id="339" name="Shape 339"/>
+        <p:cNvPr id="337" name="Shape 337"/>
         <p:cNvGrpSpPr/>
         <p:nvPr/>
       </p:nvGrpSpPr>
@@ -2611,7 +2613,7 @@
       </p:grpSpPr>
       <p:sp>
         <p:nvSpPr>
-          <p:cNvPr id="340" name="Google Shape;340;g45f96b986c_1_37:notes"/>
+          <p:cNvPr id="338" name="Google Shape;338;g45f98acc28_0_23:notes"/>
           <p:cNvSpPr/>
           <p:nvPr>
             <p:ph idx="2" type="sldImg"/>
@@ -2646,7 +2648,7 @@
       </p:sp>
       <p:sp>
         <p:nvSpPr>
-          <p:cNvPr id="341" name="Google Shape;341;g45f96b986c_1_37:notes"/>
+          <p:cNvPr id="339" name="Google Shape;339;g45f98acc28_0_23:notes"/>
           <p:cNvSpPr txBox="1"/>
           <p:nvPr>
             <p:ph idx="1" type="body"/>
@@ -2696,7 +2698,7 @@
   <p:cSld>
     <p:spTree>
       <p:nvGrpSpPr>
-        <p:cNvPr id="345" name="Shape 345"/>
+        <p:cNvPr id="343" name="Shape 343"/>
         <p:cNvGrpSpPr/>
         <p:nvPr/>
       </p:nvGrpSpPr>
@@ -2710,7 +2712,106 @@
       </p:grpSpPr>
       <p:sp>
         <p:nvSpPr>
-          <p:cNvPr id="346" name="Google Shape;346;g45f96b986c_1_43:notes"/>
+          <p:cNvPr id="344" name="Google Shape;344;g473684c2df_1_8:notes"/>
+          <p:cNvSpPr txBox="1"/>
+          <p:nvPr>
+            <p:ph idx="1" type="body"/>
+          </p:nvPr>
+        </p:nvSpPr>
+        <p:spPr>
+          <a:xfrm>
+            <a:off x="685800" y="4343400"/>
+            <a:ext cx="5486400" cy="4114800"/>
+          </a:xfrm>
+          <a:prstGeom prst="rect">
+            <a:avLst/>
+          </a:prstGeom>
+        </p:spPr>
+        <p:txBody>
+          <a:bodyPr anchorCtr="0" anchor="t" bIns="91425" lIns="91425" spcFirstLastPara="1" rIns="91425" wrap="square" tIns="91425">
+            <a:noAutofit/>
+          </a:bodyPr>
+          <a:lstStyle/>
+          <a:p>
+            <a:pPr indent="0" lvl="0" marL="0" rtl="0" algn="l">
+              <a:spcBef>
+                <a:spcPts val="0"/>
+              </a:spcBef>
+              <a:spcAft>
+                <a:spcPts val="0"/>
+              </a:spcAft>
+              <a:buNone/>
+            </a:pPr>
+            <a:r>
+              <a:t/>
+            </a:r>
+            <a:endParaRPr/>
+          </a:p>
+        </p:txBody>
+      </p:sp>
+      <p:sp>
+        <p:nvSpPr>
+          <p:cNvPr id="345" name="Google Shape;345;g473684c2df_1_8:notes"/>
+          <p:cNvSpPr/>
+          <p:nvPr>
+            <p:ph idx="2" type="sldImg"/>
+          </p:nvPr>
+        </p:nvSpPr>
+        <p:spPr>
+          <a:xfrm>
+            <a:off x="1143225" y="685800"/>
+            <a:ext cx="4572300" cy="3429000"/>
+          </a:xfrm>
+          <a:custGeom>
+            <a:rect b="b" l="l" r="r" t="t"/>
+            <a:pathLst>
+              <a:path extrusionOk="0" h="120000" w="120000">
+                <a:moveTo>
+                  <a:pt x="0" y="0"/>
+                </a:moveTo>
+                <a:lnTo>
+                  <a:pt x="120000" y="0"/>
+                </a:lnTo>
+                <a:lnTo>
+                  <a:pt x="120000" y="120000"/>
+                </a:lnTo>
+                <a:lnTo>
+                  <a:pt x="0" y="120000"/>
+                </a:lnTo>
+                <a:close/>
+              </a:path>
+            </a:pathLst>
+          </a:custGeom>
+        </p:spPr>
+      </p:sp>
+    </p:spTree>
+  </p:cSld>
+  <p:clrMapOvr>
+    <a:masterClrMapping/>
+  </p:clrMapOvr>
+</p:notes>
+</file>
+
+<file path=ppt/notesSlides/notesSlide29.xml><?xml version="1.0" encoding="utf-8"?>
+<p:notes xmlns:a="http://schemas.openxmlformats.org/drawingml/2006/main" xmlns:r="http://schemas.openxmlformats.org/officeDocument/2006/relationships" xmlns:mc="http://schemas.openxmlformats.org/markup-compatibility/2006" xmlns:mv="urn:schemas-microsoft-com:mac:vml" xmlns:p="http://schemas.openxmlformats.org/presentationml/2006/main" xmlns:c="http://schemas.openxmlformats.org/drawingml/2006/chart" xmlns:dgm="http://schemas.openxmlformats.org/drawingml/2006/diagram" xmlns:o="urn:schemas-microsoft-com:office:office" xmlns:v="urn:schemas-microsoft-com:vml" xmlns:pvml="urn:schemas-microsoft-com:office:powerpoint" xmlns:com="http://schemas.openxmlformats.org/drawingml/2006/compatibility" xmlns:p14="http://schemas.microsoft.com/office/powerpoint/2010/main" xmlns:p15="http://schemas.microsoft.com/office/powerpoint/2012/main" showMasterPhAnim="0" showMasterSp="0">
+  <p:cSld>
+    <p:spTree>
+      <p:nvGrpSpPr>
+        <p:cNvPr id="348" name="Shape 348"/>
+        <p:cNvGrpSpPr/>
+        <p:nvPr/>
+      </p:nvGrpSpPr>
+      <p:grpSpPr>
+        <a:xfrm>
+          <a:off x="0" y="0"/>
+          <a:ext cx="0" cy="0"/>
+          <a:chOff x="0" y="0"/>
+          <a:chExt cx="0" cy="0"/>
+        </a:xfrm>
+      </p:grpSpPr>
+      <p:sp>
+        <p:nvSpPr>
+          <p:cNvPr id="349" name="Google Shape;349;g45f96b986c_0_32:notes"/>
           <p:cNvSpPr/>
           <p:nvPr>
             <p:ph idx="2" type="sldImg"/>
@@ -2745,106 +2846,7 @@
       </p:sp>
       <p:sp>
         <p:nvSpPr>
-          <p:cNvPr id="347" name="Google Shape;347;g45f96b986c_1_43:notes"/>
-          <p:cNvSpPr txBox="1"/>
-          <p:nvPr>
-            <p:ph idx="1" type="body"/>
-          </p:nvPr>
-        </p:nvSpPr>
-        <p:spPr>
-          <a:xfrm>
-            <a:off x="685800" y="4343400"/>
-            <a:ext cx="5486400" cy="4114800"/>
-          </a:xfrm>
-          <a:prstGeom prst="rect">
-            <a:avLst/>
-          </a:prstGeom>
-        </p:spPr>
-        <p:txBody>
-          <a:bodyPr anchorCtr="0" anchor="t" bIns="91425" lIns="91425" spcFirstLastPara="1" rIns="91425" wrap="square" tIns="91425">
-            <a:noAutofit/>
-          </a:bodyPr>
-          <a:lstStyle/>
-          <a:p>
-            <a:pPr indent="0" lvl="0" marL="0" rtl="0" algn="l">
-              <a:spcBef>
-                <a:spcPts val="0"/>
-              </a:spcBef>
-              <a:spcAft>
-                <a:spcPts val="0"/>
-              </a:spcAft>
-              <a:buNone/>
-            </a:pPr>
-            <a:r>
-              <a:t/>
-            </a:r>
-            <a:endParaRPr/>
-          </a:p>
-        </p:txBody>
-      </p:sp>
-    </p:spTree>
-  </p:cSld>
-  <p:clrMapOvr>
-    <a:masterClrMapping/>
-  </p:clrMapOvr>
-</p:notes>
-</file>
-
-<file path=ppt/notesSlides/notesSlide29.xml><?xml version="1.0" encoding="utf-8"?>
-<p:notes xmlns:a="http://schemas.openxmlformats.org/drawingml/2006/main" xmlns:r="http://schemas.openxmlformats.org/officeDocument/2006/relationships" xmlns:mc="http://schemas.openxmlformats.org/markup-compatibility/2006" xmlns:mv="urn:schemas-microsoft-com:mac:vml" xmlns:p="http://schemas.openxmlformats.org/presentationml/2006/main" xmlns:c="http://schemas.openxmlformats.org/drawingml/2006/chart" xmlns:dgm="http://schemas.openxmlformats.org/drawingml/2006/diagram" xmlns:o="urn:schemas-microsoft-com:office:office" xmlns:v="urn:schemas-microsoft-com:vml" xmlns:pvml="urn:schemas-microsoft-com:office:powerpoint" xmlns:com="http://schemas.openxmlformats.org/drawingml/2006/compatibility" xmlns:p14="http://schemas.microsoft.com/office/powerpoint/2010/main" xmlns:p15="http://schemas.microsoft.com/office/powerpoint/2012/main" showMasterPhAnim="0" showMasterSp="0">
-  <p:cSld>
-    <p:spTree>
-      <p:nvGrpSpPr>
-        <p:cNvPr id="351" name="Shape 351"/>
-        <p:cNvGrpSpPr/>
-        <p:nvPr/>
-      </p:nvGrpSpPr>
-      <p:grpSpPr>
-        <a:xfrm>
-          <a:off x="0" y="0"/>
-          <a:ext cx="0" cy="0"/>
-          <a:chOff x="0" y="0"/>
-          <a:chExt cx="0" cy="0"/>
-        </a:xfrm>
-      </p:grpSpPr>
-      <p:sp>
-        <p:nvSpPr>
-          <p:cNvPr id="352" name="Google Shape;352;g45f96b986c_1_31:notes"/>
-          <p:cNvSpPr/>
-          <p:nvPr>
-            <p:ph idx="2" type="sldImg"/>
-          </p:nvPr>
-        </p:nvSpPr>
-        <p:spPr>
-          <a:xfrm>
-            <a:off x="1143225" y="685800"/>
-            <a:ext cx="4572300" cy="3429000"/>
-          </a:xfrm>
-          <a:custGeom>
-            <a:rect b="b" l="l" r="r" t="t"/>
-            <a:pathLst>
-              <a:path extrusionOk="0" h="120000" w="120000">
-                <a:moveTo>
-                  <a:pt x="0" y="0"/>
-                </a:moveTo>
-                <a:lnTo>
-                  <a:pt x="120000" y="0"/>
-                </a:lnTo>
-                <a:lnTo>
-                  <a:pt x="120000" y="120000"/>
-                </a:lnTo>
-                <a:lnTo>
-                  <a:pt x="0" y="120000"/>
-                </a:lnTo>
-                <a:close/>
-              </a:path>
-            </a:pathLst>
-          </a:custGeom>
-        </p:spPr>
-      </p:sp>
-      <p:sp>
-        <p:nvSpPr>
-          <p:cNvPr id="353" name="Google Shape;353;g45f96b986c_1_31:notes"/>
+          <p:cNvPr id="350" name="Google Shape;350;g45f96b986c_0_32:notes"/>
           <p:cNvSpPr txBox="1"/>
           <p:nvPr>
             <p:ph idx="1" type="body"/>
@@ -2993,7 +2995,7 @@
   <p:cSld>
     <p:spTree>
       <p:nvGrpSpPr>
-        <p:cNvPr id="357" name="Shape 357"/>
+        <p:cNvPr id="354" name="Shape 354"/>
         <p:cNvGrpSpPr/>
         <p:nvPr/>
       </p:nvGrpSpPr>
@@ -3007,7 +3009,7 @@
       </p:grpSpPr>
       <p:sp>
         <p:nvSpPr>
-          <p:cNvPr id="358" name="Google Shape;358;g45f96b986c_1_25:notes"/>
+          <p:cNvPr id="355" name="Google Shape;355;g45f98acc28_0_35:notes"/>
           <p:cNvSpPr/>
           <p:nvPr>
             <p:ph idx="2" type="sldImg"/>
@@ -3042,7 +3044,205 @@
       </p:sp>
       <p:sp>
         <p:nvSpPr>
-          <p:cNvPr id="359" name="Google Shape;359;g45f96b986c_1_25:notes"/>
+          <p:cNvPr id="356" name="Google Shape;356;g45f98acc28_0_35:notes"/>
+          <p:cNvSpPr txBox="1"/>
+          <p:nvPr>
+            <p:ph idx="1" type="body"/>
+          </p:nvPr>
+        </p:nvSpPr>
+        <p:spPr>
+          <a:xfrm>
+            <a:off x="685800" y="4343400"/>
+            <a:ext cx="5486400" cy="4114800"/>
+          </a:xfrm>
+          <a:prstGeom prst="rect">
+            <a:avLst/>
+          </a:prstGeom>
+        </p:spPr>
+        <p:txBody>
+          <a:bodyPr anchorCtr="0" anchor="t" bIns="91425" lIns="91425" spcFirstLastPara="1" rIns="91425" wrap="square" tIns="91425">
+            <a:noAutofit/>
+          </a:bodyPr>
+          <a:lstStyle/>
+          <a:p>
+            <a:pPr indent="0" lvl="0" marL="0" rtl="0" algn="l">
+              <a:spcBef>
+                <a:spcPts val="0"/>
+              </a:spcBef>
+              <a:spcAft>
+                <a:spcPts val="0"/>
+              </a:spcAft>
+              <a:buNone/>
+            </a:pPr>
+            <a:r>
+              <a:t/>
+            </a:r>
+            <a:endParaRPr/>
+          </a:p>
+        </p:txBody>
+      </p:sp>
+    </p:spTree>
+  </p:cSld>
+  <p:clrMapOvr>
+    <a:masterClrMapping/>
+  </p:clrMapOvr>
+</p:notes>
+</file>
+
+<file path=ppt/notesSlides/notesSlide31.xml><?xml version="1.0" encoding="utf-8"?>
+<p:notes xmlns:a="http://schemas.openxmlformats.org/drawingml/2006/main" xmlns:r="http://schemas.openxmlformats.org/officeDocument/2006/relationships" xmlns:mc="http://schemas.openxmlformats.org/markup-compatibility/2006" xmlns:mv="urn:schemas-microsoft-com:mac:vml" xmlns:p="http://schemas.openxmlformats.org/presentationml/2006/main" xmlns:c="http://schemas.openxmlformats.org/drawingml/2006/chart" xmlns:dgm="http://schemas.openxmlformats.org/drawingml/2006/diagram" xmlns:o="urn:schemas-microsoft-com:office:office" xmlns:v="urn:schemas-microsoft-com:vml" xmlns:pvml="urn:schemas-microsoft-com:office:powerpoint" xmlns:com="http://schemas.openxmlformats.org/drawingml/2006/compatibility" xmlns:p14="http://schemas.microsoft.com/office/powerpoint/2010/main" xmlns:p15="http://schemas.microsoft.com/office/powerpoint/2012/main" showMasterPhAnim="0" showMasterSp="0">
+  <p:cSld>
+    <p:spTree>
+      <p:nvGrpSpPr>
+        <p:cNvPr id="360" name="Shape 360"/>
+        <p:cNvGrpSpPr/>
+        <p:nvPr/>
+      </p:nvGrpSpPr>
+      <p:grpSpPr>
+        <a:xfrm>
+          <a:off x="0" y="0"/>
+          <a:ext cx="0" cy="0"/>
+          <a:chOff x="0" y="0"/>
+          <a:chExt cx="0" cy="0"/>
+        </a:xfrm>
+      </p:grpSpPr>
+      <p:sp>
+        <p:nvSpPr>
+          <p:cNvPr id="361" name="Google Shape;361;g45f96b986c_1_37:notes"/>
+          <p:cNvSpPr/>
+          <p:nvPr>
+            <p:ph idx="2" type="sldImg"/>
+          </p:nvPr>
+        </p:nvSpPr>
+        <p:spPr>
+          <a:xfrm>
+            <a:off x="1143225" y="685800"/>
+            <a:ext cx="4572300" cy="3429000"/>
+          </a:xfrm>
+          <a:custGeom>
+            <a:rect b="b" l="l" r="r" t="t"/>
+            <a:pathLst>
+              <a:path extrusionOk="0" h="120000" w="120000">
+                <a:moveTo>
+                  <a:pt x="0" y="0"/>
+                </a:moveTo>
+                <a:lnTo>
+                  <a:pt x="120000" y="0"/>
+                </a:lnTo>
+                <a:lnTo>
+                  <a:pt x="120000" y="120000"/>
+                </a:lnTo>
+                <a:lnTo>
+                  <a:pt x="0" y="120000"/>
+                </a:lnTo>
+                <a:close/>
+              </a:path>
+            </a:pathLst>
+          </a:custGeom>
+        </p:spPr>
+      </p:sp>
+      <p:sp>
+        <p:nvSpPr>
+          <p:cNvPr id="362" name="Google Shape;362;g45f96b986c_1_37:notes"/>
+          <p:cNvSpPr txBox="1"/>
+          <p:nvPr>
+            <p:ph idx="1" type="body"/>
+          </p:nvPr>
+        </p:nvSpPr>
+        <p:spPr>
+          <a:xfrm>
+            <a:off x="685800" y="4343400"/>
+            <a:ext cx="5486400" cy="4114800"/>
+          </a:xfrm>
+          <a:prstGeom prst="rect">
+            <a:avLst/>
+          </a:prstGeom>
+        </p:spPr>
+        <p:txBody>
+          <a:bodyPr anchorCtr="0" anchor="t" bIns="91425" lIns="91425" spcFirstLastPara="1" rIns="91425" wrap="square" tIns="91425">
+            <a:noAutofit/>
+          </a:bodyPr>
+          <a:lstStyle/>
+          <a:p>
+            <a:pPr indent="0" lvl="0" marL="0" rtl="0" algn="l">
+              <a:spcBef>
+                <a:spcPts val="0"/>
+              </a:spcBef>
+              <a:spcAft>
+                <a:spcPts val="0"/>
+              </a:spcAft>
+              <a:buNone/>
+            </a:pPr>
+            <a:r>
+              <a:t/>
+            </a:r>
+            <a:endParaRPr/>
+          </a:p>
+        </p:txBody>
+      </p:sp>
+    </p:spTree>
+  </p:cSld>
+  <p:clrMapOvr>
+    <a:masterClrMapping/>
+  </p:clrMapOvr>
+</p:notes>
+</file>
+
+<file path=ppt/notesSlides/notesSlide32.xml><?xml version="1.0" encoding="utf-8"?>
+<p:notes xmlns:a="http://schemas.openxmlformats.org/drawingml/2006/main" xmlns:r="http://schemas.openxmlformats.org/officeDocument/2006/relationships" xmlns:mc="http://schemas.openxmlformats.org/markup-compatibility/2006" xmlns:mv="urn:schemas-microsoft-com:mac:vml" xmlns:p="http://schemas.openxmlformats.org/presentationml/2006/main" xmlns:c="http://schemas.openxmlformats.org/drawingml/2006/chart" xmlns:dgm="http://schemas.openxmlformats.org/drawingml/2006/diagram" xmlns:o="urn:schemas-microsoft-com:office:office" xmlns:v="urn:schemas-microsoft-com:vml" xmlns:pvml="urn:schemas-microsoft-com:office:powerpoint" xmlns:com="http://schemas.openxmlformats.org/drawingml/2006/compatibility" xmlns:p14="http://schemas.microsoft.com/office/powerpoint/2010/main" xmlns:p15="http://schemas.microsoft.com/office/powerpoint/2012/main" showMasterPhAnim="0" showMasterSp="0">
+  <p:cSld>
+    <p:spTree>
+      <p:nvGrpSpPr>
+        <p:cNvPr id="366" name="Shape 366"/>
+        <p:cNvGrpSpPr/>
+        <p:nvPr/>
+      </p:nvGrpSpPr>
+      <p:grpSpPr>
+        <a:xfrm>
+          <a:off x="0" y="0"/>
+          <a:ext cx="0" cy="0"/>
+          <a:chOff x="0" y="0"/>
+          <a:chExt cx="0" cy="0"/>
+        </a:xfrm>
+      </p:grpSpPr>
+      <p:sp>
+        <p:nvSpPr>
+          <p:cNvPr id="367" name="Google Shape;367;g45f96b986c_1_25:notes"/>
+          <p:cNvSpPr/>
+          <p:nvPr>
+            <p:ph idx="2" type="sldImg"/>
+          </p:nvPr>
+        </p:nvSpPr>
+        <p:spPr>
+          <a:xfrm>
+            <a:off x="1143225" y="685800"/>
+            <a:ext cx="4572300" cy="3429000"/>
+          </a:xfrm>
+          <a:custGeom>
+            <a:rect b="b" l="l" r="r" t="t"/>
+            <a:pathLst>
+              <a:path extrusionOk="0" h="120000" w="120000">
+                <a:moveTo>
+                  <a:pt x="0" y="0"/>
+                </a:moveTo>
+                <a:lnTo>
+                  <a:pt x="120000" y="0"/>
+                </a:lnTo>
+                <a:lnTo>
+                  <a:pt x="120000" y="120000"/>
+                </a:lnTo>
+                <a:lnTo>
+                  <a:pt x="0" y="120000"/>
+                </a:lnTo>
+                <a:close/>
+              </a:path>
+            </a:pathLst>
+          </a:custGeom>
+        </p:spPr>
+      </p:sp>
+      <p:sp>
+        <p:nvSpPr>
+          <p:cNvPr id="368" name="Google Shape;368;g45f96b986c_1_25:notes"/>
           <p:cNvSpPr txBox="1"/>
           <p:nvPr>
             <p:ph idx="1" type="body"/>
@@ -3601,7 +3801,46 @@
       </p:grpSpPr>
       <p:sp>
         <p:nvSpPr>
-          <p:cNvPr id="232" name="Google Shape;232;g48224fb2b0_0_0:notes"/>
+          <p:cNvPr id="232" name="Google Shape;232;g473684c2df_1_0:notes"/>
+          <p:cNvSpPr txBox="1"/>
+          <p:nvPr>
+            <p:ph idx="1" type="body"/>
+          </p:nvPr>
+        </p:nvSpPr>
+        <p:spPr>
+          <a:xfrm>
+            <a:off x="685800" y="4343400"/>
+            <a:ext cx="5486400" cy="4114800"/>
+          </a:xfrm>
+          <a:prstGeom prst="rect">
+            <a:avLst/>
+          </a:prstGeom>
+        </p:spPr>
+        <p:txBody>
+          <a:bodyPr anchorCtr="0" anchor="t" bIns="91425" lIns="91425" spcFirstLastPara="1" rIns="91425" wrap="square" tIns="91425">
+            <a:noAutofit/>
+          </a:bodyPr>
+          <a:lstStyle/>
+          <a:p>
+            <a:pPr indent="0" lvl="0" marL="0" rtl="0" algn="l">
+              <a:spcBef>
+                <a:spcPts val="0"/>
+              </a:spcBef>
+              <a:spcAft>
+                <a:spcPts val="0"/>
+              </a:spcAft>
+              <a:buNone/>
+            </a:pPr>
+            <a:r>
+              <a:t/>
+            </a:r>
+            <a:endParaRPr/>
+          </a:p>
+        </p:txBody>
+      </p:sp>
+      <p:sp>
+        <p:nvSpPr>
+          <p:cNvPr id="233" name="Google Shape;233;g473684c2df_1_0:notes"/>
           <p:cNvSpPr/>
           <p:nvPr>
             <p:ph idx="2" type="sldImg"/>
@@ -3633,45 +3872,6 @@
             </a:pathLst>
           </a:custGeom>
         </p:spPr>
-      </p:sp>
-      <p:sp>
-        <p:nvSpPr>
-          <p:cNvPr id="233" name="Google Shape;233;g48224fb2b0_0_0:notes"/>
-          <p:cNvSpPr txBox="1"/>
-          <p:nvPr>
-            <p:ph idx="1" type="body"/>
-          </p:nvPr>
-        </p:nvSpPr>
-        <p:spPr>
-          <a:xfrm>
-            <a:off x="685800" y="4343400"/>
-            <a:ext cx="5486400" cy="4114800"/>
-          </a:xfrm>
-          <a:prstGeom prst="rect">
-            <a:avLst/>
-          </a:prstGeom>
-        </p:spPr>
-        <p:txBody>
-          <a:bodyPr anchorCtr="0" anchor="t" bIns="91425" lIns="91425" spcFirstLastPara="1" rIns="91425" wrap="square" tIns="91425">
-            <a:noAutofit/>
-          </a:bodyPr>
-          <a:lstStyle/>
-          <a:p>
-            <a:pPr indent="0" lvl="0" marL="0" rtl="0" algn="l">
-              <a:spcBef>
-                <a:spcPts val="0"/>
-              </a:spcBef>
-              <a:spcAft>
-                <a:spcPts val="0"/>
-              </a:spcAft>
-              <a:buNone/>
-            </a:pPr>
-            <a:r>
-              <a:t/>
-            </a:r>
-            <a:endParaRPr/>
-          </a:p>
-        </p:txBody>
       </p:sp>
     </p:spTree>
   </p:cSld>
@@ -18704,7 +18904,16 @@
                 <a:cs typeface="Teko"/>
                 <a:sym typeface="Teko"/>
               </a:rPr>
-              <a:t>Course freak</a:t>
+              <a:t>C</a:t>
+            </a:r>
+            <a:r>
+              <a:rPr lang="en-US">
+                <a:latin typeface="Teko"/>
+                <a:ea typeface="Teko"/>
+                <a:cs typeface="Teko"/>
+                <a:sym typeface="Teko"/>
+              </a:rPr>
+              <a:t>ourse freak</a:t>
             </a:r>
             <a:endParaRPr>
               <a:latin typeface="Teko"/>
@@ -18789,7 +18998,7 @@
   <p:cSld>
     <p:spTree>
       <p:nvGrpSpPr>
-        <p:cNvPr id="240" name="Shape 240"/>
+        <p:cNvPr id="239" name="Shape 239"/>
         <p:cNvGrpSpPr/>
         <p:nvPr/>
       </p:nvGrpSpPr>
@@ -18803,7 +19012,219 @@
       </p:grpSpPr>
       <p:sp>
         <p:nvSpPr>
+          <p:cNvPr id="240" name="Google Shape;240;p28"/>
+          <p:cNvSpPr txBox="1"/>
+          <p:nvPr/>
+        </p:nvSpPr>
+        <p:spPr>
+          <a:xfrm>
+            <a:off x="1648650" y="725550"/>
+            <a:ext cx="8905200" cy="1505700"/>
+          </a:xfrm>
+          <a:prstGeom prst="rect">
+            <a:avLst/>
+          </a:prstGeom>
+          <a:noFill/>
+          <a:ln>
+            <a:noFill/>
+          </a:ln>
+        </p:spPr>
+        <p:txBody>
+          <a:bodyPr anchorCtr="0" anchor="t" bIns="91425" lIns="91425" spcFirstLastPara="1" rIns="91425" wrap="square" tIns="91425">
+            <a:noAutofit/>
+          </a:bodyPr>
+          <a:lstStyle/>
+          <a:p>
+            <a:pPr indent="0" lvl="0" marL="0" rtl="0" algn="l">
+              <a:spcBef>
+                <a:spcPts val="0"/>
+              </a:spcBef>
+              <a:spcAft>
+                <a:spcPts val="0"/>
+              </a:spcAft>
+              <a:buNone/>
+            </a:pPr>
+            <a:r>
+              <a:rPr lang="en-US" sz="3000">
+                <a:latin typeface="Teko"/>
+                <a:ea typeface="Teko"/>
+                <a:cs typeface="Teko"/>
+                <a:sym typeface="Teko"/>
+              </a:rPr>
+              <a:t>“As a user I want to get recommendations for courses that might interest me”</a:t>
+            </a:r>
+            <a:endParaRPr sz="3000">
+              <a:latin typeface="Teko"/>
+              <a:ea typeface="Teko"/>
+              <a:cs typeface="Teko"/>
+              <a:sym typeface="Teko"/>
+            </a:endParaRPr>
+          </a:p>
+        </p:txBody>
+      </p:sp>
+      <p:sp>
+        <p:nvSpPr>
           <p:cNvPr id="241" name="Google Shape;241;p28"/>
+          <p:cNvSpPr txBox="1"/>
+          <p:nvPr/>
+        </p:nvSpPr>
+        <p:spPr>
+          <a:xfrm>
+            <a:off x="3057150" y="2365350"/>
+            <a:ext cx="6077700" cy="2127300"/>
+          </a:xfrm>
+          <a:prstGeom prst="rect">
+            <a:avLst/>
+          </a:prstGeom>
+          <a:noFill/>
+          <a:ln>
+            <a:noFill/>
+          </a:ln>
+        </p:spPr>
+        <p:txBody>
+          <a:bodyPr anchorCtr="0" anchor="t" bIns="91425" lIns="91425" spcFirstLastPara="1" rIns="91425" wrap="square" tIns="91425">
+            <a:noAutofit/>
+          </a:bodyPr>
+          <a:lstStyle/>
+          <a:p>
+            <a:pPr indent="0" lvl="0" marL="0" rtl="0" algn="l">
+              <a:spcBef>
+                <a:spcPts val="0"/>
+              </a:spcBef>
+              <a:spcAft>
+                <a:spcPts val="0"/>
+              </a:spcAft>
+              <a:buNone/>
+            </a:pPr>
+            <a:r>
+              <a:rPr lang="en-US" sz="1800"/>
+              <a:t>Time Estimation: 6 hours</a:t>
+            </a:r>
+            <a:endParaRPr sz="1800"/>
+          </a:p>
+          <a:p>
+            <a:pPr indent="0" lvl="0" marL="0" rtl="0" algn="l">
+              <a:spcBef>
+                <a:spcPts val="0"/>
+              </a:spcBef>
+              <a:spcAft>
+                <a:spcPts val="0"/>
+              </a:spcAft>
+              <a:buNone/>
+            </a:pPr>
+            <a:r>
+              <a:t/>
+            </a:r>
+            <a:endParaRPr sz="1800"/>
+          </a:p>
+          <a:p>
+            <a:pPr indent="0" lvl="0" marL="0" rtl="0" algn="l">
+              <a:spcBef>
+                <a:spcPts val="0"/>
+              </a:spcBef>
+              <a:spcAft>
+                <a:spcPts val="0"/>
+              </a:spcAft>
+              <a:buNone/>
+            </a:pPr>
+            <a:r>
+              <a:rPr lang="en-US" sz="1800"/>
+              <a:t>Owner: Amit Sdeor</a:t>
+            </a:r>
+            <a:endParaRPr sz="1800"/>
+          </a:p>
+          <a:p>
+            <a:pPr indent="0" lvl="0" marL="0" rtl="0" algn="l">
+              <a:spcBef>
+                <a:spcPts val="0"/>
+              </a:spcBef>
+              <a:spcAft>
+                <a:spcPts val="0"/>
+              </a:spcAft>
+              <a:buNone/>
+            </a:pPr>
+            <a:r>
+              <a:t/>
+            </a:r>
+            <a:endParaRPr sz="1800"/>
+          </a:p>
+          <a:p>
+            <a:pPr indent="0" lvl="0" marL="0" rtl="0" algn="l">
+              <a:spcBef>
+                <a:spcPts val="0"/>
+              </a:spcBef>
+              <a:spcAft>
+                <a:spcPts val="0"/>
+              </a:spcAft>
+              <a:buNone/>
+            </a:pPr>
+            <a:r>
+              <a:rPr lang="en-US" sz="1800"/>
+              <a:t>Frameworks: Firebase, JML or LAML, Android Studio</a:t>
+            </a:r>
+            <a:endParaRPr sz="1800"/>
+          </a:p>
+          <a:p>
+            <a:pPr indent="0" lvl="0" marL="0" rtl="0" algn="l">
+              <a:spcBef>
+                <a:spcPts val="0"/>
+              </a:spcBef>
+              <a:spcAft>
+                <a:spcPts val="0"/>
+              </a:spcAft>
+              <a:buNone/>
+            </a:pPr>
+            <a:r>
+              <a:t/>
+            </a:r>
+            <a:endParaRPr sz="1800"/>
+          </a:p>
+          <a:p>
+            <a:pPr indent="0" lvl="0" marL="0" rtl="0" algn="l">
+              <a:spcBef>
+                <a:spcPts val="0"/>
+              </a:spcBef>
+              <a:spcAft>
+                <a:spcPts val="0"/>
+              </a:spcAft>
+              <a:buNone/>
+            </a:pPr>
+            <a:r>
+              <a:rPr lang="en-US" sz="1800"/>
+              <a:t>Risks: Recommendation engine will take time to train well.</a:t>
+            </a:r>
+            <a:endParaRPr sz="1800"/>
+          </a:p>
+        </p:txBody>
+      </p:sp>
+    </p:spTree>
+  </p:cSld>
+  <p:clrMapOvr>
+    <a:masterClrMapping/>
+  </p:clrMapOvr>
+</p:sld>
+</file>
+
+<file path=ppt/slides/slide11.xml><?xml version="1.0" encoding="utf-8"?>
+<p:sld xmlns:a="http://schemas.openxmlformats.org/drawingml/2006/main" xmlns:r="http://schemas.openxmlformats.org/officeDocument/2006/relationships" xmlns:mc="http://schemas.openxmlformats.org/markup-compatibility/2006" xmlns:mv="urn:schemas-microsoft-com:mac:vml" xmlns:p="http://schemas.openxmlformats.org/presentationml/2006/main" xmlns:c="http://schemas.openxmlformats.org/drawingml/2006/chart" xmlns:dgm="http://schemas.openxmlformats.org/drawingml/2006/diagram" xmlns:o="urn:schemas-microsoft-com:office:office" xmlns:v="urn:schemas-microsoft-com:vml" xmlns:pvml="urn:schemas-microsoft-com:office:powerpoint" xmlns:com="http://schemas.openxmlformats.org/drawingml/2006/compatibility" xmlns:p14="http://schemas.microsoft.com/office/powerpoint/2010/main" xmlns:p15="http://schemas.microsoft.com/office/powerpoint/2012/main">
+  <p:cSld>
+    <p:spTree>
+      <p:nvGrpSpPr>
+        <p:cNvPr id="245" name="Shape 245"/>
+        <p:cNvGrpSpPr/>
+        <p:nvPr/>
+      </p:nvGrpSpPr>
+      <p:grpSpPr>
+        <a:xfrm>
+          <a:off x="0" y="0"/>
+          <a:ext cx="0" cy="0"/>
+          <a:chOff x="0" y="0"/>
+          <a:chExt cx="0" cy="0"/>
+        </a:xfrm>
+      </p:grpSpPr>
+      <p:sp>
+        <p:nvSpPr>
+          <p:cNvPr id="246" name="Google Shape;246;p29"/>
           <p:cNvSpPr txBox="1"/>
           <p:nvPr/>
         </p:nvSpPr>
@@ -18833,6 +19254,11 @@
               <a:spcAft>
                 <a:spcPts val="0"/>
               </a:spcAft>
+              <a:buClr>
+                <a:schemeClr val="dk1"/>
+              </a:buClr>
+              <a:buSzPts val="1100"/>
+              <a:buFont typeface="Arial"/>
               <a:buNone/>
             </a:pPr>
             <a:r>
@@ -18845,7 +19271,30 @@
                 <a:cs typeface="Teko"/>
                 <a:sym typeface="Teko"/>
               </a:rPr>
-              <a:t>“As a user I want to get relevant recommendations for my potential courses only  (are in my Catalog and fit my requirements and didnt take yet)”</a:t>
+              <a:t>“As a user I want to contribute and provide my personal ratings to help the app give me more accurate recommendations.”</a:t>
+            </a:r>
+            <a:endParaRPr sz="3000">
+              <a:solidFill>
+                <a:schemeClr val="dk1"/>
+              </a:solidFill>
+              <a:latin typeface="Teko"/>
+              <a:ea typeface="Teko"/>
+              <a:cs typeface="Teko"/>
+              <a:sym typeface="Teko"/>
+            </a:endParaRPr>
+          </a:p>
+          <a:p>
+            <a:pPr indent="0" lvl="0" marL="0" rtl="0" algn="r">
+              <a:spcBef>
+                <a:spcPts val="0"/>
+              </a:spcBef>
+              <a:spcAft>
+                <a:spcPts val="0"/>
+              </a:spcAft>
+              <a:buNone/>
+            </a:pPr>
+            <a:r>
+              <a:t/>
             </a:r>
             <a:endParaRPr sz="3000">
               <a:latin typeface="Teko"/>
@@ -18858,7 +19307,7 @@
       </p:sp>
       <p:sp>
         <p:nvSpPr>
-          <p:cNvPr id="242" name="Google Shape;242;p28"/>
+          <p:cNvPr id="247" name="Google Shape;247;p29"/>
           <p:cNvSpPr txBox="1"/>
           <p:nvPr/>
         </p:nvSpPr>
@@ -18901,7 +19350,7 @@
                   <a:schemeClr val="dk1"/>
                 </a:solidFill>
               </a:rPr>
-              <a:t>Time Estimation: 3 hour</a:t>
+              <a:t>Time Estimation: 2 hour</a:t>
             </a:r>
             <a:endParaRPr sz="1800">
               <a:solidFill>
@@ -19060,7 +19509,26 @@
                   <a:schemeClr val="dk1"/>
                 </a:solidFill>
               </a:rPr>
-              <a:t>Risks: None.</a:t>
+              <a:t>Risks: Users may not want to spend time providing ratings.</a:t>
+            </a:r>
+            <a:endParaRPr sz="1800">
+              <a:solidFill>
+                <a:schemeClr val="dk1"/>
+              </a:solidFill>
+            </a:endParaRPr>
+          </a:p>
+          <a:p>
+            <a:pPr indent="0" lvl="0" marL="0" rtl="0" algn="l">
+              <a:spcBef>
+                <a:spcPts val="0"/>
+              </a:spcBef>
+              <a:spcAft>
+                <a:spcPts val="0"/>
+              </a:spcAft>
+              <a:buNone/>
+            </a:pPr>
+            <a:r>
+              <a:t/>
             </a:r>
             <a:endParaRPr sz="1800"/>
           </a:p>
@@ -19074,12 +19542,12 @@
 </p:sld>
 </file>
 
-<file path=ppt/slides/slide11.xml><?xml version="1.0" encoding="utf-8"?>
+<file path=ppt/slides/slide12.xml><?xml version="1.0" encoding="utf-8"?>
 <p:sld xmlns:a="http://schemas.openxmlformats.org/drawingml/2006/main" xmlns:r="http://schemas.openxmlformats.org/officeDocument/2006/relationships" xmlns:mc="http://schemas.openxmlformats.org/markup-compatibility/2006" xmlns:mv="urn:schemas-microsoft-com:mac:vml" xmlns:p="http://schemas.openxmlformats.org/presentationml/2006/main" xmlns:c="http://schemas.openxmlformats.org/drawingml/2006/chart" xmlns:dgm="http://schemas.openxmlformats.org/drawingml/2006/diagram" xmlns:o="urn:schemas-microsoft-com:office:office" xmlns:v="urn:schemas-microsoft-com:vml" xmlns:pvml="urn:schemas-microsoft-com:office:powerpoint" xmlns:com="http://schemas.openxmlformats.org/drawingml/2006/compatibility" xmlns:p14="http://schemas.microsoft.com/office/powerpoint/2010/main" xmlns:p15="http://schemas.microsoft.com/office/powerpoint/2012/main">
   <p:cSld>
     <p:spTree>
       <p:nvGrpSpPr>
-        <p:cNvPr id="246" name="Shape 246"/>
+        <p:cNvPr id="251" name="Shape 251"/>
         <p:cNvGrpSpPr/>
         <p:nvPr/>
       </p:nvGrpSpPr>
@@ -19093,7 +19561,970 @@
       </p:grpSpPr>
       <p:sp>
         <p:nvSpPr>
-          <p:cNvPr id="247" name="Google Shape;247;p29"/>
+          <p:cNvPr id="252" name="Google Shape;252;p30"/>
+          <p:cNvSpPr txBox="1"/>
+          <p:nvPr/>
+        </p:nvSpPr>
+        <p:spPr>
+          <a:xfrm>
+            <a:off x="1984800" y="698125"/>
+            <a:ext cx="10207200" cy="1437300"/>
+          </a:xfrm>
+          <a:prstGeom prst="rect">
+            <a:avLst/>
+          </a:prstGeom>
+          <a:noFill/>
+          <a:ln>
+            <a:noFill/>
+          </a:ln>
+        </p:spPr>
+        <p:txBody>
+          <a:bodyPr anchorCtr="0" anchor="t" bIns="91425" lIns="91425" spcFirstLastPara="1" rIns="91425" wrap="square" tIns="91425">
+            <a:noAutofit/>
+          </a:bodyPr>
+          <a:lstStyle/>
+          <a:p>
+            <a:pPr indent="0" lvl="0" marL="0" rtl="0" algn="l">
+              <a:spcBef>
+                <a:spcPts val="0"/>
+              </a:spcBef>
+              <a:spcAft>
+                <a:spcPts val="0"/>
+              </a:spcAft>
+              <a:buNone/>
+            </a:pPr>
+            <a:r>
+              <a:rPr lang="en-US" sz="3000">
+                <a:latin typeface="Teko"/>
+                <a:ea typeface="Teko"/>
+                <a:cs typeface="Teko"/>
+                <a:sym typeface="Teko"/>
+              </a:rPr>
+              <a:t>“</a:t>
+            </a:r>
+            <a:r>
+              <a:rPr lang="en-US" sz="3000">
+                <a:latin typeface="Teko"/>
+                <a:ea typeface="Teko"/>
+                <a:cs typeface="Teko"/>
+                <a:sym typeface="Teko"/>
+              </a:rPr>
+              <a:t>As a user I want to write reviews for courses I took (anonymously/identified)</a:t>
+            </a:r>
+            <a:r>
+              <a:rPr lang="en-US" sz="3000">
+                <a:latin typeface="Teko"/>
+                <a:ea typeface="Teko"/>
+                <a:cs typeface="Teko"/>
+                <a:sym typeface="Teko"/>
+              </a:rPr>
+              <a:t>”</a:t>
+            </a:r>
+            <a:endParaRPr sz="3000">
+              <a:latin typeface="Teko"/>
+              <a:ea typeface="Teko"/>
+              <a:cs typeface="Teko"/>
+              <a:sym typeface="Teko"/>
+            </a:endParaRPr>
+          </a:p>
+        </p:txBody>
+      </p:sp>
+      <p:sp>
+        <p:nvSpPr>
+          <p:cNvPr id="253" name="Google Shape;253;p30"/>
+          <p:cNvSpPr txBox="1"/>
+          <p:nvPr/>
+        </p:nvSpPr>
+        <p:spPr>
+          <a:xfrm>
+            <a:off x="1984800" y="2135425"/>
+            <a:ext cx="8578200" cy="2381700"/>
+          </a:xfrm>
+          <a:prstGeom prst="rect">
+            <a:avLst/>
+          </a:prstGeom>
+          <a:noFill/>
+          <a:ln>
+            <a:noFill/>
+          </a:ln>
+        </p:spPr>
+        <p:txBody>
+          <a:bodyPr anchorCtr="0" anchor="t" bIns="91425" lIns="91425" spcFirstLastPara="1" rIns="91425" wrap="square" tIns="91425">
+            <a:noAutofit/>
+          </a:bodyPr>
+          <a:lstStyle/>
+          <a:p>
+            <a:pPr indent="0" lvl="0" marL="0" rtl="0" algn="l">
+              <a:spcBef>
+                <a:spcPts val="0"/>
+              </a:spcBef>
+              <a:spcAft>
+                <a:spcPts val="0"/>
+              </a:spcAft>
+              <a:buNone/>
+            </a:pPr>
+            <a:r>
+              <a:rPr lang="en-US" sz="1800"/>
+              <a:t>Time Estimation: 2.5 hours for front-end, 1 hour for back-end. </a:t>
+            </a:r>
+            <a:endParaRPr sz="1800"/>
+          </a:p>
+          <a:p>
+            <a:pPr indent="0" lvl="0" marL="0" rtl="0" algn="l">
+              <a:spcBef>
+                <a:spcPts val="0"/>
+              </a:spcBef>
+              <a:spcAft>
+                <a:spcPts val="0"/>
+              </a:spcAft>
+              <a:buNone/>
+            </a:pPr>
+            <a:r>
+              <a:t/>
+            </a:r>
+            <a:endParaRPr sz="1800"/>
+          </a:p>
+          <a:p>
+            <a:pPr indent="0" lvl="0" marL="0" rtl="0" algn="l">
+              <a:spcBef>
+                <a:spcPts val="0"/>
+              </a:spcBef>
+              <a:spcAft>
+                <a:spcPts val="0"/>
+              </a:spcAft>
+              <a:buNone/>
+            </a:pPr>
+            <a:r>
+              <a:rPr lang="en-US" sz="1800"/>
+              <a:t>Owner: Roy Hirsch</a:t>
+            </a:r>
+            <a:endParaRPr sz="1800"/>
+          </a:p>
+          <a:p>
+            <a:pPr indent="0" lvl="0" marL="0" rtl="0" algn="l">
+              <a:spcBef>
+                <a:spcPts val="0"/>
+              </a:spcBef>
+              <a:spcAft>
+                <a:spcPts val="0"/>
+              </a:spcAft>
+              <a:buNone/>
+            </a:pPr>
+            <a:r>
+              <a:t/>
+            </a:r>
+            <a:endParaRPr sz="1800"/>
+          </a:p>
+          <a:p>
+            <a:pPr indent="0" lvl="0" marL="0" rtl="0" algn="l">
+              <a:spcBef>
+                <a:spcPts val="0"/>
+              </a:spcBef>
+              <a:spcAft>
+                <a:spcPts val="0"/>
+              </a:spcAft>
+              <a:buNone/>
+            </a:pPr>
+            <a:r>
+              <a:rPr lang="en-US" sz="1800"/>
+              <a:t>Frameworks: Firebase &amp; Android Studio</a:t>
+            </a:r>
+            <a:endParaRPr sz="1800"/>
+          </a:p>
+          <a:p>
+            <a:pPr indent="0" lvl="0" marL="0" rtl="0" algn="l">
+              <a:spcBef>
+                <a:spcPts val="0"/>
+              </a:spcBef>
+              <a:spcAft>
+                <a:spcPts val="0"/>
+              </a:spcAft>
+              <a:buNone/>
+            </a:pPr>
+            <a:r>
+              <a:t/>
+            </a:r>
+            <a:endParaRPr sz="1800"/>
+          </a:p>
+          <a:p>
+            <a:pPr indent="0" lvl="0" marL="0" rtl="0" algn="l">
+              <a:spcBef>
+                <a:spcPts val="0"/>
+              </a:spcBef>
+              <a:spcAft>
+                <a:spcPts val="0"/>
+              </a:spcAft>
+              <a:buNone/>
+            </a:pPr>
+            <a:r>
+              <a:rPr lang="en-US" sz="1800"/>
+              <a:t>Risks: None.</a:t>
+            </a:r>
+            <a:endParaRPr sz="1800"/>
+          </a:p>
+        </p:txBody>
+      </p:sp>
+    </p:spTree>
+  </p:cSld>
+  <p:clrMapOvr>
+    <a:masterClrMapping/>
+  </p:clrMapOvr>
+</p:sld>
+</file>
+
+<file path=ppt/slides/slide13.xml><?xml version="1.0" encoding="utf-8"?>
+<p:sld xmlns:a="http://schemas.openxmlformats.org/drawingml/2006/main" xmlns:r="http://schemas.openxmlformats.org/officeDocument/2006/relationships" xmlns:mc="http://schemas.openxmlformats.org/markup-compatibility/2006" xmlns:mv="urn:schemas-microsoft-com:mac:vml" xmlns:p="http://schemas.openxmlformats.org/presentationml/2006/main" xmlns:c="http://schemas.openxmlformats.org/drawingml/2006/chart" xmlns:dgm="http://schemas.openxmlformats.org/drawingml/2006/diagram" xmlns:o="urn:schemas-microsoft-com:office:office" xmlns:v="urn:schemas-microsoft-com:vml" xmlns:pvml="urn:schemas-microsoft-com:office:powerpoint" xmlns:com="http://schemas.openxmlformats.org/drawingml/2006/compatibility" xmlns:p14="http://schemas.microsoft.com/office/powerpoint/2010/main" xmlns:p15="http://schemas.microsoft.com/office/powerpoint/2012/main">
+  <p:cSld>
+    <p:spTree>
+      <p:nvGrpSpPr>
+        <p:cNvPr id="257" name="Shape 257"/>
+        <p:cNvGrpSpPr/>
+        <p:nvPr/>
+      </p:nvGrpSpPr>
+      <p:grpSpPr>
+        <a:xfrm>
+          <a:off x="0" y="0"/>
+          <a:ext cx="0" cy="0"/>
+          <a:chOff x="0" y="0"/>
+          <a:chExt cx="0" cy="0"/>
+        </a:xfrm>
+      </p:grpSpPr>
+      <p:sp>
+        <p:nvSpPr>
+          <p:cNvPr id="258" name="Google Shape;258;p31"/>
+          <p:cNvSpPr txBox="1"/>
+          <p:nvPr/>
+        </p:nvSpPr>
+        <p:spPr>
+          <a:xfrm>
+            <a:off x="1984800" y="698125"/>
+            <a:ext cx="10207200" cy="1437300"/>
+          </a:xfrm>
+          <a:prstGeom prst="rect">
+            <a:avLst/>
+          </a:prstGeom>
+          <a:noFill/>
+          <a:ln>
+            <a:noFill/>
+          </a:ln>
+        </p:spPr>
+        <p:txBody>
+          <a:bodyPr anchorCtr="0" anchor="t" bIns="91425" lIns="91425" spcFirstLastPara="1" rIns="91425" wrap="square" tIns="91425">
+            <a:noAutofit/>
+          </a:bodyPr>
+          <a:lstStyle/>
+          <a:p>
+            <a:pPr indent="0" lvl="0" marL="0" rtl="0" algn="l">
+              <a:spcBef>
+                <a:spcPts val="0"/>
+              </a:spcBef>
+              <a:spcAft>
+                <a:spcPts val="0"/>
+              </a:spcAft>
+              <a:buNone/>
+            </a:pPr>
+            <a:r>
+              <a:rPr lang="en-US" sz="3000">
+                <a:latin typeface="Teko"/>
+                <a:ea typeface="Teko"/>
+                <a:cs typeface="Teko"/>
+                <a:sym typeface="Teko"/>
+              </a:rPr>
+              <a:t>“</a:t>
+            </a:r>
+            <a:r>
+              <a:rPr lang="en-US" sz="3000">
+                <a:latin typeface="Teko"/>
+                <a:ea typeface="Teko"/>
+                <a:cs typeface="Teko"/>
+                <a:sym typeface="Teko"/>
+              </a:rPr>
+              <a:t>As a user I want to read reviews for courses, and I want to see the most popular reviews first</a:t>
+            </a:r>
+            <a:r>
+              <a:rPr lang="en-US" sz="3000">
+                <a:latin typeface="Teko"/>
+                <a:ea typeface="Teko"/>
+                <a:cs typeface="Teko"/>
+                <a:sym typeface="Teko"/>
+              </a:rPr>
+              <a:t>”</a:t>
+            </a:r>
+            <a:endParaRPr sz="3000">
+              <a:latin typeface="Teko"/>
+              <a:ea typeface="Teko"/>
+              <a:cs typeface="Teko"/>
+              <a:sym typeface="Teko"/>
+            </a:endParaRPr>
+          </a:p>
+        </p:txBody>
+      </p:sp>
+      <p:sp>
+        <p:nvSpPr>
+          <p:cNvPr id="259" name="Google Shape;259;p31"/>
+          <p:cNvSpPr txBox="1"/>
+          <p:nvPr/>
+        </p:nvSpPr>
+        <p:spPr>
+          <a:xfrm>
+            <a:off x="1984800" y="2135425"/>
+            <a:ext cx="8578200" cy="2381700"/>
+          </a:xfrm>
+          <a:prstGeom prst="rect">
+            <a:avLst/>
+          </a:prstGeom>
+          <a:noFill/>
+          <a:ln>
+            <a:noFill/>
+          </a:ln>
+        </p:spPr>
+        <p:txBody>
+          <a:bodyPr anchorCtr="0" anchor="t" bIns="91425" lIns="91425" spcFirstLastPara="1" rIns="91425" wrap="square" tIns="91425">
+            <a:noAutofit/>
+          </a:bodyPr>
+          <a:lstStyle/>
+          <a:p>
+            <a:pPr indent="0" lvl="0" marL="0" rtl="0" algn="l">
+              <a:spcBef>
+                <a:spcPts val="0"/>
+              </a:spcBef>
+              <a:spcAft>
+                <a:spcPts val="0"/>
+              </a:spcAft>
+              <a:buNone/>
+            </a:pPr>
+            <a:r>
+              <a:rPr lang="en-US" sz="1800"/>
+              <a:t>Time Estimation: 3 hours for Android activity, 2 hours for resources. </a:t>
+            </a:r>
+            <a:endParaRPr sz="1800"/>
+          </a:p>
+          <a:p>
+            <a:pPr indent="0" lvl="0" marL="0" rtl="0" algn="l">
+              <a:spcBef>
+                <a:spcPts val="0"/>
+              </a:spcBef>
+              <a:spcAft>
+                <a:spcPts val="0"/>
+              </a:spcAft>
+              <a:buNone/>
+            </a:pPr>
+            <a:r>
+              <a:t/>
+            </a:r>
+            <a:endParaRPr sz="1800"/>
+          </a:p>
+          <a:p>
+            <a:pPr indent="0" lvl="0" marL="0" rtl="0" algn="l">
+              <a:spcBef>
+                <a:spcPts val="0"/>
+              </a:spcBef>
+              <a:spcAft>
+                <a:spcPts val="0"/>
+              </a:spcAft>
+              <a:buNone/>
+            </a:pPr>
+            <a:r>
+              <a:rPr lang="en-US" sz="1800"/>
+              <a:t>Owner: Roy Hirsch</a:t>
+            </a:r>
+            <a:endParaRPr sz="1800"/>
+          </a:p>
+          <a:p>
+            <a:pPr indent="0" lvl="0" marL="0" rtl="0" algn="l">
+              <a:spcBef>
+                <a:spcPts val="0"/>
+              </a:spcBef>
+              <a:spcAft>
+                <a:spcPts val="0"/>
+              </a:spcAft>
+              <a:buNone/>
+            </a:pPr>
+            <a:r>
+              <a:t/>
+            </a:r>
+            <a:endParaRPr sz="1800"/>
+          </a:p>
+          <a:p>
+            <a:pPr indent="0" lvl="0" marL="0" rtl="0" algn="l">
+              <a:spcBef>
+                <a:spcPts val="0"/>
+              </a:spcBef>
+              <a:spcAft>
+                <a:spcPts val="0"/>
+              </a:spcAft>
+              <a:buNone/>
+            </a:pPr>
+            <a:r>
+              <a:rPr lang="en-US" sz="1800"/>
+              <a:t>Frameworks: Firebase &amp; Android Studio</a:t>
+            </a:r>
+            <a:endParaRPr sz="1800"/>
+          </a:p>
+          <a:p>
+            <a:pPr indent="0" lvl="0" marL="0" rtl="0" algn="l">
+              <a:spcBef>
+                <a:spcPts val="0"/>
+              </a:spcBef>
+              <a:spcAft>
+                <a:spcPts val="0"/>
+              </a:spcAft>
+              <a:buNone/>
+            </a:pPr>
+            <a:r>
+              <a:t/>
+            </a:r>
+            <a:endParaRPr sz="1800"/>
+          </a:p>
+          <a:p>
+            <a:pPr indent="0" lvl="0" marL="0" rtl="0" algn="l">
+              <a:spcBef>
+                <a:spcPts val="0"/>
+              </a:spcBef>
+              <a:spcAft>
+                <a:spcPts val="0"/>
+              </a:spcAft>
+              <a:buNone/>
+            </a:pPr>
+            <a:r>
+              <a:rPr lang="en-US" sz="1800"/>
+              <a:t>Risks: None.</a:t>
+            </a:r>
+            <a:endParaRPr sz="1800"/>
+          </a:p>
+        </p:txBody>
+      </p:sp>
+    </p:spTree>
+  </p:cSld>
+  <p:clrMapOvr>
+    <a:masterClrMapping/>
+  </p:clrMapOvr>
+</p:sld>
+</file>
+
+<file path=ppt/slides/slide14.xml><?xml version="1.0" encoding="utf-8"?>
+<p:sld xmlns:a="http://schemas.openxmlformats.org/drawingml/2006/main" xmlns:r="http://schemas.openxmlformats.org/officeDocument/2006/relationships" xmlns:mc="http://schemas.openxmlformats.org/markup-compatibility/2006" xmlns:mv="urn:schemas-microsoft-com:mac:vml" xmlns:p="http://schemas.openxmlformats.org/presentationml/2006/main" xmlns:c="http://schemas.openxmlformats.org/drawingml/2006/chart" xmlns:dgm="http://schemas.openxmlformats.org/drawingml/2006/diagram" xmlns:o="urn:schemas-microsoft-com:office:office" xmlns:v="urn:schemas-microsoft-com:vml" xmlns:pvml="urn:schemas-microsoft-com:office:powerpoint" xmlns:com="http://schemas.openxmlformats.org/drawingml/2006/compatibility" xmlns:p14="http://schemas.microsoft.com/office/powerpoint/2010/main" xmlns:p15="http://schemas.microsoft.com/office/powerpoint/2012/main">
+  <p:cSld>
+    <p:spTree>
+      <p:nvGrpSpPr>
+        <p:cNvPr id="263" name="Shape 263"/>
+        <p:cNvGrpSpPr/>
+        <p:nvPr/>
+      </p:nvGrpSpPr>
+      <p:grpSpPr>
+        <a:xfrm>
+          <a:off x="0" y="0"/>
+          <a:ext cx="0" cy="0"/>
+          <a:chOff x="0" y="0"/>
+          <a:chExt cx="0" cy="0"/>
+        </a:xfrm>
+      </p:grpSpPr>
+      <p:sp>
+        <p:nvSpPr>
+          <p:cNvPr id="264" name="Google Shape;264;p32"/>
+          <p:cNvSpPr txBox="1"/>
+          <p:nvPr/>
+        </p:nvSpPr>
+        <p:spPr>
+          <a:xfrm>
+            <a:off x="1984800" y="698125"/>
+            <a:ext cx="10207200" cy="1437300"/>
+          </a:xfrm>
+          <a:prstGeom prst="rect">
+            <a:avLst/>
+          </a:prstGeom>
+          <a:noFill/>
+          <a:ln>
+            <a:noFill/>
+          </a:ln>
+        </p:spPr>
+        <p:txBody>
+          <a:bodyPr anchorCtr="0" anchor="t" bIns="91425" lIns="91425" spcFirstLastPara="1" rIns="91425" wrap="square" tIns="91425">
+            <a:noAutofit/>
+          </a:bodyPr>
+          <a:lstStyle/>
+          <a:p>
+            <a:pPr indent="0" lvl="0" marL="0" rtl="0" algn="l">
+              <a:spcBef>
+                <a:spcPts val="0"/>
+              </a:spcBef>
+              <a:spcAft>
+                <a:spcPts val="0"/>
+              </a:spcAft>
+              <a:buClr>
+                <a:schemeClr val="dk1"/>
+              </a:buClr>
+              <a:buSzPts val="1100"/>
+              <a:buFont typeface="Arial"/>
+              <a:buNone/>
+            </a:pPr>
+            <a:r>
+              <a:rPr lang="en-US" sz="3000">
+                <a:latin typeface="Teko"/>
+                <a:ea typeface="Teko"/>
+                <a:cs typeface="Teko"/>
+                <a:sym typeface="Teko"/>
+              </a:rPr>
+              <a:t>“</a:t>
+            </a:r>
+            <a:r>
+              <a:rPr lang="en-US" sz="3000">
+                <a:latin typeface="Teko"/>
+                <a:ea typeface="Teko"/>
+                <a:cs typeface="Teko"/>
+                <a:sym typeface="Teko"/>
+              </a:rPr>
+              <a:t>As a user I want to mark potential courses I am considering on taking next semester so that my friends will know</a:t>
+            </a:r>
+            <a:r>
+              <a:rPr lang="en-US" sz="3000">
+                <a:latin typeface="Teko"/>
+                <a:ea typeface="Teko"/>
+                <a:cs typeface="Teko"/>
+                <a:sym typeface="Teko"/>
+              </a:rPr>
+              <a:t>.”</a:t>
+            </a:r>
+            <a:endParaRPr sz="3000">
+              <a:latin typeface="Teko"/>
+              <a:ea typeface="Teko"/>
+              <a:cs typeface="Teko"/>
+              <a:sym typeface="Teko"/>
+            </a:endParaRPr>
+          </a:p>
+          <a:p>
+            <a:pPr indent="0" lvl="0" marL="0" rtl="0" algn="l">
+              <a:spcBef>
+                <a:spcPts val="0"/>
+              </a:spcBef>
+              <a:spcAft>
+                <a:spcPts val="0"/>
+              </a:spcAft>
+              <a:buNone/>
+            </a:pPr>
+            <a:r>
+              <a:t/>
+            </a:r>
+            <a:endParaRPr sz="3000">
+              <a:latin typeface="Teko"/>
+              <a:ea typeface="Teko"/>
+              <a:cs typeface="Teko"/>
+              <a:sym typeface="Teko"/>
+            </a:endParaRPr>
+          </a:p>
+        </p:txBody>
+      </p:sp>
+      <p:sp>
+        <p:nvSpPr>
+          <p:cNvPr id="265" name="Google Shape;265;p32"/>
+          <p:cNvSpPr txBox="1"/>
+          <p:nvPr/>
+        </p:nvSpPr>
+        <p:spPr>
+          <a:xfrm>
+            <a:off x="1984800" y="2135425"/>
+            <a:ext cx="8578200" cy="2381700"/>
+          </a:xfrm>
+          <a:prstGeom prst="rect">
+            <a:avLst/>
+          </a:prstGeom>
+          <a:noFill/>
+          <a:ln>
+            <a:noFill/>
+          </a:ln>
+        </p:spPr>
+        <p:txBody>
+          <a:bodyPr anchorCtr="0" anchor="t" bIns="91425" lIns="91425" spcFirstLastPara="1" rIns="91425" wrap="square" tIns="91425">
+            <a:noAutofit/>
+          </a:bodyPr>
+          <a:lstStyle/>
+          <a:p>
+            <a:pPr indent="0" lvl="0" marL="0" rtl="0" algn="l">
+              <a:spcBef>
+                <a:spcPts val="0"/>
+              </a:spcBef>
+              <a:spcAft>
+                <a:spcPts val="0"/>
+              </a:spcAft>
+              <a:buNone/>
+            </a:pPr>
+            <a:r>
+              <a:rPr lang="en-US" sz="1800"/>
+              <a:t>Time Estimation: 6 hours.</a:t>
+            </a:r>
+            <a:endParaRPr sz="1800"/>
+          </a:p>
+          <a:p>
+            <a:pPr indent="0" lvl="0" marL="0" rtl="0" algn="l">
+              <a:spcBef>
+                <a:spcPts val="0"/>
+              </a:spcBef>
+              <a:spcAft>
+                <a:spcPts val="0"/>
+              </a:spcAft>
+              <a:buNone/>
+            </a:pPr>
+            <a:r>
+              <a:t/>
+            </a:r>
+            <a:endParaRPr sz="1800"/>
+          </a:p>
+          <a:p>
+            <a:pPr indent="0" lvl="0" marL="0" rtl="0" algn="l">
+              <a:spcBef>
+                <a:spcPts val="0"/>
+              </a:spcBef>
+              <a:spcAft>
+                <a:spcPts val="0"/>
+              </a:spcAft>
+              <a:buNone/>
+            </a:pPr>
+            <a:r>
+              <a:rPr lang="en-US" sz="1800"/>
+              <a:t>Owner: Denis Nastic.</a:t>
+            </a:r>
+            <a:endParaRPr sz="1800"/>
+          </a:p>
+          <a:p>
+            <a:pPr indent="0" lvl="0" marL="0" rtl="0" algn="l">
+              <a:spcBef>
+                <a:spcPts val="0"/>
+              </a:spcBef>
+              <a:spcAft>
+                <a:spcPts val="0"/>
+              </a:spcAft>
+              <a:buNone/>
+            </a:pPr>
+            <a:r>
+              <a:t/>
+            </a:r>
+            <a:endParaRPr sz="1800"/>
+          </a:p>
+          <a:p>
+            <a:pPr indent="0" lvl="0" marL="0" rtl="0" algn="l">
+              <a:spcBef>
+                <a:spcPts val="0"/>
+              </a:spcBef>
+              <a:spcAft>
+                <a:spcPts val="0"/>
+              </a:spcAft>
+              <a:buNone/>
+            </a:pPr>
+            <a:r>
+              <a:rPr lang="en-US" sz="1800"/>
+              <a:t>Frameworks: Firebase, Android Studio, Animation/GUI library</a:t>
+            </a:r>
+            <a:endParaRPr sz="1800"/>
+          </a:p>
+          <a:p>
+            <a:pPr indent="0" lvl="0" marL="0" rtl="0" algn="l">
+              <a:spcBef>
+                <a:spcPts val="0"/>
+              </a:spcBef>
+              <a:spcAft>
+                <a:spcPts val="0"/>
+              </a:spcAft>
+              <a:buNone/>
+            </a:pPr>
+            <a:r>
+              <a:t/>
+            </a:r>
+            <a:endParaRPr sz="1800"/>
+          </a:p>
+          <a:p>
+            <a:pPr indent="0" lvl="0" marL="0" rtl="0" algn="l">
+              <a:spcBef>
+                <a:spcPts val="0"/>
+              </a:spcBef>
+              <a:spcAft>
+                <a:spcPts val="0"/>
+              </a:spcAft>
+              <a:buNone/>
+            </a:pPr>
+            <a:r>
+              <a:rPr lang="en-US" sz="1800"/>
+              <a:t>Risks: None.</a:t>
+            </a:r>
+            <a:endParaRPr sz="1800"/>
+          </a:p>
+        </p:txBody>
+      </p:sp>
+    </p:spTree>
+  </p:cSld>
+  <p:clrMapOvr>
+    <a:masterClrMapping/>
+  </p:clrMapOvr>
+</p:sld>
+</file>
+
+<file path=ppt/slides/slide15.xml><?xml version="1.0" encoding="utf-8"?>
+<p:sld xmlns:a="http://schemas.openxmlformats.org/drawingml/2006/main" xmlns:r="http://schemas.openxmlformats.org/officeDocument/2006/relationships" xmlns:mc="http://schemas.openxmlformats.org/markup-compatibility/2006" xmlns:mv="urn:schemas-microsoft-com:mac:vml" xmlns:p="http://schemas.openxmlformats.org/presentationml/2006/main" xmlns:c="http://schemas.openxmlformats.org/drawingml/2006/chart" xmlns:dgm="http://schemas.openxmlformats.org/drawingml/2006/diagram" xmlns:o="urn:schemas-microsoft-com:office:office" xmlns:v="urn:schemas-microsoft-com:vml" xmlns:pvml="urn:schemas-microsoft-com:office:powerpoint" xmlns:com="http://schemas.openxmlformats.org/drawingml/2006/compatibility" xmlns:p14="http://schemas.microsoft.com/office/powerpoint/2010/main" xmlns:p15="http://schemas.microsoft.com/office/powerpoint/2012/main">
+  <p:cSld>
+    <p:spTree>
+      <p:nvGrpSpPr>
+        <p:cNvPr id="269" name="Shape 269"/>
+        <p:cNvGrpSpPr/>
+        <p:nvPr/>
+      </p:nvGrpSpPr>
+      <p:grpSpPr>
+        <a:xfrm>
+          <a:off x="0" y="0"/>
+          <a:ext cx="0" cy="0"/>
+          <a:chOff x="0" y="0"/>
+          <a:chExt cx="0" cy="0"/>
+        </a:xfrm>
+      </p:grpSpPr>
+      <p:sp>
+        <p:nvSpPr>
+          <p:cNvPr id="270" name="Google Shape;270;p33"/>
+          <p:cNvSpPr txBox="1"/>
+          <p:nvPr/>
+        </p:nvSpPr>
+        <p:spPr>
+          <a:xfrm>
+            <a:off x="1984800" y="698125"/>
+            <a:ext cx="10207200" cy="1437300"/>
+          </a:xfrm>
+          <a:prstGeom prst="rect">
+            <a:avLst/>
+          </a:prstGeom>
+          <a:noFill/>
+          <a:ln>
+            <a:noFill/>
+          </a:ln>
+        </p:spPr>
+        <p:txBody>
+          <a:bodyPr anchorCtr="0" anchor="t" bIns="91425" lIns="91425" spcFirstLastPara="1" rIns="91425" wrap="square" tIns="91425">
+            <a:noAutofit/>
+          </a:bodyPr>
+          <a:lstStyle/>
+          <a:p>
+            <a:pPr indent="0" lvl="0" marL="0" rtl="0" algn="l">
+              <a:spcBef>
+                <a:spcPts val="0"/>
+              </a:spcBef>
+              <a:spcAft>
+                <a:spcPts val="0"/>
+              </a:spcAft>
+              <a:buNone/>
+            </a:pPr>
+            <a:r>
+              <a:rPr lang="en-US" sz="3000">
+                <a:latin typeface="Teko"/>
+                <a:ea typeface="Teko"/>
+                <a:cs typeface="Teko"/>
+                <a:sym typeface="Teko"/>
+              </a:rPr>
+              <a:t>“As a user I want to be able to update any </a:t>
+            </a:r>
+            <a:r>
+              <a:rPr lang="en-US" sz="3000">
+                <a:latin typeface="Teko"/>
+                <a:ea typeface="Teko"/>
+                <a:cs typeface="Teko"/>
+                <a:sym typeface="Teko"/>
+              </a:rPr>
+              <a:t>inaccurate</a:t>
+            </a:r>
+            <a:r>
+              <a:rPr lang="en-US" sz="3000">
+                <a:latin typeface="Teko"/>
+                <a:ea typeface="Teko"/>
+                <a:cs typeface="Teko"/>
+                <a:sym typeface="Teko"/>
+              </a:rPr>
+              <a:t>/</a:t>
+            </a:r>
+            <a:r>
+              <a:rPr lang="en-US" sz="3000">
+                <a:latin typeface="Teko"/>
+                <a:ea typeface="Teko"/>
+                <a:cs typeface="Teko"/>
+                <a:sym typeface="Teko"/>
+              </a:rPr>
+              <a:t>outdated</a:t>
+            </a:r>
+            <a:r>
+              <a:rPr lang="en-US" sz="3000">
+                <a:latin typeface="Teko"/>
+                <a:ea typeface="Teko"/>
+                <a:cs typeface="Teko"/>
+                <a:sym typeface="Teko"/>
+              </a:rPr>
+              <a:t> info shown for courses listed on the app”</a:t>
+            </a:r>
+            <a:endParaRPr sz="3000">
+              <a:latin typeface="Teko"/>
+              <a:ea typeface="Teko"/>
+              <a:cs typeface="Teko"/>
+              <a:sym typeface="Teko"/>
+            </a:endParaRPr>
+          </a:p>
+        </p:txBody>
+      </p:sp>
+      <p:sp>
+        <p:nvSpPr>
+          <p:cNvPr id="271" name="Google Shape;271;p33"/>
+          <p:cNvSpPr txBox="1"/>
+          <p:nvPr/>
+        </p:nvSpPr>
+        <p:spPr>
+          <a:xfrm>
+            <a:off x="1984800" y="2135425"/>
+            <a:ext cx="8578200" cy="2381700"/>
+          </a:xfrm>
+          <a:prstGeom prst="rect">
+            <a:avLst/>
+          </a:prstGeom>
+          <a:noFill/>
+          <a:ln>
+            <a:noFill/>
+          </a:ln>
+        </p:spPr>
+        <p:txBody>
+          <a:bodyPr anchorCtr="0" anchor="t" bIns="91425" lIns="91425" spcFirstLastPara="1" rIns="91425" wrap="square" tIns="91425">
+            <a:noAutofit/>
+          </a:bodyPr>
+          <a:lstStyle/>
+          <a:p>
+            <a:pPr indent="0" lvl="0" marL="0" rtl="0" algn="l">
+              <a:spcBef>
+                <a:spcPts val="0"/>
+              </a:spcBef>
+              <a:spcAft>
+                <a:spcPts val="0"/>
+              </a:spcAft>
+              <a:buNone/>
+            </a:pPr>
+            <a:r>
+              <a:rPr lang="en-US" sz="1800"/>
+              <a:t>Time Estimation: 3 hours for front-end, 2 hour for back-end. </a:t>
+            </a:r>
+            <a:endParaRPr sz="1800"/>
+          </a:p>
+          <a:p>
+            <a:pPr indent="0" lvl="0" marL="0" rtl="0" algn="l">
+              <a:spcBef>
+                <a:spcPts val="0"/>
+              </a:spcBef>
+              <a:spcAft>
+                <a:spcPts val="0"/>
+              </a:spcAft>
+              <a:buNone/>
+            </a:pPr>
+            <a:r>
+              <a:t/>
+            </a:r>
+            <a:endParaRPr sz="1800"/>
+          </a:p>
+          <a:p>
+            <a:pPr indent="0" lvl="0" marL="0" rtl="0" algn="l">
+              <a:spcBef>
+                <a:spcPts val="0"/>
+              </a:spcBef>
+              <a:spcAft>
+                <a:spcPts val="0"/>
+              </a:spcAft>
+              <a:buNone/>
+            </a:pPr>
+            <a:r>
+              <a:rPr lang="en-US" sz="1800"/>
+              <a:t>Owner: Roy Hirsch</a:t>
+            </a:r>
+            <a:endParaRPr sz="1800"/>
+          </a:p>
+          <a:p>
+            <a:pPr indent="0" lvl="0" marL="0" rtl="0" algn="l">
+              <a:spcBef>
+                <a:spcPts val="0"/>
+              </a:spcBef>
+              <a:spcAft>
+                <a:spcPts val="0"/>
+              </a:spcAft>
+              <a:buNone/>
+            </a:pPr>
+            <a:r>
+              <a:t/>
+            </a:r>
+            <a:endParaRPr sz="1800"/>
+          </a:p>
+          <a:p>
+            <a:pPr indent="0" lvl="0" marL="0" rtl="0" algn="l">
+              <a:spcBef>
+                <a:spcPts val="0"/>
+              </a:spcBef>
+              <a:spcAft>
+                <a:spcPts val="0"/>
+              </a:spcAft>
+              <a:buNone/>
+            </a:pPr>
+            <a:r>
+              <a:rPr lang="en-US" sz="1800"/>
+              <a:t>Frameworks: Firebase &amp; Android Studio</a:t>
+            </a:r>
+            <a:endParaRPr sz="1800"/>
+          </a:p>
+          <a:p>
+            <a:pPr indent="0" lvl="0" marL="0" rtl="0" algn="l">
+              <a:spcBef>
+                <a:spcPts val="0"/>
+              </a:spcBef>
+              <a:spcAft>
+                <a:spcPts val="0"/>
+              </a:spcAft>
+              <a:buNone/>
+            </a:pPr>
+            <a:r>
+              <a:t/>
+            </a:r>
+            <a:endParaRPr sz="1800"/>
+          </a:p>
+          <a:p>
+            <a:pPr indent="0" lvl="0" marL="0" rtl="0" algn="l">
+              <a:spcBef>
+                <a:spcPts val="0"/>
+              </a:spcBef>
+              <a:spcAft>
+                <a:spcPts val="0"/>
+              </a:spcAft>
+              <a:buNone/>
+            </a:pPr>
+            <a:r>
+              <a:rPr lang="en-US" sz="1800"/>
+              <a:t>Risks: None.</a:t>
+            </a:r>
+            <a:endParaRPr sz="1800"/>
+          </a:p>
+        </p:txBody>
+      </p:sp>
+    </p:spTree>
+  </p:cSld>
+  <p:clrMapOvr>
+    <a:masterClrMapping/>
+  </p:clrMapOvr>
+</p:sld>
+</file>
+
+<file path=ppt/slides/slide16.xml><?xml version="1.0" encoding="utf-8"?>
+<p:sld xmlns:a="http://schemas.openxmlformats.org/drawingml/2006/main" xmlns:r="http://schemas.openxmlformats.org/officeDocument/2006/relationships" xmlns:mc="http://schemas.openxmlformats.org/markup-compatibility/2006" xmlns:mv="urn:schemas-microsoft-com:mac:vml" xmlns:p="http://schemas.openxmlformats.org/presentationml/2006/main" xmlns:c="http://schemas.openxmlformats.org/drawingml/2006/chart" xmlns:dgm="http://schemas.openxmlformats.org/drawingml/2006/diagram" xmlns:o="urn:schemas-microsoft-com:office:office" xmlns:v="urn:schemas-microsoft-com:vml" xmlns:pvml="urn:schemas-microsoft-com:office:powerpoint" xmlns:com="http://schemas.openxmlformats.org/drawingml/2006/compatibility" xmlns:p14="http://schemas.microsoft.com/office/powerpoint/2010/main" xmlns:p15="http://schemas.microsoft.com/office/powerpoint/2012/main">
+  <p:cSld>
+    <p:spTree>
+      <p:nvGrpSpPr>
+        <p:cNvPr id="275" name="Shape 275"/>
+        <p:cNvGrpSpPr/>
+        <p:nvPr/>
+      </p:nvGrpSpPr>
+      <p:grpSpPr>
+        <a:xfrm>
+          <a:off x="0" y="0"/>
+          <a:ext cx="0" cy="0"/>
+          <a:chOff x="0" y="0"/>
+          <a:chExt cx="0" cy="0"/>
+        </a:xfrm>
+      </p:grpSpPr>
+      <p:sp>
+        <p:nvSpPr>
+          <p:cNvPr id="276" name="Google Shape;276;p34"/>
           <p:cNvSpPr txBox="1"/>
           <p:nvPr/>
         </p:nvSpPr>
@@ -19123,11 +20554,6 @@
               <a:spcAft>
                 <a:spcPts val="0"/>
               </a:spcAft>
-              <a:buClr>
-                <a:schemeClr val="dk1"/>
-              </a:buClr>
-              <a:buSzPts val="1100"/>
-              <a:buFont typeface="Arial"/>
               <a:buNone/>
             </a:pPr>
             <a:r>
@@ -19140,30 +20566,31 @@
                 <a:cs typeface="Teko"/>
                 <a:sym typeface="Teko"/>
               </a:rPr>
-              <a:t>“As a user I want to contribute and provide my personal ratings to help the app give me more accurate recommendations.”</a:t>
-            </a:r>
-            <a:endParaRPr sz="3000">
-              <a:solidFill>
-                <a:schemeClr val="dk1"/>
-              </a:solidFill>
-              <a:latin typeface="Teko"/>
-              <a:ea typeface="Teko"/>
-              <a:cs typeface="Teko"/>
-              <a:sym typeface="Teko"/>
-            </a:endParaRPr>
-          </a:p>
-          <a:p>
-            <a:pPr indent="0" lvl="0" marL="0" rtl="0" algn="r">
-              <a:spcBef>
-                <a:spcPts val="0"/>
-              </a:spcBef>
-              <a:spcAft>
-                <a:spcPts val="0"/>
-              </a:spcAft>
-              <a:buNone/>
-            </a:pPr>
-            <a:r>
-              <a:t/>
+              <a:t>“As a user I want to get relevant recommendations for my potential courses only  (are in my Catalog and fit my requirements and </a:t>
+            </a:r>
+            <a:r>
+              <a:rPr lang="en-US" sz="3000">
+                <a:solidFill>
+                  <a:schemeClr val="dk1"/>
+                </a:solidFill>
+                <a:latin typeface="Teko"/>
+                <a:ea typeface="Teko"/>
+                <a:cs typeface="Teko"/>
+                <a:sym typeface="Teko"/>
+              </a:rPr>
+              <a:t>didn't</a:t>
+            </a:r>
+            <a:r>
+              <a:rPr lang="en-US" sz="3000">
+                <a:solidFill>
+                  <a:schemeClr val="dk1"/>
+                </a:solidFill>
+                <a:latin typeface="Teko"/>
+                <a:ea typeface="Teko"/>
+                <a:cs typeface="Teko"/>
+                <a:sym typeface="Teko"/>
+              </a:rPr>
+              <a:t> take yet)”</a:t>
             </a:r>
             <a:endParaRPr sz="3000">
               <a:latin typeface="Teko"/>
@@ -19176,7 +20603,7 @@
       </p:sp>
       <p:sp>
         <p:nvSpPr>
-          <p:cNvPr id="248" name="Google Shape;248;p29"/>
+          <p:cNvPr id="277" name="Google Shape;277;p34"/>
           <p:cNvSpPr txBox="1"/>
           <p:nvPr/>
         </p:nvSpPr>
@@ -19219,7 +20646,7 @@
                   <a:schemeClr val="dk1"/>
                 </a:solidFill>
               </a:rPr>
-              <a:t>Time Estimation: 2 hour</a:t>
+              <a:t>Time Estimation: 3 hour</a:t>
             </a:r>
             <a:endParaRPr sz="1800">
               <a:solidFill>
@@ -19378,1701 +20805,9 @@
                   <a:schemeClr val="dk1"/>
                 </a:solidFill>
               </a:rPr>
-              <a:t>Risks: Users may not want to spend time providing ratings.</a:t>
-            </a:r>
-            <a:endParaRPr sz="1800">
-              <a:solidFill>
-                <a:schemeClr val="dk1"/>
-              </a:solidFill>
-            </a:endParaRPr>
-          </a:p>
-          <a:p>
-            <a:pPr indent="0" lvl="0" marL="0" rtl="0" algn="l">
-              <a:spcBef>
-                <a:spcPts val="0"/>
-              </a:spcBef>
-              <a:spcAft>
-                <a:spcPts val="0"/>
-              </a:spcAft>
-              <a:buNone/>
-            </a:pPr>
-            <a:r>
-              <a:t/>
+              <a:t>Risks: None.</a:t>
             </a:r>
             <a:endParaRPr sz="1800"/>
-          </a:p>
-        </p:txBody>
-      </p:sp>
-    </p:spTree>
-  </p:cSld>
-  <p:clrMapOvr>
-    <a:masterClrMapping/>
-  </p:clrMapOvr>
-</p:sld>
-</file>
-
-<file path=ppt/slides/slide12.xml><?xml version="1.0" encoding="utf-8"?>
-<p:sld xmlns:a="http://schemas.openxmlformats.org/drawingml/2006/main" xmlns:r="http://schemas.openxmlformats.org/officeDocument/2006/relationships" xmlns:mc="http://schemas.openxmlformats.org/markup-compatibility/2006" xmlns:mv="urn:schemas-microsoft-com:mac:vml" xmlns:p="http://schemas.openxmlformats.org/presentationml/2006/main" xmlns:c="http://schemas.openxmlformats.org/drawingml/2006/chart" xmlns:dgm="http://schemas.openxmlformats.org/drawingml/2006/diagram" xmlns:o="urn:schemas-microsoft-com:office:office" xmlns:v="urn:schemas-microsoft-com:vml" xmlns:pvml="urn:schemas-microsoft-com:office:powerpoint" xmlns:com="http://schemas.openxmlformats.org/drawingml/2006/compatibility" xmlns:p14="http://schemas.microsoft.com/office/powerpoint/2010/main" xmlns:p15="http://schemas.microsoft.com/office/powerpoint/2012/main">
-  <p:cSld>
-    <p:spTree>
-      <p:nvGrpSpPr>
-        <p:cNvPr id="252" name="Shape 252"/>
-        <p:cNvGrpSpPr/>
-        <p:nvPr/>
-      </p:nvGrpSpPr>
-      <p:grpSpPr>
-        <a:xfrm>
-          <a:off x="0" y="0"/>
-          <a:ext cx="0" cy="0"/>
-          <a:chOff x="0" y="0"/>
-          <a:chExt cx="0" cy="0"/>
-        </a:xfrm>
-      </p:grpSpPr>
-      <p:sp>
-        <p:nvSpPr>
-          <p:cNvPr id="253" name="Google Shape;253;p30"/>
-          <p:cNvSpPr txBox="1"/>
-          <p:nvPr/>
-        </p:nvSpPr>
-        <p:spPr>
-          <a:xfrm>
-            <a:off x="1724850" y="725550"/>
-            <a:ext cx="8742300" cy="1505700"/>
-          </a:xfrm>
-          <a:prstGeom prst="rect">
-            <a:avLst/>
-          </a:prstGeom>
-          <a:noFill/>
-          <a:ln>
-            <a:noFill/>
-          </a:ln>
-        </p:spPr>
-        <p:txBody>
-          <a:bodyPr anchorCtr="0" anchor="t" bIns="91425" lIns="91425" spcFirstLastPara="1" rIns="91425" wrap="square" tIns="91425">
-            <a:noAutofit/>
-          </a:bodyPr>
-          <a:lstStyle/>
-          <a:p>
-            <a:pPr indent="0" lvl="0" marL="0" rtl="0" algn="l">
-              <a:spcBef>
-                <a:spcPts val="0"/>
-              </a:spcBef>
-              <a:spcAft>
-                <a:spcPts val="0"/>
-              </a:spcAft>
-              <a:buClr>
-                <a:schemeClr val="dk1"/>
-              </a:buClr>
-              <a:buSzPts val="1100"/>
-              <a:buFont typeface="Arial"/>
-              <a:buNone/>
-            </a:pPr>
-            <a:r>
-              <a:rPr lang="en-US" sz="3000">
-                <a:solidFill>
-                  <a:schemeClr val="dk1"/>
-                </a:solidFill>
-                <a:latin typeface="Teko"/>
-                <a:ea typeface="Teko"/>
-                <a:cs typeface="Teko"/>
-                <a:sym typeface="Teko"/>
-              </a:rPr>
-              <a:t>“As a guest I would like to see course ratings without having to log in.”</a:t>
-            </a:r>
-            <a:endParaRPr sz="3000">
-              <a:solidFill>
-                <a:schemeClr val="dk1"/>
-              </a:solidFill>
-              <a:latin typeface="Teko"/>
-              <a:ea typeface="Teko"/>
-              <a:cs typeface="Teko"/>
-              <a:sym typeface="Teko"/>
-            </a:endParaRPr>
-          </a:p>
-          <a:p>
-            <a:pPr indent="0" lvl="0" marL="0" rtl="0" algn="r">
-              <a:spcBef>
-                <a:spcPts val="0"/>
-              </a:spcBef>
-              <a:spcAft>
-                <a:spcPts val="0"/>
-              </a:spcAft>
-              <a:buNone/>
-            </a:pPr>
-            <a:r>
-              <a:t/>
-            </a:r>
-            <a:endParaRPr sz="3000">
-              <a:solidFill>
-                <a:schemeClr val="dk1"/>
-              </a:solidFill>
-              <a:latin typeface="Teko"/>
-              <a:ea typeface="Teko"/>
-              <a:cs typeface="Teko"/>
-              <a:sym typeface="Teko"/>
-            </a:endParaRPr>
-          </a:p>
-        </p:txBody>
-      </p:sp>
-      <p:sp>
-        <p:nvSpPr>
-          <p:cNvPr id="254" name="Google Shape;254;p30"/>
-          <p:cNvSpPr txBox="1"/>
-          <p:nvPr/>
-        </p:nvSpPr>
-        <p:spPr>
-          <a:xfrm>
-            <a:off x="3057150" y="2365350"/>
-            <a:ext cx="6077700" cy="2127300"/>
-          </a:xfrm>
-          <a:prstGeom prst="rect">
-            <a:avLst/>
-          </a:prstGeom>
-          <a:noFill/>
-          <a:ln>
-            <a:noFill/>
-          </a:ln>
-        </p:spPr>
-        <p:txBody>
-          <a:bodyPr anchorCtr="0" anchor="t" bIns="91425" lIns="91425" spcFirstLastPara="1" rIns="91425" wrap="square" tIns="91425">
-            <a:noAutofit/>
-          </a:bodyPr>
-          <a:lstStyle/>
-          <a:p>
-            <a:pPr indent="0" lvl="0" marL="0" rtl="0" algn="l">
-              <a:spcBef>
-                <a:spcPts val="0"/>
-              </a:spcBef>
-              <a:spcAft>
-                <a:spcPts val="0"/>
-              </a:spcAft>
-              <a:buClr>
-                <a:schemeClr val="dk1"/>
-              </a:buClr>
-              <a:buSzPts val="1100"/>
-              <a:buFont typeface="Arial"/>
-              <a:buNone/>
-            </a:pPr>
-            <a:r>
-              <a:rPr lang="en-US" sz="1800">
-                <a:solidFill>
-                  <a:schemeClr val="dk1"/>
-                </a:solidFill>
-              </a:rPr>
-              <a:t>Time Estimation: 3 hours</a:t>
-            </a:r>
-            <a:endParaRPr sz="1800">
-              <a:solidFill>
-                <a:schemeClr val="dk1"/>
-              </a:solidFill>
-            </a:endParaRPr>
-          </a:p>
-          <a:p>
-            <a:pPr indent="0" lvl="0" marL="0" rtl="0" algn="l">
-              <a:spcBef>
-                <a:spcPts val="0"/>
-              </a:spcBef>
-              <a:spcAft>
-                <a:spcPts val="0"/>
-              </a:spcAft>
-              <a:buClr>
-                <a:schemeClr val="dk1"/>
-              </a:buClr>
-              <a:buSzPts val="1100"/>
-              <a:buFont typeface="Arial"/>
-              <a:buNone/>
-            </a:pPr>
-            <a:r>
-              <a:t/>
-            </a:r>
-            <a:endParaRPr sz="1800">
-              <a:solidFill>
-                <a:schemeClr val="dk1"/>
-              </a:solidFill>
-            </a:endParaRPr>
-          </a:p>
-          <a:p>
-            <a:pPr indent="0" lvl="0" marL="0" rtl="0" algn="l">
-              <a:spcBef>
-                <a:spcPts val="0"/>
-              </a:spcBef>
-              <a:spcAft>
-                <a:spcPts val="0"/>
-              </a:spcAft>
-              <a:buClr>
-                <a:schemeClr val="dk1"/>
-              </a:buClr>
-              <a:buSzPts val="1100"/>
-              <a:buFont typeface="Arial"/>
-              <a:buNone/>
-            </a:pPr>
-            <a:r>
-              <a:rPr lang="en-US" sz="1800">
-                <a:solidFill>
-                  <a:schemeClr val="dk1"/>
-                </a:solidFill>
-              </a:rPr>
-              <a:t>Owner: Amit Sdeor</a:t>
-            </a:r>
-            <a:endParaRPr sz="1800">
-              <a:solidFill>
-                <a:schemeClr val="dk1"/>
-              </a:solidFill>
-            </a:endParaRPr>
-          </a:p>
-          <a:p>
-            <a:pPr indent="0" lvl="0" marL="0" rtl="0" algn="l">
-              <a:spcBef>
-                <a:spcPts val="0"/>
-              </a:spcBef>
-              <a:spcAft>
-                <a:spcPts val="0"/>
-              </a:spcAft>
-              <a:buClr>
-                <a:schemeClr val="dk1"/>
-              </a:buClr>
-              <a:buSzPts val="1100"/>
-              <a:buFont typeface="Arial"/>
-              <a:buNone/>
-            </a:pPr>
-            <a:r>
-              <a:t/>
-            </a:r>
-            <a:endParaRPr sz="1800">
-              <a:solidFill>
-                <a:schemeClr val="dk1"/>
-              </a:solidFill>
-            </a:endParaRPr>
-          </a:p>
-          <a:p>
-            <a:pPr indent="0" lvl="0" marL="0" rtl="0" algn="l">
-              <a:spcBef>
-                <a:spcPts val="0"/>
-              </a:spcBef>
-              <a:spcAft>
-                <a:spcPts val="0"/>
-              </a:spcAft>
-              <a:buClr>
-                <a:schemeClr val="dk1"/>
-              </a:buClr>
-              <a:buSzPts val="1100"/>
-              <a:buFont typeface="Arial"/>
-              <a:buNone/>
-            </a:pPr>
-            <a:r>
-              <a:rPr lang="en-US" sz="1800">
-                <a:solidFill>
-                  <a:schemeClr val="dk1"/>
-                </a:solidFill>
-              </a:rPr>
-              <a:t>Frameworks: Firebase, Android Studio</a:t>
-            </a:r>
-            <a:endParaRPr sz="1800">
-              <a:solidFill>
-                <a:schemeClr val="dk1"/>
-              </a:solidFill>
-            </a:endParaRPr>
-          </a:p>
-          <a:p>
-            <a:pPr indent="0" lvl="0" marL="0" rtl="0" algn="l">
-              <a:spcBef>
-                <a:spcPts val="0"/>
-              </a:spcBef>
-              <a:spcAft>
-                <a:spcPts val="0"/>
-              </a:spcAft>
-              <a:buClr>
-                <a:schemeClr val="dk1"/>
-              </a:buClr>
-              <a:buSzPts val="1100"/>
-              <a:buFont typeface="Arial"/>
-              <a:buNone/>
-            </a:pPr>
-            <a:r>
-              <a:t/>
-            </a:r>
-            <a:endParaRPr sz="1800">
-              <a:solidFill>
-                <a:schemeClr val="dk1"/>
-              </a:solidFill>
-            </a:endParaRPr>
-          </a:p>
-          <a:p>
-            <a:pPr indent="0" lvl="0" marL="0" rtl="0" algn="l">
-              <a:spcBef>
-                <a:spcPts val="0"/>
-              </a:spcBef>
-              <a:spcAft>
-                <a:spcPts val="0"/>
-              </a:spcAft>
-              <a:buClr>
-                <a:schemeClr val="dk1"/>
-              </a:buClr>
-              <a:buSzPts val="1100"/>
-              <a:buFont typeface="Arial"/>
-              <a:buNone/>
-            </a:pPr>
-            <a:r>
-              <a:rPr lang="en-US" sz="1800">
-                <a:solidFill>
-                  <a:schemeClr val="dk1"/>
-                </a:solidFill>
-              </a:rPr>
-              <a:t>Risks: None.</a:t>
-            </a:r>
-            <a:endParaRPr sz="1800">
-              <a:solidFill>
-                <a:schemeClr val="dk1"/>
-              </a:solidFill>
-            </a:endParaRPr>
-          </a:p>
-          <a:p>
-            <a:pPr indent="0" lvl="0" marL="0" rtl="0" algn="l">
-              <a:spcBef>
-                <a:spcPts val="0"/>
-              </a:spcBef>
-              <a:spcAft>
-                <a:spcPts val="0"/>
-              </a:spcAft>
-              <a:buNone/>
-            </a:pPr>
-            <a:r>
-              <a:t/>
-            </a:r>
-            <a:endParaRPr sz="1800">
-              <a:solidFill>
-                <a:schemeClr val="dk1"/>
-              </a:solidFill>
-            </a:endParaRPr>
-          </a:p>
-        </p:txBody>
-      </p:sp>
-    </p:spTree>
-  </p:cSld>
-  <p:clrMapOvr>
-    <a:masterClrMapping/>
-  </p:clrMapOvr>
-</p:sld>
-</file>
-
-<file path=ppt/slides/slide13.xml><?xml version="1.0" encoding="utf-8"?>
-<p:sld xmlns:a="http://schemas.openxmlformats.org/drawingml/2006/main" xmlns:r="http://schemas.openxmlformats.org/officeDocument/2006/relationships" xmlns:mc="http://schemas.openxmlformats.org/markup-compatibility/2006" xmlns:mv="urn:schemas-microsoft-com:mac:vml" xmlns:p="http://schemas.openxmlformats.org/presentationml/2006/main" xmlns:c="http://schemas.openxmlformats.org/drawingml/2006/chart" xmlns:dgm="http://schemas.openxmlformats.org/drawingml/2006/diagram" xmlns:o="urn:schemas-microsoft-com:office:office" xmlns:v="urn:schemas-microsoft-com:vml" xmlns:pvml="urn:schemas-microsoft-com:office:powerpoint" xmlns:com="http://schemas.openxmlformats.org/drawingml/2006/compatibility" xmlns:p14="http://schemas.microsoft.com/office/powerpoint/2010/main" xmlns:p15="http://schemas.microsoft.com/office/powerpoint/2012/main">
-  <p:cSld>
-    <p:spTree>
-      <p:nvGrpSpPr>
-        <p:cNvPr id="258" name="Shape 258"/>
-        <p:cNvGrpSpPr/>
-        <p:nvPr/>
-      </p:nvGrpSpPr>
-      <p:grpSpPr>
-        <a:xfrm>
-          <a:off x="0" y="0"/>
-          <a:ext cx="0" cy="0"/>
-          <a:chOff x="0" y="0"/>
-          <a:chExt cx="0" cy="0"/>
-        </a:xfrm>
-      </p:grpSpPr>
-      <p:sp>
-        <p:nvSpPr>
-          <p:cNvPr id="259" name="Google Shape;259;p31"/>
-          <p:cNvSpPr txBox="1"/>
-          <p:nvPr/>
-        </p:nvSpPr>
-        <p:spPr>
-          <a:xfrm>
-            <a:off x="1724850" y="725550"/>
-            <a:ext cx="8742300" cy="1505700"/>
-          </a:xfrm>
-          <a:prstGeom prst="rect">
-            <a:avLst/>
-          </a:prstGeom>
-          <a:noFill/>
-          <a:ln>
-            <a:noFill/>
-          </a:ln>
-        </p:spPr>
-        <p:txBody>
-          <a:bodyPr anchorCtr="0" anchor="t" bIns="91425" lIns="91425" spcFirstLastPara="1" rIns="91425" wrap="square" tIns="91425">
-            <a:noAutofit/>
-          </a:bodyPr>
-          <a:lstStyle/>
-          <a:p>
-            <a:pPr indent="0" lvl="0" marL="0" rtl="0" algn="l">
-              <a:spcBef>
-                <a:spcPts val="0"/>
-              </a:spcBef>
-              <a:spcAft>
-                <a:spcPts val="0"/>
-              </a:spcAft>
-              <a:buNone/>
-            </a:pPr>
-            <a:r>
-              <a:rPr lang="en-US" sz="3000">
-                <a:solidFill>
-                  <a:schemeClr val="dk1"/>
-                </a:solidFill>
-                <a:latin typeface="Teko"/>
-                <a:ea typeface="Teko"/>
-                <a:cs typeface="Teko"/>
-                <a:sym typeface="Teko"/>
-              </a:rPr>
-              <a:t>“As a user I want to contribute and provide my personal ratings to help the app give me more accurate recommendations.”</a:t>
-            </a:r>
-            <a:endParaRPr sz="3000">
-              <a:solidFill>
-                <a:schemeClr val="dk1"/>
-              </a:solidFill>
-              <a:latin typeface="Teko"/>
-              <a:ea typeface="Teko"/>
-              <a:cs typeface="Teko"/>
-              <a:sym typeface="Teko"/>
-            </a:endParaRPr>
-          </a:p>
-          <a:p>
-            <a:pPr indent="0" lvl="0" marL="0" rtl="0" algn="r">
-              <a:spcBef>
-                <a:spcPts val="0"/>
-              </a:spcBef>
-              <a:spcAft>
-                <a:spcPts val="0"/>
-              </a:spcAft>
-              <a:buNone/>
-            </a:pPr>
-            <a:r>
-              <a:t/>
-            </a:r>
-            <a:endParaRPr sz="3000">
-              <a:latin typeface="Teko"/>
-              <a:ea typeface="Teko"/>
-              <a:cs typeface="Teko"/>
-              <a:sym typeface="Teko"/>
-            </a:endParaRPr>
-          </a:p>
-        </p:txBody>
-      </p:sp>
-      <p:sp>
-        <p:nvSpPr>
-          <p:cNvPr id="260" name="Google Shape;260;p31"/>
-          <p:cNvSpPr txBox="1"/>
-          <p:nvPr/>
-        </p:nvSpPr>
-        <p:spPr>
-          <a:xfrm>
-            <a:off x="3057150" y="2365350"/>
-            <a:ext cx="6077700" cy="2127300"/>
-          </a:xfrm>
-          <a:prstGeom prst="rect">
-            <a:avLst/>
-          </a:prstGeom>
-          <a:noFill/>
-          <a:ln>
-            <a:noFill/>
-          </a:ln>
-        </p:spPr>
-        <p:txBody>
-          <a:bodyPr anchorCtr="0" anchor="t" bIns="91425" lIns="91425" spcFirstLastPara="1" rIns="91425" wrap="square" tIns="91425">
-            <a:noAutofit/>
-          </a:bodyPr>
-          <a:lstStyle/>
-          <a:p>
-            <a:pPr indent="0" lvl="0" marL="0" rtl="0" algn="l">
-              <a:spcBef>
-                <a:spcPts val="0"/>
-              </a:spcBef>
-              <a:spcAft>
-                <a:spcPts val="0"/>
-              </a:spcAft>
-              <a:buNone/>
-            </a:pPr>
-            <a:r>
-              <a:rPr lang="en-US" sz="1800">
-                <a:solidFill>
-                  <a:schemeClr val="dk1"/>
-                </a:solidFill>
-              </a:rPr>
-              <a:t>Time Estimation: 1 hour</a:t>
-            </a:r>
-            <a:endParaRPr sz="1800">
-              <a:solidFill>
-                <a:schemeClr val="dk1"/>
-              </a:solidFill>
-            </a:endParaRPr>
-          </a:p>
-          <a:p>
-            <a:pPr indent="0" lvl="0" marL="0" rtl="0" algn="l">
-              <a:spcBef>
-                <a:spcPts val="0"/>
-              </a:spcBef>
-              <a:spcAft>
-                <a:spcPts val="0"/>
-              </a:spcAft>
-              <a:buNone/>
-            </a:pPr>
-            <a:r>
-              <a:t/>
-            </a:r>
-            <a:endParaRPr sz="1800">
-              <a:solidFill>
-                <a:schemeClr val="dk1"/>
-              </a:solidFill>
-            </a:endParaRPr>
-          </a:p>
-          <a:p>
-            <a:pPr indent="0" lvl="0" marL="0" rtl="0" algn="l">
-              <a:spcBef>
-                <a:spcPts val="0"/>
-              </a:spcBef>
-              <a:spcAft>
-                <a:spcPts val="0"/>
-              </a:spcAft>
-              <a:buNone/>
-            </a:pPr>
-            <a:r>
-              <a:rPr lang="en-US" sz="1800">
-                <a:solidFill>
-                  <a:schemeClr val="dk1"/>
-                </a:solidFill>
-              </a:rPr>
-              <a:t>Owner: Amit Sdeor</a:t>
-            </a:r>
-            <a:endParaRPr sz="1800">
-              <a:solidFill>
-                <a:schemeClr val="dk1"/>
-              </a:solidFill>
-            </a:endParaRPr>
-          </a:p>
-          <a:p>
-            <a:pPr indent="0" lvl="0" marL="0" rtl="0" algn="l">
-              <a:spcBef>
-                <a:spcPts val="0"/>
-              </a:spcBef>
-              <a:spcAft>
-                <a:spcPts val="0"/>
-              </a:spcAft>
-              <a:buNone/>
-            </a:pPr>
-            <a:r>
-              <a:t/>
-            </a:r>
-            <a:endParaRPr sz="1800">
-              <a:solidFill>
-                <a:schemeClr val="dk1"/>
-              </a:solidFill>
-            </a:endParaRPr>
-          </a:p>
-          <a:p>
-            <a:pPr indent="0" lvl="0" marL="0" rtl="0" algn="l">
-              <a:spcBef>
-                <a:spcPts val="0"/>
-              </a:spcBef>
-              <a:spcAft>
-                <a:spcPts val="0"/>
-              </a:spcAft>
-              <a:buNone/>
-            </a:pPr>
-            <a:r>
-              <a:rPr lang="en-US" sz="1800">
-                <a:solidFill>
-                  <a:schemeClr val="dk1"/>
-                </a:solidFill>
-              </a:rPr>
-              <a:t>Frameworks: Firebase, Android Studio</a:t>
-            </a:r>
-            <a:endParaRPr sz="1800">
-              <a:solidFill>
-                <a:schemeClr val="dk1"/>
-              </a:solidFill>
-            </a:endParaRPr>
-          </a:p>
-          <a:p>
-            <a:pPr indent="0" lvl="0" marL="0" rtl="0" algn="l">
-              <a:spcBef>
-                <a:spcPts val="0"/>
-              </a:spcBef>
-              <a:spcAft>
-                <a:spcPts val="0"/>
-              </a:spcAft>
-              <a:buNone/>
-            </a:pPr>
-            <a:r>
-              <a:t/>
-            </a:r>
-            <a:endParaRPr sz="1800">
-              <a:solidFill>
-                <a:schemeClr val="dk1"/>
-              </a:solidFill>
-            </a:endParaRPr>
-          </a:p>
-          <a:p>
-            <a:pPr indent="0" lvl="0" marL="0" rtl="0" algn="l">
-              <a:spcBef>
-                <a:spcPts val="0"/>
-              </a:spcBef>
-              <a:spcAft>
-                <a:spcPts val="0"/>
-              </a:spcAft>
-              <a:buNone/>
-            </a:pPr>
-            <a:r>
-              <a:rPr lang="en-US" sz="1800">
-                <a:solidFill>
-                  <a:schemeClr val="dk1"/>
-                </a:solidFill>
-              </a:rPr>
-              <a:t>Risks: Users may not want to spend time providing ratings.</a:t>
-            </a:r>
-            <a:endParaRPr sz="1800">
-              <a:solidFill>
-                <a:schemeClr val="dk1"/>
-              </a:solidFill>
-            </a:endParaRPr>
-          </a:p>
-          <a:p>
-            <a:pPr indent="0" lvl="0" marL="0" rtl="0" algn="l">
-              <a:spcBef>
-                <a:spcPts val="0"/>
-              </a:spcBef>
-              <a:spcAft>
-                <a:spcPts val="0"/>
-              </a:spcAft>
-              <a:buNone/>
-            </a:pPr>
-            <a:r>
-              <a:t/>
-            </a:r>
-            <a:endParaRPr sz="1800"/>
-          </a:p>
-        </p:txBody>
-      </p:sp>
-    </p:spTree>
-  </p:cSld>
-  <p:clrMapOvr>
-    <a:masterClrMapping/>
-  </p:clrMapOvr>
-</p:sld>
-</file>
-
-<file path=ppt/slides/slide14.xml><?xml version="1.0" encoding="utf-8"?>
-<p:sld xmlns:a="http://schemas.openxmlformats.org/drawingml/2006/main" xmlns:r="http://schemas.openxmlformats.org/officeDocument/2006/relationships" xmlns:mc="http://schemas.openxmlformats.org/markup-compatibility/2006" xmlns:mv="urn:schemas-microsoft-com:mac:vml" xmlns:p="http://schemas.openxmlformats.org/presentationml/2006/main" xmlns:c="http://schemas.openxmlformats.org/drawingml/2006/chart" xmlns:dgm="http://schemas.openxmlformats.org/drawingml/2006/diagram" xmlns:o="urn:schemas-microsoft-com:office:office" xmlns:v="urn:schemas-microsoft-com:vml" xmlns:pvml="urn:schemas-microsoft-com:office:powerpoint" xmlns:com="http://schemas.openxmlformats.org/drawingml/2006/compatibility" xmlns:p14="http://schemas.microsoft.com/office/powerpoint/2010/main" xmlns:p15="http://schemas.microsoft.com/office/powerpoint/2012/main">
-  <p:cSld>
-    <p:spTree>
-      <p:nvGrpSpPr>
-        <p:cNvPr id="264" name="Shape 264"/>
-        <p:cNvGrpSpPr/>
-        <p:nvPr/>
-      </p:nvGrpSpPr>
-      <p:grpSpPr>
-        <a:xfrm>
-          <a:off x="0" y="0"/>
-          <a:ext cx="0" cy="0"/>
-          <a:chOff x="0" y="0"/>
-          <a:chExt cx="0" cy="0"/>
-        </a:xfrm>
-      </p:grpSpPr>
-      <p:sp>
-        <p:nvSpPr>
-          <p:cNvPr id="265" name="Google Shape;265;p32"/>
-          <p:cNvSpPr txBox="1"/>
-          <p:nvPr/>
-        </p:nvSpPr>
-        <p:spPr>
-          <a:xfrm>
-            <a:off x="1724850" y="725550"/>
-            <a:ext cx="8742300" cy="1505700"/>
-          </a:xfrm>
-          <a:prstGeom prst="rect">
-            <a:avLst/>
-          </a:prstGeom>
-          <a:noFill/>
-          <a:ln>
-            <a:noFill/>
-          </a:ln>
-        </p:spPr>
-        <p:txBody>
-          <a:bodyPr anchorCtr="0" anchor="t" bIns="91425" lIns="91425" spcFirstLastPara="1" rIns="91425" wrap="square" tIns="91425">
-            <a:noAutofit/>
-          </a:bodyPr>
-          <a:lstStyle/>
-          <a:p>
-            <a:pPr indent="0" lvl="0" marL="0" rtl="0" algn="l">
-              <a:spcBef>
-                <a:spcPts val="0"/>
-              </a:spcBef>
-              <a:spcAft>
-                <a:spcPts val="0"/>
-              </a:spcAft>
-              <a:buClr>
-                <a:schemeClr val="dk1"/>
-              </a:buClr>
-              <a:buSzPts val="1100"/>
-              <a:buFont typeface="Arial"/>
-              <a:buNone/>
-            </a:pPr>
-            <a:r>
-              <a:rPr lang="en-US" sz="3000">
-                <a:solidFill>
-                  <a:schemeClr val="dk1"/>
-                </a:solidFill>
-                <a:latin typeface="Teko"/>
-                <a:ea typeface="Teko"/>
-                <a:cs typeface="Teko"/>
-                <a:sym typeface="Teko"/>
-              </a:rPr>
-              <a:t>“As a guest I would like to see if a course I'm considering is being talked about a lot, so I might sign up to get more informed about it.”</a:t>
-            </a:r>
-            <a:endParaRPr sz="3000">
-              <a:solidFill>
-                <a:schemeClr val="dk1"/>
-              </a:solidFill>
-              <a:latin typeface="Teko"/>
-              <a:ea typeface="Teko"/>
-              <a:cs typeface="Teko"/>
-              <a:sym typeface="Teko"/>
-            </a:endParaRPr>
-          </a:p>
-          <a:p>
-            <a:pPr indent="0" lvl="0" marL="0" rtl="0" algn="r">
-              <a:spcBef>
-                <a:spcPts val="0"/>
-              </a:spcBef>
-              <a:spcAft>
-                <a:spcPts val="0"/>
-              </a:spcAft>
-              <a:buNone/>
-            </a:pPr>
-            <a:r>
-              <a:t/>
-            </a:r>
-            <a:endParaRPr sz="3000">
-              <a:solidFill>
-                <a:schemeClr val="dk1"/>
-              </a:solidFill>
-              <a:latin typeface="Teko"/>
-              <a:ea typeface="Teko"/>
-              <a:cs typeface="Teko"/>
-              <a:sym typeface="Teko"/>
-            </a:endParaRPr>
-          </a:p>
-        </p:txBody>
-      </p:sp>
-      <p:sp>
-        <p:nvSpPr>
-          <p:cNvPr id="266" name="Google Shape;266;p32"/>
-          <p:cNvSpPr txBox="1"/>
-          <p:nvPr/>
-        </p:nvSpPr>
-        <p:spPr>
-          <a:xfrm>
-            <a:off x="3057150" y="2365350"/>
-            <a:ext cx="6077700" cy="2127300"/>
-          </a:xfrm>
-          <a:prstGeom prst="rect">
-            <a:avLst/>
-          </a:prstGeom>
-          <a:noFill/>
-          <a:ln>
-            <a:noFill/>
-          </a:ln>
-        </p:spPr>
-        <p:txBody>
-          <a:bodyPr anchorCtr="0" anchor="t" bIns="91425" lIns="91425" spcFirstLastPara="1" rIns="91425" wrap="square" tIns="91425">
-            <a:noAutofit/>
-          </a:bodyPr>
-          <a:lstStyle/>
-          <a:p>
-            <a:pPr indent="0" lvl="0" marL="0" rtl="0" algn="l">
-              <a:spcBef>
-                <a:spcPts val="0"/>
-              </a:spcBef>
-              <a:spcAft>
-                <a:spcPts val="0"/>
-              </a:spcAft>
-              <a:buClr>
-                <a:schemeClr val="dk1"/>
-              </a:buClr>
-              <a:buSzPts val="1100"/>
-              <a:buFont typeface="Arial"/>
-              <a:buNone/>
-            </a:pPr>
-            <a:r>
-              <a:rPr lang="en-US" sz="1800">
-                <a:solidFill>
-                  <a:schemeClr val="dk1"/>
-                </a:solidFill>
-              </a:rPr>
-              <a:t>Time Estimation: 3 hours</a:t>
-            </a:r>
-            <a:endParaRPr sz="1800">
-              <a:solidFill>
-                <a:schemeClr val="dk1"/>
-              </a:solidFill>
-            </a:endParaRPr>
-          </a:p>
-          <a:p>
-            <a:pPr indent="0" lvl="0" marL="0" rtl="0" algn="l">
-              <a:spcBef>
-                <a:spcPts val="0"/>
-              </a:spcBef>
-              <a:spcAft>
-                <a:spcPts val="0"/>
-              </a:spcAft>
-              <a:buClr>
-                <a:schemeClr val="dk1"/>
-              </a:buClr>
-              <a:buSzPts val="1100"/>
-              <a:buFont typeface="Arial"/>
-              <a:buNone/>
-            </a:pPr>
-            <a:r>
-              <a:t/>
-            </a:r>
-            <a:endParaRPr sz="1800">
-              <a:solidFill>
-                <a:schemeClr val="dk1"/>
-              </a:solidFill>
-            </a:endParaRPr>
-          </a:p>
-          <a:p>
-            <a:pPr indent="0" lvl="0" marL="0" rtl="0" algn="l">
-              <a:spcBef>
-                <a:spcPts val="0"/>
-              </a:spcBef>
-              <a:spcAft>
-                <a:spcPts val="0"/>
-              </a:spcAft>
-              <a:buClr>
-                <a:schemeClr val="dk1"/>
-              </a:buClr>
-              <a:buSzPts val="1100"/>
-              <a:buFont typeface="Arial"/>
-              <a:buNone/>
-            </a:pPr>
-            <a:r>
-              <a:rPr lang="en-US" sz="1800">
-                <a:solidFill>
-                  <a:schemeClr val="dk1"/>
-                </a:solidFill>
-              </a:rPr>
-              <a:t>Owner: Amit Sdeor</a:t>
-            </a:r>
-            <a:endParaRPr sz="1800">
-              <a:solidFill>
-                <a:schemeClr val="dk1"/>
-              </a:solidFill>
-            </a:endParaRPr>
-          </a:p>
-          <a:p>
-            <a:pPr indent="0" lvl="0" marL="0" rtl="0" algn="l">
-              <a:spcBef>
-                <a:spcPts val="0"/>
-              </a:spcBef>
-              <a:spcAft>
-                <a:spcPts val="0"/>
-              </a:spcAft>
-              <a:buClr>
-                <a:schemeClr val="dk1"/>
-              </a:buClr>
-              <a:buSzPts val="1100"/>
-              <a:buFont typeface="Arial"/>
-              <a:buNone/>
-            </a:pPr>
-            <a:r>
-              <a:t/>
-            </a:r>
-            <a:endParaRPr sz="1800">
-              <a:solidFill>
-                <a:schemeClr val="dk1"/>
-              </a:solidFill>
-            </a:endParaRPr>
-          </a:p>
-          <a:p>
-            <a:pPr indent="0" lvl="0" marL="0" rtl="0" algn="l">
-              <a:spcBef>
-                <a:spcPts val="0"/>
-              </a:spcBef>
-              <a:spcAft>
-                <a:spcPts val="0"/>
-              </a:spcAft>
-              <a:buClr>
-                <a:schemeClr val="dk1"/>
-              </a:buClr>
-              <a:buSzPts val="1100"/>
-              <a:buFont typeface="Arial"/>
-              <a:buNone/>
-            </a:pPr>
-            <a:r>
-              <a:rPr lang="en-US" sz="1800">
-                <a:solidFill>
-                  <a:schemeClr val="dk1"/>
-                </a:solidFill>
-              </a:rPr>
-              <a:t>Frameworks: Firebase, Android Studio</a:t>
-            </a:r>
-            <a:endParaRPr sz="1800">
-              <a:solidFill>
-                <a:schemeClr val="dk1"/>
-              </a:solidFill>
-            </a:endParaRPr>
-          </a:p>
-          <a:p>
-            <a:pPr indent="0" lvl="0" marL="0" rtl="0" algn="l">
-              <a:spcBef>
-                <a:spcPts val="0"/>
-              </a:spcBef>
-              <a:spcAft>
-                <a:spcPts val="0"/>
-              </a:spcAft>
-              <a:buClr>
-                <a:schemeClr val="dk1"/>
-              </a:buClr>
-              <a:buSzPts val="1100"/>
-              <a:buFont typeface="Arial"/>
-              <a:buNone/>
-            </a:pPr>
-            <a:r>
-              <a:t/>
-            </a:r>
-            <a:endParaRPr sz="1800">
-              <a:solidFill>
-                <a:schemeClr val="dk1"/>
-              </a:solidFill>
-            </a:endParaRPr>
-          </a:p>
-          <a:p>
-            <a:pPr indent="0" lvl="0" marL="0" rtl="0" algn="l">
-              <a:spcBef>
-                <a:spcPts val="0"/>
-              </a:spcBef>
-              <a:spcAft>
-                <a:spcPts val="0"/>
-              </a:spcAft>
-              <a:buClr>
-                <a:schemeClr val="dk1"/>
-              </a:buClr>
-              <a:buSzPts val="1100"/>
-              <a:buFont typeface="Arial"/>
-              <a:buNone/>
-            </a:pPr>
-            <a:r>
-              <a:rPr lang="en-US" sz="1800">
-                <a:solidFill>
-                  <a:schemeClr val="dk1"/>
-                </a:solidFill>
-              </a:rPr>
-              <a:t>Risks: None.</a:t>
-            </a:r>
-            <a:endParaRPr sz="1800">
-              <a:solidFill>
-                <a:schemeClr val="dk1"/>
-              </a:solidFill>
-            </a:endParaRPr>
-          </a:p>
-          <a:p>
-            <a:pPr indent="0" lvl="0" marL="0" rtl="0" algn="l">
-              <a:spcBef>
-                <a:spcPts val="0"/>
-              </a:spcBef>
-              <a:spcAft>
-                <a:spcPts val="0"/>
-              </a:spcAft>
-              <a:buNone/>
-            </a:pPr>
-            <a:r>
-              <a:t/>
-            </a:r>
-            <a:endParaRPr sz="1800">
-              <a:solidFill>
-                <a:schemeClr val="dk1"/>
-              </a:solidFill>
-            </a:endParaRPr>
-          </a:p>
-        </p:txBody>
-      </p:sp>
-    </p:spTree>
-  </p:cSld>
-  <p:clrMapOvr>
-    <a:masterClrMapping/>
-  </p:clrMapOvr>
-</p:sld>
-</file>
-
-<file path=ppt/slides/slide15.xml><?xml version="1.0" encoding="utf-8"?>
-<p:sld xmlns:a="http://schemas.openxmlformats.org/drawingml/2006/main" xmlns:r="http://schemas.openxmlformats.org/officeDocument/2006/relationships" xmlns:mc="http://schemas.openxmlformats.org/markup-compatibility/2006" xmlns:mv="urn:schemas-microsoft-com:mac:vml" xmlns:p="http://schemas.openxmlformats.org/presentationml/2006/main" xmlns:c="http://schemas.openxmlformats.org/drawingml/2006/chart" xmlns:dgm="http://schemas.openxmlformats.org/drawingml/2006/diagram" xmlns:o="urn:schemas-microsoft-com:office:office" xmlns:v="urn:schemas-microsoft-com:vml" xmlns:pvml="urn:schemas-microsoft-com:office:powerpoint" xmlns:com="http://schemas.openxmlformats.org/drawingml/2006/compatibility" xmlns:p14="http://schemas.microsoft.com/office/powerpoint/2010/main" xmlns:p15="http://schemas.microsoft.com/office/powerpoint/2012/main">
-  <p:cSld>
-    <p:spTree>
-      <p:nvGrpSpPr>
-        <p:cNvPr id="270" name="Shape 270"/>
-        <p:cNvGrpSpPr/>
-        <p:nvPr/>
-      </p:nvGrpSpPr>
-      <p:grpSpPr>
-        <a:xfrm>
-          <a:off x="0" y="0"/>
-          <a:ext cx="0" cy="0"/>
-          <a:chOff x="0" y="0"/>
-          <a:chExt cx="0" cy="0"/>
-        </a:xfrm>
-      </p:grpSpPr>
-      <p:sp>
-        <p:nvSpPr>
-          <p:cNvPr id="271" name="Google Shape;271;p33"/>
-          <p:cNvSpPr txBox="1"/>
-          <p:nvPr/>
-        </p:nvSpPr>
-        <p:spPr>
-          <a:xfrm>
-            <a:off x="1724850" y="725550"/>
-            <a:ext cx="8742300" cy="1505700"/>
-          </a:xfrm>
-          <a:prstGeom prst="rect">
-            <a:avLst/>
-          </a:prstGeom>
-          <a:noFill/>
-          <a:ln>
-            <a:noFill/>
-          </a:ln>
-        </p:spPr>
-        <p:txBody>
-          <a:bodyPr anchorCtr="0" anchor="t" bIns="91425" lIns="91425" spcFirstLastPara="1" rIns="91425" wrap="square" tIns="91425">
-            <a:noAutofit/>
-          </a:bodyPr>
-          <a:lstStyle/>
-          <a:p>
-            <a:pPr indent="0" lvl="0" marL="0" rtl="0" algn="l">
-              <a:spcBef>
-                <a:spcPts val="0"/>
-              </a:spcBef>
-              <a:spcAft>
-                <a:spcPts val="0"/>
-              </a:spcAft>
-              <a:buClr>
-                <a:schemeClr val="dk1"/>
-              </a:buClr>
-              <a:buSzPts val="1100"/>
-              <a:buFont typeface="Arial"/>
-              <a:buNone/>
-            </a:pPr>
-            <a:r>
-              <a:rPr lang="en-US" sz="3000">
-                <a:solidFill>
-                  <a:schemeClr val="dk1"/>
-                </a:solidFill>
-                <a:latin typeface="Teko"/>
-                <a:ea typeface="Teko"/>
-                <a:cs typeface="Teko"/>
-                <a:sym typeface="Teko"/>
-              </a:rPr>
-              <a:t>“As a user I want to see the data about a course as it is shown in the UG website.” (nice-to-have)</a:t>
-            </a:r>
-            <a:endParaRPr sz="3000">
-              <a:solidFill>
-                <a:schemeClr val="dk1"/>
-              </a:solidFill>
-              <a:latin typeface="Teko"/>
-              <a:ea typeface="Teko"/>
-              <a:cs typeface="Teko"/>
-              <a:sym typeface="Teko"/>
-            </a:endParaRPr>
-          </a:p>
-          <a:p>
-            <a:pPr indent="0" lvl="0" marL="0" rtl="0" algn="r">
-              <a:spcBef>
-                <a:spcPts val="0"/>
-              </a:spcBef>
-              <a:spcAft>
-                <a:spcPts val="0"/>
-              </a:spcAft>
-              <a:buNone/>
-            </a:pPr>
-            <a:r>
-              <a:t/>
-            </a:r>
-            <a:endParaRPr sz="3000">
-              <a:solidFill>
-                <a:schemeClr val="dk1"/>
-              </a:solidFill>
-              <a:latin typeface="Teko"/>
-              <a:ea typeface="Teko"/>
-              <a:cs typeface="Teko"/>
-              <a:sym typeface="Teko"/>
-            </a:endParaRPr>
-          </a:p>
-        </p:txBody>
-      </p:sp>
-      <p:sp>
-        <p:nvSpPr>
-          <p:cNvPr id="272" name="Google Shape;272;p33"/>
-          <p:cNvSpPr txBox="1"/>
-          <p:nvPr/>
-        </p:nvSpPr>
-        <p:spPr>
-          <a:xfrm>
-            <a:off x="3057150" y="2365350"/>
-            <a:ext cx="6077700" cy="2127300"/>
-          </a:xfrm>
-          <a:prstGeom prst="rect">
-            <a:avLst/>
-          </a:prstGeom>
-          <a:noFill/>
-          <a:ln>
-            <a:noFill/>
-          </a:ln>
-        </p:spPr>
-        <p:txBody>
-          <a:bodyPr anchorCtr="0" anchor="t" bIns="91425" lIns="91425" spcFirstLastPara="1" rIns="91425" wrap="square" tIns="91425">
-            <a:noAutofit/>
-          </a:bodyPr>
-          <a:lstStyle/>
-          <a:p>
-            <a:pPr indent="0" lvl="0" marL="0" rtl="0" algn="l">
-              <a:spcBef>
-                <a:spcPts val="0"/>
-              </a:spcBef>
-              <a:spcAft>
-                <a:spcPts val="0"/>
-              </a:spcAft>
-              <a:buClr>
-                <a:schemeClr val="dk1"/>
-              </a:buClr>
-              <a:buSzPts val="1100"/>
-              <a:buFont typeface="Arial"/>
-              <a:buNone/>
-            </a:pPr>
-            <a:r>
-              <a:rPr lang="en-US" sz="1800">
-                <a:solidFill>
-                  <a:schemeClr val="dk1"/>
-                </a:solidFill>
-              </a:rPr>
-              <a:t>Time Estimation: 2 hours</a:t>
-            </a:r>
-            <a:endParaRPr sz="1800">
-              <a:solidFill>
-                <a:schemeClr val="dk1"/>
-              </a:solidFill>
-            </a:endParaRPr>
-          </a:p>
-          <a:p>
-            <a:pPr indent="0" lvl="0" marL="0" rtl="0" algn="l">
-              <a:spcBef>
-                <a:spcPts val="0"/>
-              </a:spcBef>
-              <a:spcAft>
-                <a:spcPts val="0"/>
-              </a:spcAft>
-              <a:buClr>
-                <a:schemeClr val="dk1"/>
-              </a:buClr>
-              <a:buSzPts val="1100"/>
-              <a:buFont typeface="Arial"/>
-              <a:buNone/>
-            </a:pPr>
-            <a:r>
-              <a:t/>
-            </a:r>
-            <a:endParaRPr sz="1800">
-              <a:solidFill>
-                <a:schemeClr val="dk1"/>
-              </a:solidFill>
-            </a:endParaRPr>
-          </a:p>
-          <a:p>
-            <a:pPr indent="0" lvl="0" marL="0" rtl="0" algn="l">
-              <a:spcBef>
-                <a:spcPts val="0"/>
-              </a:spcBef>
-              <a:spcAft>
-                <a:spcPts val="0"/>
-              </a:spcAft>
-              <a:buClr>
-                <a:schemeClr val="dk1"/>
-              </a:buClr>
-              <a:buSzPts val="1100"/>
-              <a:buFont typeface="Arial"/>
-              <a:buNone/>
-            </a:pPr>
-            <a:r>
-              <a:rPr lang="en-US" sz="1800">
-                <a:solidFill>
-                  <a:schemeClr val="dk1"/>
-                </a:solidFill>
-              </a:rPr>
-              <a:t>Owner: Amit Sdeor</a:t>
-            </a:r>
-            <a:endParaRPr sz="1800">
-              <a:solidFill>
-                <a:schemeClr val="dk1"/>
-              </a:solidFill>
-            </a:endParaRPr>
-          </a:p>
-          <a:p>
-            <a:pPr indent="0" lvl="0" marL="0" rtl="0" algn="l">
-              <a:spcBef>
-                <a:spcPts val="0"/>
-              </a:spcBef>
-              <a:spcAft>
-                <a:spcPts val="0"/>
-              </a:spcAft>
-              <a:buClr>
-                <a:schemeClr val="dk1"/>
-              </a:buClr>
-              <a:buSzPts val="1100"/>
-              <a:buFont typeface="Arial"/>
-              <a:buNone/>
-            </a:pPr>
-            <a:r>
-              <a:t/>
-            </a:r>
-            <a:endParaRPr sz="1800">
-              <a:solidFill>
-                <a:schemeClr val="dk1"/>
-              </a:solidFill>
-            </a:endParaRPr>
-          </a:p>
-          <a:p>
-            <a:pPr indent="0" lvl="0" marL="0" rtl="0" algn="l">
-              <a:spcBef>
-                <a:spcPts val="0"/>
-              </a:spcBef>
-              <a:spcAft>
-                <a:spcPts val="0"/>
-              </a:spcAft>
-              <a:buClr>
-                <a:schemeClr val="dk1"/>
-              </a:buClr>
-              <a:buSzPts val="1100"/>
-              <a:buFont typeface="Arial"/>
-              <a:buNone/>
-            </a:pPr>
-            <a:r>
-              <a:rPr lang="en-US" sz="1800">
-                <a:solidFill>
-                  <a:schemeClr val="dk1"/>
-                </a:solidFill>
-              </a:rPr>
-              <a:t>Frameworks: Python, javascript</a:t>
-            </a:r>
-            <a:endParaRPr sz="1800">
-              <a:solidFill>
-                <a:schemeClr val="dk1"/>
-              </a:solidFill>
-            </a:endParaRPr>
-          </a:p>
-          <a:p>
-            <a:pPr indent="0" lvl="0" marL="0" rtl="0" algn="l">
-              <a:spcBef>
-                <a:spcPts val="0"/>
-              </a:spcBef>
-              <a:spcAft>
-                <a:spcPts val="0"/>
-              </a:spcAft>
-              <a:buClr>
-                <a:schemeClr val="dk1"/>
-              </a:buClr>
-              <a:buSzPts val="1100"/>
-              <a:buFont typeface="Arial"/>
-              <a:buNone/>
-            </a:pPr>
-            <a:r>
-              <a:t/>
-            </a:r>
-            <a:endParaRPr sz="1800">
-              <a:solidFill>
-                <a:schemeClr val="dk1"/>
-              </a:solidFill>
-            </a:endParaRPr>
-          </a:p>
-          <a:p>
-            <a:pPr indent="0" lvl="0" marL="0" rtl="0" algn="l">
-              <a:spcBef>
-                <a:spcPts val="0"/>
-              </a:spcBef>
-              <a:spcAft>
-                <a:spcPts val="0"/>
-              </a:spcAft>
-              <a:buClr>
-                <a:schemeClr val="dk1"/>
-              </a:buClr>
-              <a:buSzPts val="1100"/>
-              <a:buFont typeface="Arial"/>
-              <a:buNone/>
-            </a:pPr>
-            <a:r>
-              <a:rPr lang="en-US" sz="1800">
-                <a:solidFill>
-                  <a:schemeClr val="dk1"/>
-                </a:solidFill>
-              </a:rPr>
-              <a:t>Risks: Depends on the UG website being available.</a:t>
-            </a:r>
-            <a:endParaRPr sz="1800">
-              <a:solidFill>
-                <a:schemeClr val="dk1"/>
-              </a:solidFill>
-            </a:endParaRPr>
-          </a:p>
-          <a:p>
-            <a:pPr indent="0" lvl="0" marL="0" rtl="0" algn="l">
-              <a:spcBef>
-                <a:spcPts val="0"/>
-              </a:spcBef>
-              <a:spcAft>
-                <a:spcPts val="0"/>
-              </a:spcAft>
-              <a:buNone/>
-            </a:pPr>
-            <a:r>
-              <a:t/>
-            </a:r>
-            <a:endParaRPr sz="1800">
-              <a:solidFill>
-                <a:schemeClr val="dk1"/>
-              </a:solidFill>
-            </a:endParaRPr>
-          </a:p>
-        </p:txBody>
-      </p:sp>
-    </p:spTree>
-  </p:cSld>
-  <p:clrMapOvr>
-    <a:masterClrMapping/>
-  </p:clrMapOvr>
-</p:sld>
-</file>
-
-<file path=ppt/slides/slide16.xml><?xml version="1.0" encoding="utf-8"?>
-<p:sld xmlns:a="http://schemas.openxmlformats.org/drawingml/2006/main" xmlns:r="http://schemas.openxmlformats.org/officeDocument/2006/relationships" xmlns:mc="http://schemas.openxmlformats.org/markup-compatibility/2006" xmlns:mv="urn:schemas-microsoft-com:mac:vml" xmlns:p="http://schemas.openxmlformats.org/presentationml/2006/main" xmlns:c="http://schemas.openxmlformats.org/drawingml/2006/chart" xmlns:dgm="http://schemas.openxmlformats.org/drawingml/2006/diagram" xmlns:o="urn:schemas-microsoft-com:office:office" xmlns:v="urn:schemas-microsoft-com:vml" xmlns:pvml="urn:schemas-microsoft-com:office:powerpoint" xmlns:com="http://schemas.openxmlformats.org/drawingml/2006/compatibility" xmlns:p14="http://schemas.microsoft.com/office/powerpoint/2010/main" xmlns:p15="http://schemas.microsoft.com/office/powerpoint/2012/main">
-  <p:cSld>
-    <p:spTree>
-      <p:nvGrpSpPr>
-        <p:cNvPr id="276" name="Shape 276"/>
-        <p:cNvGrpSpPr/>
-        <p:nvPr/>
-      </p:nvGrpSpPr>
-      <p:grpSpPr>
-        <a:xfrm>
-          <a:off x="0" y="0"/>
-          <a:ext cx="0" cy="0"/>
-          <a:chOff x="0" y="0"/>
-          <a:chExt cx="0" cy="0"/>
-        </a:xfrm>
-      </p:grpSpPr>
-      <p:sp>
-        <p:nvSpPr>
-          <p:cNvPr id="277" name="Google Shape;277;p34"/>
-          <p:cNvSpPr txBox="1"/>
-          <p:nvPr/>
-        </p:nvSpPr>
-        <p:spPr>
-          <a:xfrm>
-            <a:off x="1724850" y="725550"/>
-            <a:ext cx="8742300" cy="1505700"/>
-          </a:xfrm>
-          <a:prstGeom prst="rect">
-            <a:avLst/>
-          </a:prstGeom>
-          <a:noFill/>
-          <a:ln>
-            <a:noFill/>
-          </a:ln>
-        </p:spPr>
-        <p:txBody>
-          <a:bodyPr anchorCtr="0" anchor="t" bIns="91425" lIns="91425" spcFirstLastPara="1" rIns="91425" wrap="square" tIns="91425">
-            <a:noAutofit/>
-          </a:bodyPr>
-          <a:lstStyle/>
-          <a:p>
-            <a:pPr indent="0" lvl="0" marL="0" rtl="0" algn="l">
-              <a:spcBef>
-                <a:spcPts val="0"/>
-              </a:spcBef>
-              <a:spcAft>
-                <a:spcPts val="0"/>
-              </a:spcAft>
-              <a:buClr>
-                <a:schemeClr val="dk1"/>
-              </a:buClr>
-              <a:buSzPts val="1100"/>
-              <a:buFont typeface="Arial"/>
-              <a:buNone/>
-            </a:pPr>
-            <a:r>
-              <a:rPr lang="en-US" sz="3000">
-                <a:solidFill>
-                  <a:schemeClr val="dk1"/>
-                </a:solidFill>
-                <a:latin typeface="Teko"/>
-                <a:ea typeface="Teko"/>
-                <a:cs typeface="Teko"/>
-                <a:sym typeface="Teko"/>
-              </a:rPr>
-              <a:t>“As a user I want to get extra course info and be able to filter it by different categories, so that I will have all the information needed to decide.”</a:t>
-            </a:r>
-            <a:endParaRPr sz="3000">
-              <a:solidFill>
-                <a:schemeClr val="dk1"/>
-              </a:solidFill>
-              <a:latin typeface="Teko"/>
-              <a:ea typeface="Teko"/>
-              <a:cs typeface="Teko"/>
-              <a:sym typeface="Teko"/>
-            </a:endParaRPr>
-          </a:p>
-          <a:p>
-            <a:pPr indent="0" lvl="0" marL="0" rtl="0" algn="r">
-              <a:spcBef>
-                <a:spcPts val="0"/>
-              </a:spcBef>
-              <a:spcAft>
-                <a:spcPts val="0"/>
-              </a:spcAft>
-              <a:buNone/>
-            </a:pPr>
-            <a:r>
-              <a:t/>
-            </a:r>
-            <a:endParaRPr sz="3000">
-              <a:solidFill>
-                <a:schemeClr val="dk1"/>
-              </a:solidFill>
-              <a:latin typeface="Teko"/>
-              <a:ea typeface="Teko"/>
-              <a:cs typeface="Teko"/>
-              <a:sym typeface="Teko"/>
-            </a:endParaRPr>
-          </a:p>
-        </p:txBody>
-      </p:sp>
-      <p:sp>
-        <p:nvSpPr>
-          <p:cNvPr id="278" name="Google Shape;278;p34"/>
-          <p:cNvSpPr txBox="1"/>
-          <p:nvPr/>
-        </p:nvSpPr>
-        <p:spPr>
-          <a:xfrm>
-            <a:off x="3057150" y="2365350"/>
-            <a:ext cx="6077700" cy="2127300"/>
-          </a:xfrm>
-          <a:prstGeom prst="rect">
-            <a:avLst/>
-          </a:prstGeom>
-          <a:noFill/>
-          <a:ln>
-            <a:noFill/>
-          </a:ln>
-        </p:spPr>
-        <p:txBody>
-          <a:bodyPr anchorCtr="0" anchor="t" bIns="91425" lIns="91425" spcFirstLastPara="1" rIns="91425" wrap="square" tIns="91425">
-            <a:noAutofit/>
-          </a:bodyPr>
-          <a:lstStyle/>
-          <a:p>
-            <a:pPr indent="0" lvl="0" marL="0" rtl="0" algn="l">
-              <a:spcBef>
-                <a:spcPts val="0"/>
-              </a:spcBef>
-              <a:spcAft>
-                <a:spcPts val="0"/>
-              </a:spcAft>
-              <a:buClr>
-                <a:schemeClr val="dk1"/>
-              </a:buClr>
-              <a:buSzPts val="1100"/>
-              <a:buFont typeface="Arial"/>
-              <a:buNone/>
-            </a:pPr>
-            <a:r>
-              <a:rPr lang="en-US" sz="1800">
-                <a:solidFill>
-                  <a:schemeClr val="dk1"/>
-                </a:solidFill>
-              </a:rPr>
-              <a:t>Time Estimation: 4 hours</a:t>
-            </a:r>
-            <a:endParaRPr sz="1800">
-              <a:solidFill>
-                <a:schemeClr val="dk1"/>
-              </a:solidFill>
-            </a:endParaRPr>
-          </a:p>
-          <a:p>
-            <a:pPr indent="0" lvl="0" marL="0" rtl="0" algn="l">
-              <a:spcBef>
-                <a:spcPts val="0"/>
-              </a:spcBef>
-              <a:spcAft>
-                <a:spcPts val="0"/>
-              </a:spcAft>
-              <a:buClr>
-                <a:schemeClr val="dk1"/>
-              </a:buClr>
-              <a:buSzPts val="1100"/>
-              <a:buFont typeface="Arial"/>
-              <a:buNone/>
-            </a:pPr>
-            <a:r>
-              <a:t/>
-            </a:r>
-            <a:endParaRPr sz="1800">
-              <a:solidFill>
-                <a:schemeClr val="dk1"/>
-              </a:solidFill>
-            </a:endParaRPr>
-          </a:p>
-          <a:p>
-            <a:pPr indent="0" lvl="0" marL="0" rtl="0" algn="l">
-              <a:spcBef>
-                <a:spcPts val="0"/>
-              </a:spcBef>
-              <a:spcAft>
-                <a:spcPts val="0"/>
-              </a:spcAft>
-              <a:buClr>
-                <a:schemeClr val="dk1"/>
-              </a:buClr>
-              <a:buSzPts val="1100"/>
-              <a:buFont typeface="Arial"/>
-              <a:buNone/>
-            </a:pPr>
-            <a:r>
-              <a:rPr lang="en-US" sz="1800">
-                <a:solidFill>
-                  <a:schemeClr val="dk1"/>
-                </a:solidFill>
-              </a:rPr>
-              <a:t>Owner: Amit</a:t>
-            </a:r>
-            <a:endParaRPr sz="1800">
-              <a:solidFill>
-                <a:schemeClr val="dk1"/>
-              </a:solidFill>
-            </a:endParaRPr>
-          </a:p>
-          <a:p>
-            <a:pPr indent="0" lvl="0" marL="0" rtl="0" algn="l">
-              <a:spcBef>
-                <a:spcPts val="0"/>
-              </a:spcBef>
-              <a:spcAft>
-                <a:spcPts val="0"/>
-              </a:spcAft>
-              <a:buClr>
-                <a:schemeClr val="dk1"/>
-              </a:buClr>
-              <a:buSzPts val="1100"/>
-              <a:buFont typeface="Arial"/>
-              <a:buNone/>
-            </a:pPr>
-            <a:r>
-              <a:t/>
-            </a:r>
-            <a:endParaRPr sz="1800">
-              <a:solidFill>
-                <a:schemeClr val="dk1"/>
-              </a:solidFill>
-            </a:endParaRPr>
-          </a:p>
-          <a:p>
-            <a:pPr indent="0" lvl="0" marL="0" rtl="0" algn="l">
-              <a:spcBef>
-                <a:spcPts val="0"/>
-              </a:spcBef>
-              <a:spcAft>
-                <a:spcPts val="0"/>
-              </a:spcAft>
-              <a:buClr>
-                <a:schemeClr val="dk1"/>
-              </a:buClr>
-              <a:buSzPts val="1100"/>
-              <a:buFont typeface="Arial"/>
-              <a:buNone/>
-            </a:pPr>
-            <a:r>
-              <a:rPr lang="en-US" sz="1800">
-                <a:solidFill>
-                  <a:schemeClr val="dk1"/>
-                </a:solidFill>
-              </a:rPr>
-              <a:t>Frameworks: Firebase, Android Studio</a:t>
-            </a:r>
-            <a:endParaRPr sz="1800">
-              <a:solidFill>
-                <a:schemeClr val="dk1"/>
-              </a:solidFill>
-            </a:endParaRPr>
-          </a:p>
-          <a:p>
-            <a:pPr indent="0" lvl="0" marL="0" rtl="0" algn="l">
-              <a:spcBef>
-                <a:spcPts val="0"/>
-              </a:spcBef>
-              <a:spcAft>
-                <a:spcPts val="0"/>
-              </a:spcAft>
-              <a:buClr>
-                <a:schemeClr val="dk1"/>
-              </a:buClr>
-              <a:buSzPts val="1100"/>
-              <a:buFont typeface="Arial"/>
-              <a:buNone/>
-            </a:pPr>
-            <a:r>
-              <a:t/>
-            </a:r>
-            <a:endParaRPr sz="1800">
-              <a:solidFill>
-                <a:schemeClr val="dk1"/>
-              </a:solidFill>
-            </a:endParaRPr>
-          </a:p>
-          <a:p>
-            <a:pPr indent="0" lvl="0" marL="0" rtl="0" algn="l">
-              <a:spcBef>
-                <a:spcPts val="0"/>
-              </a:spcBef>
-              <a:spcAft>
-                <a:spcPts val="0"/>
-              </a:spcAft>
-              <a:buClr>
-                <a:schemeClr val="dk1"/>
-              </a:buClr>
-              <a:buSzPts val="1100"/>
-              <a:buFont typeface="Arial"/>
-              <a:buNone/>
-            </a:pPr>
-            <a:r>
-              <a:rPr lang="en-US" sz="1800">
-                <a:solidFill>
-                  <a:schemeClr val="dk1"/>
-                </a:solidFill>
-              </a:rPr>
-              <a:t>Risks: Data entry might require serious manual work, depends on external sources</a:t>
-            </a:r>
-            <a:endParaRPr sz="1800">
-              <a:solidFill>
-                <a:schemeClr val="dk1"/>
-              </a:solidFill>
-            </a:endParaRPr>
-          </a:p>
-          <a:p>
-            <a:pPr indent="0" lvl="0" marL="0" rtl="0" algn="l">
-              <a:spcBef>
-                <a:spcPts val="0"/>
-              </a:spcBef>
-              <a:spcAft>
-                <a:spcPts val="0"/>
-              </a:spcAft>
-              <a:buNone/>
-            </a:pPr>
-            <a:r>
-              <a:t/>
-            </a:r>
-            <a:endParaRPr sz="1800">
-              <a:solidFill>
-                <a:schemeClr val="dk1"/>
-              </a:solidFill>
-            </a:endParaRPr>
           </a:p>
         </p:txBody>
       </p:sp>
@@ -21089,7 +20824,7 @@
   <p:cSld>
     <p:spTree>
       <p:nvGrpSpPr>
-        <p:cNvPr id="282" name="Shape 282"/>
+        <p:cNvPr id="281" name="Shape 281"/>
         <p:cNvGrpSpPr/>
         <p:nvPr/>
       </p:nvGrpSpPr>
@@ -21103,351 +20838,7 @@
       </p:grpSpPr>
       <p:sp>
         <p:nvSpPr>
-          <p:cNvPr id="283" name="Google Shape;283;p35"/>
-          <p:cNvSpPr txBox="1"/>
-          <p:nvPr/>
-        </p:nvSpPr>
-        <p:spPr>
-          <a:xfrm>
-            <a:off x="1724850" y="725550"/>
-            <a:ext cx="8742300" cy="1505700"/>
-          </a:xfrm>
-          <a:prstGeom prst="rect">
-            <a:avLst/>
-          </a:prstGeom>
-          <a:noFill/>
-          <a:ln>
-            <a:noFill/>
-          </a:ln>
-        </p:spPr>
-        <p:txBody>
-          <a:bodyPr anchorCtr="0" anchor="t" bIns="91425" lIns="91425" spcFirstLastPara="1" rIns="91425" wrap="square" tIns="91425">
-            <a:noAutofit/>
-          </a:bodyPr>
-          <a:lstStyle/>
-          <a:p>
-            <a:pPr indent="0" lvl="0" marL="0" rtl="0" algn="l">
-              <a:spcBef>
-                <a:spcPts val="0"/>
-              </a:spcBef>
-              <a:spcAft>
-                <a:spcPts val="0"/>
-              </a:spcAft>
-              <a:buClr>
-                <a:schemeClr val="dk1"/>
-              </a:buClr>
-              <a:buSzPts val="1100"/>
-              <a:buFont typeface="Arial"/>
-              <a:buNone/>
-            </a:pPr>
-            <a:r>
-              <a:rPr lang="en-US" sz="3000">
-                <a:solidFill>
-                  <a:schemeClr val="dk1"/>
-                </a:solidFill>
-                <a:latin typeface="Teko"/>
-                <a:ea typeface="Teko"/>
-                <a:cs typeface="Teko"/>
-                <a:sym typeface="Teko"/>
-              </a:rPr>
-              <a:t>“As a user I want to contact easily a student who has published a review so that I could ask them any follow up questions.”</a:t>
-            </a:r>
-            <a:endParaRPr sz="3000">
-              <a:solidFill>
-                <a:schemeClr val="dk1"/>
-              </a:solidFill>
-              <a:latin typeface="Teko"/>
-              <a:ea typeface="Teko"/>
-              <a:cs typeface="Teko"/>
-              <a:sym typeface="Teko"/>
-            </a:endParaRPr>
-          </a:p>
-          <a:p>
-            <a:pPr indent="0" lvl="0" marL="0" rtl="0" algn="r">
-              <a:spcBef>
-                <a:spcPts val="0"/>
-              </a:spcBef>
-              <a:spcAft>
-                <a:spcPts val="0"/>
-              </a:spcAft>
-              <a:buNone/>
-            </a:pPr>
-            <a:r>
-              <a:t/>
-            </a:r>
-            <a:endParaRPr sz="3000">
-              <a:solidFill>
-                <a:schemeClr val="dk1"/>
-              </a:solidFill>
-              <a:latin typeface="Teko"/>
-              <a:ea typeface="Teko"/>
-              <a:cs typeface="Teko"/>
-              <a:sym typeface="Teko"/>
-            </a:endParaRPr>
-          </a:p>
-        </p:txBody>
-      </p:sp>
-      <p:sp>
-        <p:nvSpPr>
-          <p:cNvPr id="284" name="Google Shape;284;p35"/>
-          <p:cNvSpPr txBox="1"/>
-          <p:nvPr/>
-        </p:nvSpPr>
-        <p:spPr>
-          <a:xfrm>
-            <a:off x="3057150" y="2365350"/>
-            <a:ext cx="6077700" cy="2127300"/>
-          </a:xfrm>
-          <a:prstGeom prst="rect">
-            <a:avLst/>
-          </a:prstGeom>
-          <a:noFill/>
-          <a:ln>
-            <a:noFill/>
-          </a:ln>
-        </p:spPr>
-        <p:txBody>
-          <a:bodyPr anchorCtr="0" anchor="t" bIns="91425" lIns="91425" spcFirstLastPara="1" rIns="91425" wrap="square" tIns="91425">
-            <a:noAutofit/>
-          </a:bodyPr>
-          <a:lstStyle/>
-          <a:p>
-            <a:pPr indent="0" lvl="0" marL="0" rtl="0" algn="l">
-              <a:spcBef>
-                <a:spcPts val="0"/>
-              </a:spcBef>
-              <a:spcAft>
-                <a:spcPts val="0"/>
-              </a:spcAft>
-              <a:buClr>
-                <a:schemeClr val="dk1"/>
-              </a:buClr>
-              <a:buSzPts val="1100"/>
-              <a:buFont typeface="Arial"/>
-              <a:buNone/>
-            </a:pPr>
-            <a:r>
-              <a:rPr lang="en-US" sz="1800">
-                <a:solidFill>
-                  <a:schemeClr val="dk1"/>
-                </a:solidFill>
-              </a:rPr>
-              <a:t>Time Estimation: 1 hour</a:t>
-            </a:r>
-            <a:endParaRPr sz="1800">
-              <a:solidFill>
-                <a:schemeClr val="dk1"/>
-              </a:solidFill>
-            </a:endParaRPr>
-          </a:p>
-          <a:p>
-            <a:pPr indent="0" lvl="0" marL="0" rtl="0" algn="l">
-              <a:spcBef>
-                <a:spcPts val="0"/>
-              </a:spcBef>
-              <a:spcAft>
-                <a:spcPts val="0"/>
-              </a:spcAft>
-              <a:buClr>
-                <a:schemeClr val="dk1"/>
-              </a:buClr>
-              <a:buSzPts val="1100"/>
-              <a:buFont typeface="Arial"/>
-              <a:buNone/>
-            </a:pPr>
-            <a:r>
-              <a:t/>
-            </a:r>
-            <a:endParaRPr sz="1800">
-              <a:solidFill>
-                <a:schemeClr val="dk1"/>
-              </a:solidFill>
-            </a:endParaRPr>
-          </a:p>
-          <a:p>
-            <a:pPr indent="0" lvl="0" marL="0" rtl="0" algn="l">
-              <a:spcBef>
-                <a:spcPts val="0"/>
-              </a:spcBef>
-              <a:spcAft>
-                <a:spcPts val="0"/>
-              </a:spcAft>
-              <a:buClr>
-                <a:schemeClr val="dk1"/>
-              </a:buClr>
-              <a:buSzPts val="1100"/>
-              <a:buFont typeface="Arial"/>
-              <a:buNone/>
-            </a:pPr>
-            <a:r>
-              <a:rPr lang="en-US" sz="1800">
-                <a:solidFill>
-                  <a:schemeClr val="dk1"/>
-                </a:solidFill>
-              </a:rPr>
-              <a:t>Owner: Amit</a:t>
-            </a:r>
-            <a:endParaRPr sz="1800">
-              <a:solidFill>
-                <a:schemeClr val="dk1"/>
-              </a:solidFill>
-            </a:endParaRPr>
-          </a:p>
-          <a:p>
-            <a:pPr indent="0" lvl="0" marL="0" rtl="0" algn="l">
-              <a:spcBef>
-                <a:spcPts val="0"/>
-              </a:spcBef>
-              <a:spcAft>
-                <a:spcPts val="0"/>
-              </a:spcAft>
-              <a:buClr>
-                <a:schemeClr val="dk1"/>
-              </a:buClr>
-              <a:buSzPts val="1100"/>
-              <a:buFont typeface="Arial"/>
-              <a:buNone/>
-            </a:pPr>
-            <a:r>
-              <a:t/>
-            </a:r>
-            <a:endParaRPr sz="1800">
-              <a:solidFill>
-                <a:schemeClr val="dk1"/>
-              </a:solidFill>
-            </a:endParaRPr>
-          </a:p>
-          <a:p>
-            <a:pPr indent="0" lvl="0" marL="0" rtl="0" algn="l">
-              <a:spcBef>
-                <a:spcPts val="0"/>
-              </a:spcBef>
-              <a:spcAft>
-                <a:spcPts val="0"/>
-              </a:spcAft>
-              <a:buClr>
-                <a:schemeClr val="dk1"/>
-              </a:buClr>
-              <a:buSzPts val="1100"/>
-              <a:buFont typeface="Arial"/>
-              <a:buNone/>
-            </a:pPr>
-            <a:r>
-              <a:rPr lang="en-US" sz="1800">
-                <a:solidFill>
-                  <a:schemeClr val="dk1"/>
-                </a:solidFill>
-              </a:rPr>
-              <a:t>Frameworks: Firebase, Android Studio</a:t>
-            </a:r>
-            <a:endParaRPr sz="1800">
-              <a:solidFill>
-                <a:schemeClr val="dk1"/>
-              </a:solidFill>
-            </a:endParaRPr>
-          </a:p>
-          <a:p>
-            <a:pPr indent="0" lvl="0" marL="0" rtl="0" algn="l">
-              <a:spcBef>
-                <a:spcPts val="0"/>
-              </a:spcBef>
-              <a:spcAft>
-                <a:spcPts val="0"/>
-              </a:spcAft>
-              <a:buClr>
-                <a:schemeClr val="dk1"/>
-              </a:buClr>
-              <a:buSzPts val="1100"/>
-              <a:buFont typeface="Arial"/>
-              <a:buNone/>
-            </a:pPr>
-            <a:r>
-              <a:t/>
-            </a:r>
-            <a:endParaRPr sz="1800">
-              <a:solidFill>
-                <a:schemeClr val="dk1"/>
-              </a:solidFill>
-            </a:endParaRPr>
-          </a:p>
-          <a:p>
-            <a:pPr indent="0" lvl="0" marL="0" rtl="0" algn="l">
-              <a:spcBef>
-                <a:spcPts val="0"/>
-              </a:spcBef>
-              <a:spcAft>
-                <a:spcPts val="0"/>
-              </a:spcAft>
-              <a:buClr>
-                <a:schemeClr val="dk1"/>
-              </a:buClr>
-              <a:buSzPts val="1100"/>
-              <a:buFont typeface="Arial"/>
-              <a:buNone/>
-            </a:pPr>
-            <a:r>
-              <a:rPr lang="en-US" sz="1800">
-                <a:solidFill>
-                  <a:schemeClr val="dk1"/>
-                </a:solidFill>
-              </a:rPr>
-              <a:t>Risks: Users will refuse to provide contact information</a:t>
-            </a:r>
-            <a:endParaRPr sz="1800">
-              <a:solidFill>
-                <a:schemeClr val="dk1"/>
-              </a:solidFill>
-            </a:endParaRPr>
-          </a:p>
-          <a:p>
-            <a:pPr indent="0" lvl="0" marL="0" rtl="0" algn="l">
-              <a:spcBef>
-                <a:spcPts val="0"/>
-              </a:spcBef>
-              <a:spcAft>
-                <a:spcPts val="0"/>
-              </a:spcAft>
-              <a:buNone/>
-            </a:pPr>
-            <a:r>
-              <a:t/>
-            </a:r>
-            <a:endParaRPr sz="1800">
-              <a:solidFill>
-                <a:schemeClr val="dk1"/>
-              </a:solidFill>
-            </a:endParaRPr>
-          </a:p>
-        </p:txBody>
-      </p:sp>
-    </p:spTree>
-  </p:cSld>
-  <p:clrMapOvr>
-    <a:masterClrMapping/>
-  </p:clrMapOvr>
-</p:sld>
-</file>
-
-<file path=ppt/slides/slide18.xml><?xml version="1.0" encoding="utf-8"?>
-<p:sld xmlns:a="http://schemas.openxmlformats.org/drawingml/2006/main" xmlns:r="http://schemas.openxmlformats.org/officeDocument/2006/relationships" xmlns:mc="http://schemas.openxmlformats.org/markup-compatibility/2006" xmlns:mv="urn:schemas-microsoft-com:mac:vml" xmlns:p="http://schemas.openxmlformats.org/presentationml/2006/main" xmlns:c="http://schemas.openxmlformats.org/drawingml/2006/chart" xmlns:dgm="http://schemas.openxmlformats.org/drawingml/2006/diagram" xmlns:o="urn:schemas-microsoft-com:office:office" xmlns:v="urn:schemas-microsoft-com:vml" xmlns:pvml="urn:schemas-microsoft-com:office:powerpoint" xmlns:com="http://schemas.openxmlformats.org/drawingml/2006/compatibility" xmlns:p14="http://schemas.microsoft.com/office/powerpoint/2010/main" xmlns:p15="http://schemas.microsoft.com/office/powerpoint/2012/main">
-  <p:cSld>
-    <p:spTree>
-      <p:nvGrpSpPr>
-        <p:cNvPr id="288" name="Shape 288"/>
-        <p:cNvGrpSpPr/>
-        <p:nvPr/>
-      </p:nvGrpSpPr>
-      <p:grpSpPr>
-        <a:xfrm>
-          <a:off x="0" y="0"/>
-          <a:ext cx="0" cy="0"/>
-          <a:chOff x="0" y="0"/>
-          <a:chExt cx="0" cy="0"/>
-        </a:xfrm>
-      </p:grpSpPr>
-      <p:sp>
-        <p:nvSpPr>
-          <p:cNvPr id="289" name="Google Shape;289;p36"/>
+          <p:cNvPr id="282" name="Google Shape;282;p35"/>
           <p:cNvSpPr txBox="1"/>
           <p:nvPr/>
         </p:nvSpPr>
@@ -21477,6 +20868,11 @@
               <a:spcAft>
                 <a:spcPts val="0"/>
               </a:spcAft>
+              <a:buClr>
+                <a:schemeClr val="dk1"/>
+              </a:buClr>
+              <a:buSzPts val="1100"/>
+              <a:buFont typeface="Arial"/>
               <a:buNone/>
             </a:pPr>
             <a:r>
@@ -21495,7 +20891,7 @@
                 <a:cs typeface="Teko"/>
                 <a:sym typeface="Teko"/>
               </a:rPr>
-              <a:t>As a user I want to read reviews for courses, and I want to see the most popular reviews first</a:t>
+              <a:t>As a user I want to see the content in my preferred language (Hebrew,English)</a:t>
             </a:r>
             <a:r>
               <a:rPr lang="en-US" sz="3000">
@@ -21504,7 +20900,7 @@
                 <a:cs typeface="Teko"/>
                 <a:sym typeface="Teko"/>
               </a:rPr>
-              <a:t>”</a:t>
+              <a:t>.”</a:t>
             </a:r>
             <a:endParaRPr sz="3000">
               <a:latin typeface="Teko"/>
@@ -21513,11 +20909,31 @@
               <a:sym typeface="Teko"/>
             </a:endParaRPr>
           </a:p>
+          <a:p>
+            <a:pPr indent="0" lvl="0" marL="0" rtl="0" algn="l">
+              <a:spcBef>
+                <a:spcPts val="0"/>
+              </a:spcBef>
+              <a:spcAft>
+                <a:spcPts val="0"/>
+              </a:spcAft>
+              <a:buNone/>
+            </a:pPr>
+            <a:r>
+              <a:t/>
+            </a:r>
+            <a:endParaRPr sz="3000">
+              <a:latin typeface="Teko"/>
+              <a:ea typeface="Teko"/>
+              <a:cs typeface="Teko"/>
+              <a:sym typeface="Teko"/>
+            </a:endParaRPr>
+          </a:p>
         </p:txBody>
       </p:sp>
       <p:sp>
         <p:nvSpPr>
-          <p:cNvPr id="290" name="Google Shape;290;p36"/>
+          <p:cNvPr id="283" name="Google Shape;283;p35"/>
           <p:cNvSpPr txBox="1"/>
           <p:nvPr/>
         </p:nvSpPr>
@@ -21551,7 +20967,7 @@
             </a:pPr>
             <a:r>
               <a:rPr lang="en-US" sz="1800"/>
-              <a:t>Time Estimation: 3 hours for Android activity, 2 hours for resources. </a:t>
+              <a:t>Time Estimation: 3 hours.</a:t>
             </a:r>
             <a:endParaRPr sz="1800"/>
           </a:p>
@@ -21582,7 +20998,7 @@
             </a:pPr>
             <a:r>
               <a:rPr lang="en-US" sz="1800"/>
-              <a:t>Owner: Roy Hirsch</a:t>
+              <a:t>Owner: Denis Nastic.</a:t>
             </a:r>
             <a:endParaRPr sz="1800"/>
           </a:p>
@@ -21613,7 +21029,15 @@
             </a:pPr>
             <a:r>
               <a:rPr lang="en-US" sz="1800"/>
-              <a:t>Frameworks: Firebase &amp; Android Studio</a:t>
+              <a:t>Frameworks: Android Studio, </a:t>
+            </a:r>
+            <a:r>
+              <a:rPr lang="en-US" sz="1800">
+                <a:solidFill>
+                  <a:schemeClr val="dk1"/>
+                </a:solidFill>
+              </a:rPr>
+              <a:t>App language management framework.</a:t>
             </a:r>
             <a:endParaRPr sz="1800"/>
           </a:p>
@@ -21647,6 +21071,94 @@
               <a:t>Risks: None.</a:t>
             </a:r>
             <a:endParaRPr sz="1800"/>
+          </a:p>
+        </p:txBody>
+      </p:sp>
+    </p:spTree>
+  </p:cSld>
+  <p:clrMapOvr>
+    <a:masterClrMapping/>
+  </p:clrMapOvr>
+</p:sld>
+</file>
+
+<file path=ppt/slides/slide18.xml><?xml version="1.0" encoding="utf-8"?>
+<p:sld xmlns:a="http://schemas.openxmlformats.org/drawingml/2006/main" xmlns:r="http://schemas.openxmlformats.org/officeDocument/2006/relationships" xmlns:mc="http://schemas.openxmlformats.org/markup-compatibility/2006" xmlns:mv="urn:schemas-microsoft-com:mac:vml" xmlns:p="http://schemas.openxmlformats.org/presentationml/2006/main" xmlns:c="http://schemas.openxmlformats.org/drawingml/2006/chart" xmlns:dgm="http://schemas.openxmlformats.org/drawingml/2006/diagram" xmlns:o="urn:schemas-microsoft-com:office:office" xmlns:v="urn:schemas-microsoft-com:vml" xmlns:pvml="urn:schemas-microsoft-com:office:powerpoint" xmlns:com="http://schemas.openxmlformats.org/drawingml/2006/compatibility" xmlns:p14="http://schemas.microsoft.com/office/powerpoint/2010/main" xmlns:p15="http://schemas.microsoft.com/office/powerpoint/2012/main">
+  <p:cSld>
+    <p:spTree>
+      <p:nvGrpSpPr>
+        <p:cNvPr id="287" name="Shape 287"/>
+        <p:cNvGrpSpPr/>
+        <p:nvPr/>
+      </p:nvGrpSpPr>
+      <p:grpSpPr>
+        <a:xfrm>
+          <a:off x="0" y="0"/>
+          <a:ext cx="0" cy="0"/>
+          <a:chOff x="0" y="0"/>
+          <a:chExt cx="0" cy="0"/>
+        </a:xfrm>
+      </p:grpSpPr>
+      <p:sp>
+        <p:nvSpPr>
+          <p:cNvPr id="288" name="Google Shape;288;p36"/>
+          <p:cNvSpPr txBox="1"/>
+          <p:nvPr/>
+        </p:nvSpPr>
+        <p:spPr>
+          <a:xfrm>
+            <a:off x="0" y="2665058"/>
+            <a:ext cx="12192000" cy="1283700"/>
+          </a:xfrm>
+          <a:prstGeom prst="rect">
+            <a:avLst/>
+          </a:prstGeom>
+          <a:noFill/>
+          <a:ln>
+            <a:noFill/>
+          </a:ln>
+        </p:spPr>
+        <p:txBody>
+          <a:bodyPr anchorCtr="0" anchor="t" bIns="45700" lIns="91425" spcFirstLastPara="1" rIns="91425" wrap="square" tIns="45700">
+            <a:noAutofit/>
+          </a:bodyPr>
+          <a:lstStyle/>
+          <a:p>
+            <a:pPr indent="0" lvl="0" marL="0" marR="0" rtl="1" algn="ctr">
+              <a:spcBef>
+                <a:spcPts val="0"/>
+              </a:spcBef>
+              <a:spcAft>
+                <a:spcPts val="0"/>
+              </a:spcAft>
+              <a:buClr>
+                <a:schemeClr val="dk1"/>
+              </a:buClr>
+              <a:buSzPts val="4000"/>
+              <a:buFont typeface="Teko"/>
+              <a:buNone/>
+            </a:pPr>
+            <a:r>
+              <a:rPr lang="en-US" sz="9600">
+                <a:solidFill>
+                  <a:schemeClr val="dk1"/>
+                </a:solidFill>
+                <a:latin typeface="Teko"/>
+                <a:ea typeface="Teko"/>
+                <a:cs typeface="Teko"/>
+                <a:sym typeface="Teko"/>
+              </a:rPr>
+              <a:t>Sprint 2</a:t>
+            </a:r>
+            <a:endParaRPr sz="9600" cap="none">
+              <a:solidFill>
+                <a:schemeClr val="dk1"/>
+              </a:solidFill>
+              <a:latin typeface="Teko"/>
+              <a:ea typeface="Teko"/>
+              <a:cs typeface="Teko"/>
+              <a:sym typeface="Teko"/>
+            </a:endParaRPr>
           </a:p>
         </p:txBody>
       </p:sp>
@@ -21663,7 +21175,7 @@
   <p:cSld>
     <p:spTree>
       <p:nvGrpSpPr>
-        <p:cNvPr id="294" name="Shape 294"/>
+        <p:cNvPr id="292" name="Shape 292"/>
         <p:cNvGrpSpPr/>
         <p:nvPr/>
       </p:nvGrpSpPr>
@@ -21677,7 +21189,7 @@
       </p:grpSpPr>
       <p:sp>
         <p:nvSpPr>
-          <p:cNvPr id="295" name="Google Shape;295;p37"/>
+          <p:cNvPr id="293" name="Google Shape;293;p37"/>
           <p:cNvSpPr txBox="1"/>
           <p:nvPr/>
         </p:nvSpPr>
@@ -21707,6 +21219,11 @@
               <a:spcAft>
                 <a:spcPts val="0"/>
               </a:spcAft>
+              <a:buClr>
+                <a:schemeClr val="dk1"/>
+              </a:buClr>
+              <a:buSzPts val="1100"/>
+              <a:buFont typeface="Arial"/>
               <a:buNone/>
             </a:pPr>
             <a:r>
@@ -21716,7 +21233,7 @@
                 <a:cs typeface="Teko"/>
                 <a:sym typeface="Teko"/>
               </a:rPr>
-              <a:t>“</a:t>
+              <a:t>“As a user I want to interactively rate (Like/Dislike) courses and I would like the </a:t>
             </a:r>
             <a:r>
               <a:rPr lang="en-US" sz="3000">
@@ -21725,7 +21242,7 @@
                 <a:cs typeface="Teko"/>
                 <a:sym typeface="Teko"/>
               </a:rPr>
-              <a:t>As a user I want to give feedback for other students' reviews (anonymously) so that other users (and myself) will see less irrelevant reviews.</a:t>
+              <a:t>experience</a:t>
             </a:r>
             <a:r>
               <a:rPr lang="en-US" sz="3000">
@@ -21734,7 +21251,7 @@
                 <a:cs typeface="Teko"/>
                 <a:sym typeface="Teko"/>
               </a:rPr>
-              <a:t>”</a:t>
+              <a:t> to be good and fun- short,interactive,rewarding. So that I will be happy contributing data without spending too much of my time.”</a:t>
             </a:r>
             <a:endParaRPr sz="3000">
               <a:latin typeface="Teko"/>
@@ -21743,11 +21260,31 @@
               <a:sym typeface="Teko"/>
             </a:endParaRPr>
           </a:p>
+          <a:p>
+            <a:pPr indent="0" lvl="0" marL="0" rtl="0" algn="l">
+              <a:spcBef>
+                <a:spcPts val="0"/>
+              </a:spcBef>
+              <a:spcAft>
+                <a:spcPts val="0"/>
+              </a:spcAft>
+              <a:buNone/>
+            </a:pPr>
+            <a:r>
+              <a:t/>
+            </a:r>
+            <a:endParaRPr sz="3000">
+              <a:latin typeface="Teko"/>
+              <a:ea typeface="Teko"/>
+              <a:cs typeface="Teko"/>
+              <a:sym typeface="Teko"/>
+            </a:endParaRPr>
+          </a:p>
         </p:txBody>
       </p:sp>
       <p:sp>
         <p:nvSpPr>
-          <p:cNvPr id="296" name="Google Shape;296;p37"/>
+          <p:cNvPr id="294" name="Google Shape;294;p37"/>
           <p:cNvSpPr txBox="1"/>
           <p:nvPr/>
         </p:nvSpPr>
@@ -21781,7 +21318,11 @@
             </a:pPr>
             <a:r>
               <a:rPr lang="en-US" sz="1800"/>
-              <a:t>Time Estimation: 2 hours for the Android activity. </a:t>
+              <a:t>T</a:t>
+            </a:r>
+            <a:r>
+              <a:rPr lang="en-US" sz="1800"/>
+              <a:t>ime Estimation: 9 hours.</a:t>
             </a:r>
             <a:endParaRPr sz="1800"/>
           </a:p>
@@ -21843,7 +21384,7 @@
             </a:pPr>
             <a:r>
               <a:rPr lang="en-US" sz="1800"/>
-              <a:t>Frameworks: Firebase &amp; Android Studio</a:t>
+              <a:t>Frameworks: Firebase, Android Studio, Animation/GUI library</a:t>
             </a:r>
             <a:endParaRPr sz="1800"/>
           </a:p>
@@ -22340,7 +21881,7 @@
   <p:cSld>
     <p:spTree>
       <p:nvGrpSpPr>
-        <p:cNvPr id="300" name="Shape 300"/>
+        <p:cNvPr id="298" name="Shape 298"/>
         <p:cNvGrpSpPr/>
         <p:nvPr/>
       </p:nvGrpSpPr>
@@ -22354,7 +21895,7 @@
       </p:grpSpPr>
       <p:sp>
         <p:nvSpPr>
-          <p:cNvPr id="301" name="Google Shape;301;p38"/>
+          <p:cNvPr id="299" name="Google Shape;299;p38"/>
           <p:cNvSpPr txBox="1"/>
           <p:nvPr/>
         </p:nvSpPr>
@@ -22402,7 +21943,7 @@
                 <a:cs typeface="Teko"/>
                 <a:sym typeface="Teko"/>
               </a:rPr>
-              <a:t>As a user I want to write reviews for courses I took (anonymously/identified)</a:t>
+              <a:t>As a user I want to get notifications when interesting things happen - my friends are looking for partners, my partner suggestion was accepted/rejected, or if the system found me new matches.</a:t>
             </a:r>
             <a:r>
               <a:rPr lang="en-US" sz="3000">
@@ -22424,7 +21965,7 @@
       </p:sp>
       <p:sp>
         <p:nvSpPr>
-          <p:cNvPr id="302" name="Google Shape;302;p38"/>
+          <p:cNvPr id="300" name="Google Shape;300;p38"/>
           <p:cNvSpPr txBox="1"/>
           <p:nvPr/>
         </p:nvSpPr>
@@ -22458,7 +21999,7 @@
             </a:pPr>
             <a:r>
               <a:rPr lang="en-US" sz="1800"/>
-              <a:t>Time Estimation: 2.5 hours for front-end, 1 hour for back-end. </a:t>
+              <a:t>Time Estimation: 5 hours.</a:t>
             </a:r>
             <a:endParaRPr sz="1800"/>
           </a:p>
@@ -22520,7 +22061,7 @@
             </a:pPr>
             <a:r>
               <a:rPr lang="en-US" sz="1800"/>
-              <a:t>Frameworks: Firebase &amp; Android Studio</a:t>
+              <a:t>Frameworks: Firebase</a:t>
             </a:r>
             <a:endParaRPr sz="1800"/>
           </a:p>
@@ -22570,7 +22111,7 @@
   <p:cSld>
     <p:spTree>
       <p:nvGrpSpPr>
-        <p:cNvPr id="306" name="Shape 306"/>
+        <p:cNvPr id="304" name="Shape 304"/>
         <p:cNvGrpSpPr/>
         <p:nvPr/>
       </p:nvGrpSpPr>
@@ -22584,7 +22125,7 @@
       </p:grpSpPr>
       <p:sp>
         <p:nvSpPr>
-          <p:cNvPr id="307" name="Google Shape;307;p39"/>
+          <p:cNvPr id="305" name="Google Shape;305;p39"/>
           <p:cNvSpPr txBox="1"/>
           <p:nvPr/>
         </p:nvSpPr>
@@ -22614,6 +22155,11 @@
               <a:spcAft>
                 <a:spcPts val="0"/>
               </a:spcAft>
+              <a:buClr>
+                <a:schemeClr val="dk1"/>
+              </a:buClr>
+              <a:buSzPts val="1100"/>
+              <a:buFont typeface="Arial"/>
               <a:buNone/>
             </a:pPr>
             <a:r>
@@ -22623,7 +22169,7 @@
                 <a:cs typeface="Teko"/>
                 <a:sym typeface="Teko"/>
               </a:rPr>
-              <a:t>“As a user I want to be able to update any </a:t>
+              <a:t>“</a:t>
             </a:r>
             <a:r>
               <a:rPr lang="en-US" sz="3000">
@@ -22632,34 +22178,7 @@
                 <a:cs typeface="Teko"/>
                 <a:sym typeface="Teko"/>
               </a:rPr>
-              <a:t>inaccurate</a:t>
-            </a:r>
-            <a:r>
-              <a:rPr lang="en-US" sz="3000">
-                <a:latin typeface="Teko"/>
-                <a:ea typeface="Teko"/>
-                <a:cs typeface="Teko"/>
-                <a:sym typeface="Teko"/>
-              </a:rPr>
-              <a:t>/</a:t>
-            </a:r>
-            <a:r>
-              <a:rPr lang="en-US" sz="3000">
-                <a:latin typeface="Teko"/>
-                <a:ea typeface="Teko"/>
-                <a:cs typeface="Teko"/>
-                <a:sym typeface="Teko"/>
-              </a:rPr>
-              <a:t>outdated</a:t>
-            </a:r>
-            <a:r>
-              <a:rPr lang="en-US" sz="3000">
-                <a:latin typeface="Teko"/>
-                <a:ea typeface="Teko"/>
-                <a:cs typeface="Teko"/>
-                <a:sym typeface="Teko"/>
-              </a:rPr>
-              <a:t> info shown for courses listed on the app”</a:t>
+              <a:t>As a user I want to see who is looking for a partner in a certain course &amp; mark that I am looking for one &amp; actively initiate a partner request.”</a:t>
             </a:r>
             <a:endParaRPr sz="3000">
               <a:latin typeface="Teko"/>
@@ -22668,11 +22187,31 @@
               <a:sym typeface="Teko"/>
             </a:endParaRPr>
           </a:p>
+          <a:p>
+            <a:pPr indent="0" lvl="0" marL="0" rtl="0" algn="l">
+              <a:spcBef>
+                <a:spcPts val="0"/>
+              </a:spcBef>
+              <a:spcAft>
+                <a:spcPts val="0"/>
+              </a:spcAft>
+              <a:buNone/>
+            </a:pPr>
+            <a:r>
+              <a:t/>
+            </a:r>
+            <a:endParaRPr sz="3000">
+              <a:latin typeface="Teko"/>
+              <a:ea typeface="Teko"/>
+              <a:cs typeface="Teko"/>
+              <a:sym typeface="Teko"/>
+            </a:endParaRPr>
+          </a:p>
         </p:txBody>
       </p:sp>
       <p:sp>
         <p:nvSpPr>
-          <p:cNvPr id="308" name="Google Shape;308;p39"/>
+          <p:cNvPr id="306" name="Google Shape;306;p39"/>
           <p:cNvSpPr txBox="1"/>
           <p:nvPr/>
         </p:nvSpPr>
@@ -22706,7 +22245,15 @@
             </a:pPr>
             <a:r>
               <a:rPr lang="en-US" sz="1800"/>
-              <a:t>Time Estimation: 3 hours for front-end, 2 hour for back-end. </a:t>
+              <a:t>Time Estimation:</a:t>
+            </a:r>
+            <a:r>
+              <a:rPr lang="en-US" sz="1800"/>
+              <a:t> 9 hours</a:t>
+            </a:r>
+            <a:r>
+              <a:rPr lang="en-US" sz="1800"/>
+              <a:t>.</a:t>
             </a:r>
             <a:endParaRPr sz="1800"/>
           </a:p>
@@ -22737,7 +22284,7 @@
             </a:pPr>
             <a:r>
               <a:rPr lang="en-US" sz="1800"/>
-              <a:t>Owner: Roy Hirsch</a:t>
+              <a:t>Owner: Denis Nastic.</a:t>
             </a:r>
             <a:endParaRPr sz="1800"/>
           </a:p>
@@ -22768,7 +22315,7 @@
             </a:pPr>
             <a:r>
               <a:rPr lang="en-US" sz="1800"/>
-              <a:t>Frameworks: Firebase &amp; Android Studio</a:t>
+              <a:t>Frameworks: Firebase, Android Studio, Animation/GUI library</a:t>
             </a:r>
             <a:endParaRPr sz="1800"/>
           </a:p>
@@ -22818,7 +22365,7 @@
   <p:cSld>
     <p:spTree>
       <p:nvGrpSpPr>
-        <p:cNvPr id="312" name="Shape 312"/>
+        <p:cNvPr id="310" name="Shape 310"/>
         <p:cNvGrpSpPr/>
         <p:nvPr/>
       </p:nvGrpSpPr>
@@ -22832,7 +22379,1383 @@
       </p:grpSpPr>
       <p:sp>
         <p:nvSpPr>
-          <p:cNvPr id="313" name="Google Shape;313;p40"/>
+          <p:cNvPr id="311" name="Google Shape;311;p40"/>
+          <p:cNvSpPr txBox="1"/>
+          <p:nvPr/>
+        </p:nvSpPr>
+        <p:spPr>
+          <a:xfrm>
+            <a:off x="1724850" y="725550"/>
+            <a:ext cx="8742300" cy="1505700"/>
+          </a:xfrm>
+          <a:prstGeom prst="rect">
+            <a:avLst/>
+          </a:prstGeom>
+          <a:noFill/>
+          <a:ln>
+            <a:noFill/>
+          </a:ln>
+        </p:spPr>
+        <p:txBody>
+          <a:bodyPr anchorCtr="0" anchor="t" bIns="91425" lIns="91425" spcFirstLastPara="1" rIns="91425" wrap="square" tIns="91425">
+            <a:noAutofit/>
+          </a:bodyPr>
+          <a:lstStyle/>
+          <a:p>
+            <a:pPr indent="0" lvl="0" marL="0" rtl="0" algn="l">
+              <a:spcBef>
+                <a:spcPts val="0"/>
+              </a:spcBef>
+              <a:spcAft>
+                <a:spcPts val="0"/>
+              </a:spcAft>
+              <a:buClr>
+                <a:schemeClr val="dk1"/>
+              </a:buClr>
+              <a:buSzPts val="1100"/>
+              <a:buFont typeface="Arial"/>
+              <a:buNone/>
+            </a:pPr>
+            <a:r>
+              <a:rPr lang="en-US" sz="3000">
+                <a:solidFill>
+                  <a:schemeClr val="dk1"/>
+                </a:solidFill>
+                <a:latin typeface="Teko"/>
+                <a:ea typeface="Teko"/>
+                <a:cs typeface="Teko"/>
+                <a:sym typeface="Teko"/>
+              </a:rPr>
+              <a:t>“As a user I want to get extra course info and be able to filter it by different categories, so that I will have all the information needed to decide.”</a:t>
+            </a:r>
+            <a:endParaRPr sz="3000">
+              <a:solidFill>
+                <a:schemeClr val="dk1"/>
+              </a:solidFill>
+              <a:latin typeface="Teko"/>
+              <a:ea typeface="Teko"/>
+              <a:cs typeface="Teko"/>
+              <a:sym typeface="Teko"/>
+            </a:endParaRPr>
+          </a:p>
+          <a:p>
+            <a:pPr indent="0" lvl="0" marL="0" rtl="0" algn="r">
+              <a:spcBef>
+                <a:spcPts val="0"/>
+              </a:spcBef>
+              <a:spcAft>
+                <a:spcPts val="0"/>
+              </a:spcAft>
+              <a:buNone/>
+            </a:pPr>
+            <a:r>
+              <a:t/>
+            </a:r>
+            <a:endParaRPr sz="3000">
+              <a:solidFill>
+                <a:schemeClr val="dk1"/>
+              </a:solidFill>
+              <a:latin typeface="Teko"/>
+              <a:ea typeface="Teko"/>
+              <a:cs typeface="Teko"/>
+              <a:sym typeface="Teko"/>
+            </a:endParaRPr>
+          </a:p>
+        </p:txBody>
+      </p:sp>
+      <p:sp>
+        <p:nvSpPr>
+          <p:cNvPr id="312" name="Google Shape;312;p40"/>
+          <p:cNvSpPr txBox="1"/>
+          <p:nvPr/>
+        </p:nvSpPr>
+        <p:spPr>
+          <a:xfrm>
+            <a:off x="3057150" y="2365350"/>
+            <a:ext cx="6077700" cy="2127300"/>
+          </a:xfrm>
+          <a:prstGeom prst="rect">
+            <a:avLst/>
+          </a:prstGeom>
+          <a:noFill/>
+          <a:ln>
+            <a:noFill/>
+          </a:ln>
+        </p:spPr>
+        <p:txBody>
+          <a:bodyPr anchorCtr="0" anchor="t" bIns="91425" lIns="91425" spcFirstLastPara="1" rIns="91425" wrap="square" tIns="91425">
+            <a:noAutofit/>
+          </a:bodyPr>
+          <a:lstStyle/>
+          <a:p>
+            <a:pPr indent="0" lvl="0" marL="0" rtl="0" algn="l">
+              <a:spcBef>
+                <a:spcPts val="0"/>
+              </a:spcBef>
+              <a:spcAft>
+                <a:spcPts val="0"/>
+              </a:spcAft>
+              <a:buClr>
+                <a:schemeClr val="dk1"/>
+              </a:buClr>
+              <a:buSzPts val="1100"/>
+              <a:buFont typeface="Arial"/>
+              <a:buNone/>
+            </a:pPr>
+            <a:r>
+              <a:rPr lang="en-US" sz="1800">
+                <a:solidFill>
+                  <a:schemeClr val="dk1"/>
+                </a:solidFill>
+              </a:rPr>
+              <a:t>Time Estimation: 4 hours</a:t>
+            </a:r>
+            <a:endParaRPr sz="1800">
+              <a:solidFill>
+                <a:schemeClr val="dk1"/>
+              </a:solidFill>
+            </a:endParaRPr>
+          </a:p>
+          <a:p>
+            <a:pPr indent="0" lvl="0" marL="0" rtl="0" algn="l">
+              <a:spcBef>
+                <a:spcPts val="0"/>
+              </a:spcBef>
+              <a:spcAft>
+                <a:spcPts val="0"/>
+              </a:spcAft>
+              <a:buClr>
+                <a:schemeClr val="dk1"/>
+              </a:buClr>
+              <a:buSzPts val="1100"/>
+              <a:buFont typeface="Arial"/>
+              <a:buNone/>
+            </a:pPr>
+            <a:r>
+              <a:t/>
+            </a:r>
+            <a:endParaRPr sz="1800">
+              <a:solidFill>
+                <a:schemeClr val="dk1"/>
+              </a:solidFill>
+            </a:endParaRPr>
+          </a:p>
+          <a:p>
+            <a:pPr indent="0" lvl="0" marL="0" rtl="0" algn="l">
+              <a:spcBef>
+                <a:spcPts val="0"/>
+              </a:spcBef>
+              <a:spcAft>
+                <a:spcPts val="0"/>
+              </a:spcAft>
+              <a:buClr>
+                <a:schemeClr val="dk1"/>
+              </a:buClr>
+              <a:buSzPts val="1100"/>
+              <a:buFont typeface="Arial"/>
+              <a:buNone/>
+            </a:pPr>
+            <a:r>
+              <a:rPr lang="en-US" sz="1800">
+                <a:solidFill>
+                  <a:schemeClr val="dk1"/>
+                </a:solidFill>
+              </a:rPr>
+              <a:t>Owner: Amit</a:t>
+            </a:r>
+            <a:endParaRPr sz="1800">
+              <a:solidFill>
+                <a:schemeClr val="dk1"/>
+              </a:solidFill>
+            </a:endParaRPr>
+          </a:p>
+          <a:p>
+            <a:pPr indent="0" lvl="0" marL="0" rtl="0" algn="l">
+              <a:spcBef>
+                <a:spcPts val="0"/>
+              </a:spcBef>
+              <a:spcAft>
+                <a:spcPts val="0"/>
+              </a:spcAft>
+              <a:buClr>
+                <a:schemeClr val="dk1"/>
+              </a:buClr>
+              <a:buSzPts val="1100"/>
+              <a:buFont typeface="Arial"/>
+              <a:buNone/>
+            </a:pPr>
+            <a:r>
+              <a:t/>
+            </a:r>
+            <a:endParaRPr sz="1800">
+              <a:solidFill>
+                <a:schemeClr val="dk1"/>
+              </a:solidFill>
+            </a:endParaRPr>
+          </a:p>
+          <a:p>
+            <a:pPr indent="0" lvl="0" marL="0" rtl="0" algn="l">
+              <a:spcBef>
+                <a:spcPts val="0"/>
+              </a:spcBef>
+              <a:spcAft>
+                <a:spcPts val="0"/>
+              </a:spcAft>
+              <a:buClr>
+                <a:schemeClr val="dk1"/>
+              </a:buClr>
+              <a:buSzPts val="1100"/>
+              <a:buFont typeface="Arial"/>
+              <a:buNone/>
+            </a:pPr>
+            <a:r>
+              <a:rPr lang="en-US" sz="1800">
+                <a:solidFill>
+                  <a:schemeClr val="dk1"/>
+                </a:solidFill>
+              </a:rPr>
+              <a:t>Frameworks: Firebase, Android Studio</a:t>
+            </a:r>
+            <a:endParaRPr sz="1800">
+              <a:solidFill>
+                <a:schemeClr val="dk1"/>
+              </a:solidFill>
+            </a:endParaRPr>
+          </a:p>
+          <a:p>
+            <a:pPr indent="0" lvl="0" marL="0" rtl="0" algn="l">
+              <a:spcBef>
+                <a:spcPts val="0"/>
+              </a:spcBef>
+              <a:spcAft>
+                <a:spcPts val="0"/>
+              </a:spcAft>
+              <a:buClr>
+                <a:schemeClr val="dk1"/>
+              </a:buClr>
+              <a:buSzPts val="1100"/>
+              <a:buFont typeface="Arial"/>
+              <a:buNone/>
+            </a:pPr>
+            <a:r>
+              <a:t/>
+            </a:r>
+            <a:endParaRPr sz="1800">
+              <a:solidFill>
+                <a:schemeClr val="dk1"/>
+              </a:solidFill>
+            </a:endParaRPr>
+          </a:p>
+          <a:p>
+            <a:pPr indent="0" lvl="0" marL="0" rtl="0" algn="l">
+              <a:spcBef>
+                <a:spcPts val="0"/>
+              </a:spcBef>
+              <a:spcAft>
+                <a:spcPts val="0"/>
+              </a:spcAft>
+              <a:buClr>
+                <a:schemeClr val="dk1"/>
+              </a:buClr>
+              <a:buSzPts val="1100"/>
+              <a:buFont typeface="Arial"/>
+              <a:buNone/>
+            </a:pPr>
+            <a:r>
+              <a:rPr lang="en-US" sz="1800">
+                <a:solidFill>
+                  <a:schemeClr val="dk1"/>
+                </a:solidFill>
+              </a:rPr>
+              <a:t>Risks: Data entry might require serious manual work, depends on external sources</a:t>
+            </a:r>
+            <a:endParaRPr sz="1800">
+              <a:solidFill>
+                <a:schemeClr val="dk1"/>
+              </a:solidFill>
+            </a:endParaRPr>
+          </a:p>
+          <a:p>
+            <a:pPr indent="0" lvl="0" marL="0" rtl="0" algn="l">
+              <a:spcBef>
+                <a:spcPts val="0"/>
+              </a:spcBef>
+              <a:spcAft>
+                <a:spcPts val="0"/>
+              </a:spcAft>
+              <a:buNone/>
+            </a:pPr>
+            <a:r>
+              <a:t/>
+            </a:r>
+            <a:endParaRPr sz="1800">
+              <a:solidFill>
+                <a:schemeClr val="dk1"/>
+              </a:solidFill>
+            </a:endParaRPr>
+          </a:p>
+        </p:txBody>
+      </p:sp>
+    </p:spTree>
+  </p:cSld>
+  <p:clrMapOvr>
+    <a:masterClrMapping/>
+  </p:clrMapOvr>
+</p:sld>
+</file>
+
+<file path=ppt/slides/slide23.xml><?xml version="1.0" encoding="utf-8"?>
+<p:sld xmlns:a="http://schemas.openxmlformats.org/drawingml/2006/main" xmlns:r="http://schemas.openxmlformats.org/officeDocument/2006/relationships" xmlns:mc="http://schemas.openxmlformats.org/markup-compatibility/2006" xmlns:mv="urn:schemas-microsoft-com:mac:vml" xmlns:p="http://schemas.openxmlformats.org/presentationml/2006/main" xmlns:c="http://schemas.openxmlformats.org/drawingml/2006/chart" xmlns:dgm="http://schemas.openxmlformats.org/drawingml/2006/diagram" xmlns:o="urn:schemas-microsoft-com:office:office" xmlns:v="urn:schemas-microsoft-com:vml" xmlns:pvml="urn:schemas-microsoft-com:office:powerpoint" xmlns:com="http://schemas.openxmlformats.org/drawingml/2006/compatibility" xmlns:p14="http://schemas.microsoft.com/office/powerpoint/2010/main" xmlns:p15="http://schemas.microsoft.com/office/powerpoint/2012/main">
+  <p:cSld>
+    <p:spTree>
+      <p:nvGrpSpPr>
+        <p:cNvPr id="316" name="Shape 316"/>
+        <p:cNvGrpSpPr/>
+        <p:nvPr/>
+      </p:nvGrpSpPr>
+      <p:grpSpPr>
+        <a:xfrm>
+          <a:off x="0" y="0"/>
+          <a:ext cx="0" cy="0"/>
+          <a:chOff x="0" y="0"/>
+          <a:chExt cx="0" cy="0"/>
+        </a:xfrm>
+      </p:grpSpPr>
+      <p:sp>
+        <p:nvSpPr>
+          <p:cNvPr id="317" name="Google Shape;317;p41"/>
+          <p:cNvSpPr txBox="1"/>
+          <p:nvPr/>
+        </p:nvSpPr>
+        <p:spPr>
+          <a:xfrm>
+            <a:off x="1724850" y="725550"/>
+            <a:ext cx="8742300" cy="1505700"/>
+          </a:xfrm>
+          <a:prstGeom prst="rect">
+            <a:avLst/>
+          </a:prstGeom>
+          <a:noFill/>
+          <a:ln>
+            <a:noFill/>
+          </a:ln>
+        </p:spPr>
+        <p:txBody>
+          <a:bodyPr anchorCtr="0" anchor="t" bIns="91425" lIns="91425" spcFirstLastPara="1" rIns="91425" wrap="square" tIns="91425">
+            <a:noAutofit/>
+          </a:bodyPr>
+          <a:lstStyle/>
+          <a:p>
+            <a:pPr indent="0" lvl="0" marL="0" rtl="0" algn="l">
+              <a:spcBef>
+                <a:spcPts val="0"/>
+              </a:spcBef>
+              <a:spcAft>
+                <a:spcPts val="0"/>
+              </a:spcAft>
+              <a:buClr>
+                <a:schemeClr val="dk1"/>
+              </a:buClr>
+              <a:buSzPts val="1100"/>
+              <a:buFont typeface="Arial"/>
+              <a:buNone/>
+            </a:pPr>
+            <a:r>
+              <a:rPr lang="en-US" sz="3000">
+                <a:solidFill>
+                  <a:schemeClr val="dk1"/>
+                </a:solidFill>
+                <a:latin typeface="Teko"/>
+                <a:ea typeface="Teko"/>
+                <a:cs typeface="Teko"/>
+                <a:sym typeface="Teko"/>
+              </a:rPr>
+              <a:t>“As a guest I would like to see course ratings without having to log in.”</a:t>
+            </a:r>
+            <a:endParaRPr sz="3000">
+              <a:solidFill>
+                <a:schemeClr val="dk1"/>
+              </a:solidFill>
+              <a:latin typeface="Teko"/>
+              <a:ea typeface="Teko"/>
+              <a:cs typeface="Teko"/>
+              <a:sym typeface="Teko"/>
+            </a:endParaRPr>
+          </a:p>
+          <a:p>
+            <a:pPr indent="0" lvl="0" marL="0" rtl="0" algn="r">
+              <a:spcBef>
+                <a:spcPts val="0"/>
+              </a:spcBef>
+              <a:spcAft>
+                <a:spcPts val="0"/>
+              </a:spcAft>
+              <a:buNone/>
+            </a:pPr>
+            <a:r>
+              <a:t/>
+            </a:r>
+            <a:endParaRPr sz="3000">
+              <a:solidFill>
+                <a:schemeClr val="dk1"/>
+              </a:solidFill>
+              <a:latin typeface="Teko"/>
+              <a:ea typeface="Teko"/>
+              <a:cs typeface="Teko"/>
+              <a:sym typeface="Teko"/>
+            </a:endParaRPr>
+          </a:p>
+        </p:txBody>
+      </p:sp>
+      <p:sp>
+        <p:nvSpPr>
+          <p:cNvPr id="318" name="Google Shape;318;p41"/>
+          <p:cNvSpPr txBox="1"/>
+          <p:nvPr/>
+        </p:nvSpPr>
+        <p:spPr>
+          <a:xfrm>
+            <a:off x="3057150" y="2365350"/>
+            <a:ext cx="6077700" cy="2127300"/>
+          </a:xfrm>
+          <a:prstGeom prst="rect">
+            <a:avLst/>
+          </a:prstGeom>
+          <a:noFill/>
+          <a:ln>
+            <a:noFill/>
+          </a:ln>
+        </p:spPr>
+        <p:txBody>
+          <a:bodyPr anchorCtr="0" anchor="t" bIns="91425" lIns="91425" spcFirstLastPara="1" rIns="91425" wrap="square" tIns="91425">
+            <a:noAutofit/>
+          </a:bodyPr>
+          <a:lstStyle/>
+          <a:p>
+            <a:pPr indent="0" lvl="0" marL="0" rtl="0" algn="l">
+              <a:spcBef>
+                <a:spcPts val="0"/>
+              </a:spcBef>
+              <a:spcAft>
+                <a:spcPts val="0"/>
+              </a:spcAft>
+              <a:buClr>
+                <a:schemeClr val="dk1"/>
+              </a:buClr>
+              <a:buSzPts val="1100"/>
+              <a:buFont typeface="Arial"/>
+              <a:buNone/>
+            </a:pPr>
+            <a:r>
+              <a:rPr lang="en-US" sz="1800">
+                <a:solidFill>
+                  <a:schemeClr val="dk1"/>
+                </a:solidFill>
+              </a:rPr>
+              <a:t>Time Estimation: 3 hours</a:t>
+            </a:r>
+            <a:endParaRPr sz="1800">
+              <a:solidFill>
+                <a:schemeClr val="dk1"/>
+              </a:solidFill>
+            </a:endParaRPr>
+          </a:p>
+          <a:p>
+            <a:pPr indent="0" lvl="0" marL="0" rtl="0" algn="l">
+              <a:spcBef>
+                <a:spcPts val="0"/>
+              </a:spcBef>
+              <a:spcAft>
+                <a:spcPts val="0"/>
+              </a:spcAft>
+              <a:buClr>
+                <a:schemeClr val="dk1"/>
+              </a:buClr>
+              <a:buSzPts val="1100"/>
+              <a:buFont typeface="Arial"/>
+              <a:buNone/>
+            </a:pPr>
+            <a:r>
+              <a:t/>
+            </a:r>
+            <a:endParaRPr sz="1800">
+              <a:solidFill>
+                <a:schemeClr val="dk1"/>
+              </a:solidFill>
+            </a:endParaRPr>
+          </a:p>
+          <a:p>
+            <a:pPr indent="0" lvl="0" marL="0" rtl="0" algn="l">
+              <a:spcBef>
+                <a:spcPts val="0"/>
+              </a:spcBef>
+              <a:spcAft>
+                <a:spcPts val="0"/>
+              </a:spcAft>
+              <a:buClr>
+                <a:schemeClr val="dk1"/>
+              </a:buClr>
+              <a:buSzPts val="1100"/>
+              <a:buFont typeface="Arial"/>
+              <a:buNone/>
+            </a:pPr>
+            <a:r>
+              <a:rPr lang="en-US" sz="1800">
+                <a:solidFill>
+                  <a:schemeClr val="dk1"/>
+                </a:solidFill>
+              </a:rPr>
+              <a:t>Owner: Amit Sdeor</a:t>
+            </a:r>
+            <a:endParaRPr sz="1800">
+              <a:solidFill>
+                <a:schemeClr val="dk1"/>
+              </a:solidFill>
+            </a:endParaRPr>
+          </a:p>
+          <a:p>
+            <a:pPr indent="0" lvl="0" marL="0" rtl="0" algn="l">
+              <a:spcBef>
+                <a:spcPts val="0"/>
+              </a:spcBef>
+              <a:spcAft>
+                <a:spcPts val="0"/>
+              </a:spcAft>
+              <a:buClr>
+                <a:schemeClr val="dk1"/>
+              </a:buClr>
+              <a:buSzPts val="1100"/>
+              <a:buFont typeface="Arial"/>
+              <a:buNone/>
+            </a:pPr>
+            <a:r>
+              <a:t/>
+            </a:r>
+            <a:endParaRPr sz="1800">
+              <a:solidFill>
+                <a:schemeClr val="dk1"/>
+              </a:solidFill>
+            </a:endParaRPr>
+          </a:p>
+          <a:p>
+            <a:pPr indent="0" lvl="0" marL="0" rtl="0" algn="l">
+              <a:spcBef>
+                <a:spcPts val="0"/>
+              </a:spcBef>
+              <a:spcAft>
+                <a:spcPts val="0"/>
+              </a:spcAft>
+              <a:buClr>
+                <a:schemeClr val="dk1"/>
+              </a:buClr>
+              <a:buSzPts val="1100"/>
+              <a:buFont typeface="Arial"/>
+              <a:buNone/>
+            </a:pPr>
+            <a:r>
+              <a:rPr lang="en-US" sz="1800">
+                <a:solidFill>
+                  <a:schemeClr val="dk1"/>
+                </a:solidFill>
+              </a:rPr>
+              <a:t>Frameworks: Firebase, Android Studio</a:t>
+            </a:r>
+            <a:endParaRPr sz="1800">
+              <a:solidFill>
+                <a:schemeClr val="dk1"/>
+              </a:solidFill>
+            </a:endParaRPr>
+          </a:p>
+          <a:p>
+            <a:pPr indent="0" lvl="0" marL="0" rtl="0" algn="l">
+              <a:spcBef>
+                <a:spcPts val="0"/>
+              </a:spcBef>
+              <a:spcAft>
+                <a:spcPts val="0"/>
+              </a:spcAft>
+              <a:buClr>
+                <a:schemeClr val="dk1"/>
+              </a:buClr>
+              <a:buSzPts val="1100"/>
+              <a:buFont typeface="Arial"/>
+              <a:buNone/>
+            </a:pPr>
+            <a:r>
+              <a:t/>
+            </a:r>
+            <a:endParaRPr sz="1800">
+              <a:solidFill>
+                <a:schemeClr val="dk1"/>
+              </a:solidFill>
+            </a:endParaRPr>
+          </a:p>
+          <a:p>
+            <a:pPr indent="0" lvl="0" marL="0" rtl="0" algn="l">
+              <a:spcBef>
+                <a:spcPts val="0"/>
+              </a:spcBef>
+              <a:spcAft>
+                <a:spcPts val="0"/>
+              </a:spcAft>
+              <a:buClr>
+                <a:schemeClr val="dk1"/>
+              </a:buClr>
+              <a:buSzPts val="1100"/>
+              <a:buFont typeface="Arial"/>
+              <a:buNone/>
+            </a:pPr>
+            <a:r>
+              <a:rPr lang="en-US" sz="1800">
+                <a:solidFill>
+                  <a:schemeClr val="dk1"/>
+                </a:solidFill>
+              </a:rPr>
+              <a:t>Risks: None.</a:t>
+            </a:r>
+            <a:endParaRPr sz="1800">
+              <a:solidFill>
+                <a:schemeClr val="dk1"/>
+              </a:solidFill>
+            </a:endParaRPr>
+          </a:p>
+          <a:p>
+            <a:pPr indent="0" lvl="0" marL="0" rtl="0" algn="l">
+              <a:spcBef>
+                <a:spcPts val="0"/>
+              </a:spcBef>
+              <a:spcAft>
+                <a:spcPts val="0"/>
+              </a:spcAft>
+              <a:buNone/>
+            </a:pPr>
+            <a:r>
+              <a:t/>
+            </a:r>
+            <a:endParaRPr sz="1800">
+              <a:solidFill>
+                <a:schemeClr val="dk1"/>
+              </a:solidFill>
+            </a:endParaRPr>
+          </a:p>
+        </p:txBody>
+      </p:sp>
+    </p:spTree>
+  </p:cSld>
+  <p:clrMapOvr>
+    <a:masterClrMapping/>
+  </p:clrMapOvr>
+</p:sld>
+</file>
+
+<file path=ppt/slides/slide24.xml><?xml version="1.0" encoding="utf-8"?>
+<p:sld xmlns:a="http://schemas.openxmlformats.org/drawingml/2006/main" xmlns:r="http://schemas.openxmlformats.org/officeDocument/2006/relationships" xmlns:mc="http://schemas.openxmlformats.org/markup-compatibility/2006" xmlns:mv="urn:schemas-microsoft-com:mac:vml" xmlns:p="http://schemas.openxmlformats.org/presentationml/2006/main" xmlns:c="http://schemas.openxmlformats.org/drawingml/2006/chart" xmlns:dgm="http://schemas.openxmlformats.org/drawingml/2006/diagram" xmlns:o="urn:schemas-microsoft-com:office:office" xmlns:v="urn:schemas-microsoft-com:vml" xmlns:pvml="urn:schemas-microsoft-com:office:powerpoint" xmlns:com="http://schemas.openxmlformats.org/drawingml/2006/compatibility" xmlns:p14="http://schemas.microsoft.com/office/powerpoint/2010/main" xmlns:p15="http://schemas.microsoft.com/office/powerpoint/2012/main">
+  <p:cSld>
+    <p:spTree>
+      <p:nvGrpSpPr>
+        <p:cNvPr id="322" name="Shape 322"/>
+        <p:cNvGrpSpPr/>
+        <p:nvPr/>
+      </p:nvGrpSpPr>
+      <p:grpSpPr>
+        <a:xfrm>
+          <a:off x="0" y="0"/>
+          <a:ext cx="0" cy="0"/>
+          <a:chOff x="0" y="0"/>
+          <a:chExt cx="0" cy="0"/>
+        </a:xfrm>
+      </p:grpSpPr>
+      <p:sp>
+        <p:nvSpPr>
+          <p:cNvPr id="323" name="Google Shape;323;p42"/>
+          <p:cNvSpPr txBox="1"/>
+          <p:nvPr/>
+        </p:nvSpPr>
+        <p:spPr>
+          <a:xfrm>
+            <a:off x="1724850" y="725550"/>
+            <a:ext cx="8742300" cy="1505700"/>
+          </a:xfrm>
+          <a:prstGeom prst="rect">
+            <a:avLst/>
+          </a:prstGeom>
+          <a:noFill/>
+          <a:ln>
+            <a:noFill/>
+          </a:ln>
+        </p:spPr>
+        <p:txBody>
+          <a:bodyPr anchorCtr="0" anchor="t" bIns="91425" lIns="91425" spcFirstLastPara="1" rIns="91425" wrap="square" tIns="91425">
+            <a:noAutofit/>
+          </a:bodyPr>
+          <a:lstStyle/>
+          <a:p>
+            <a:pPr indent="0" lvl="0" marL="0" rtl="0" algn="l">
+              <a:spcBef>
+                <a:spcPts val="0"/>
+              </a:spcBef>
+              <a:spcAft>
+                <a:spcPts val="0"/>
+              </a:spcAft>
+              <a:buClr>
+                <a:schemeClr val="dk1"/>
+              </a:buClr>
+              <a:buSzPts val="1100"/>
+              <a:buFont typeface="Arial"/>
+              <a:buNone/>
+            </a:pPr>
+            <a:r>
+              <a:rPr lang="en-US" sz="3000">
+                <a:solidFill>
+                  <a:schemeClr val="dk1"/>
+                </a:solidFill>
+                <a:latin typeface="Teko"/>
+                <a:ea typeface="Teko"/>
+                <a:cs typeface="Teko"/>
+                <a:sym typeface="Teko"/>
+              </a:rPr>
+              <a:t>“As a guest I would like to see if a course I'm considering is being talked about a lot, so I might sign up to get more informed about it.”</a:t>
+            </a:r>
+            <a:endParaRPr sz="3000">
+              <a:solidFill>
+                <a:schemeClr val="dk1"/>
+              </a:solidFill>
+              <a:latin typeface="Teko"/>
+              <a:ea typeface="Teko"/>
+              <a:cs typeface="Teko"/>
+              <a:sym typeface="Teko"/>
+            </a:endParaRPr>
+          </a:p>
+          <a:p>
+            <a:pPr indent="0" lvl="0" marL="0" rtl="0" algn="r">
+              <a:spcBef>
+                <a:spcPts val="0"/>
+              </a:spcBef>
+              <a:spcAft>
+                <a:spcPts val="0"/>
+              </a:spcAft>
+              <a:buNone/>
+            </a:pPr>
+            <a:r>
+              <a:t/>
+            </a:r>
+            <a:endParaRPr sz="3000">
+              <a:solidFill>
+                <a:schemeClr val="dk1"/>
+              </a:solidFill>
+              <a:latin typeface="Teko"/>
+              <a:ea typeface="Teko"/>
+              <a:cs typeface="Teko"/>
+              <a:sym typeface="Teko"/>
+            </a:endParaRPr>
+          </a:p>
+        </p:txBody>
+      </p:sp>
+      <p:sp>
+        <p:nvSpPr>
+          <p:cNvPr id="324" name="Google Shape;324;p42"/>
+          <p:cNvSpPr txBox="1"/>
+          <p:nvPr/>
+        </p:nvSpPr>
+        <p:spPr>
+          <a:xfrm>
+            <a:off x="3057150" y="2365350"/>
+            <a:ext cx="6077700" cy="2127300"/>
+          </a:xfrm>
+          <a:prstGeom prst="rect">
+            <a:avLst/>
+          </a:prstGeom>
+          <a:noFill/>
+          <a:ln>
+            <a:noFill/>
+          </a:ln>
+        </p:spPr>
+        <p:txBody>
+          <a:bodyPr anchorCtr="0" anchor="t" bIns="91425" lIns="91425" spcFirstLastPara="1" rIns="91425" wrap="square" tIns="91425">
+            <a:noAutofit/>
+          </a:bodyPr>
+          <a:lstStyle/>
+          <a:p>
+            <a:pPr indent="0" lvl="0" marL="0" rtl="0" algn="l">
+              <a:spcBef>
+                <a:spcPts val="0"/>
+              </a:spcBef>
+              <a:spcAft>
+                <a:spcPts val="0"/>
+              </a:spcAft>
+              <a:buClr>
+                <a:schemeClr val="dk1"/>
+              </a:buClr>
+              <a:buSzPts val="1100"/>
+              <a:buFont typeface="Arial"/>
+              <a:buNone/>
+            </a:pPr>
+            <a:r>
+              <a:rPr lang="en-US" sz="1800">
+                <a:solidFill>
+                  <a:schemeClr val="dk1"/>
+                </a:solidFill>
+              </a:rPr>
+              <a:t>Time Estimation: 3 hours</a:t>
+            </a:r>
+            <a:endParaRPr sz="1800">
+              <a:solidFill>
+                <a:schemeClr val="dk1"/>
+              </a:solidFill>
+            </a:endParaRPr>
+          </a:p>
+          <a:p>
+            <a:pPr indent="0" lvl="0" marL="0" rtl="0" algn="l">
+              <a:spcBef>
+                <a:spcPts val="0"/>
+              </a:spcBef>
+              <a:spcAft>
+                <a:spcPts val="0"/>
+              </a:spcAft>
+              <a:buClr>
+                <a:schemeClr val="dk1"/>
+              </a:buClr>
+              <a:buSzPts val="1100"/>
+              <a:buFont typeface="Arial"/>
+              <a:buNone/>
+            </a:pPr>
+            <a:r>
+              <a:t/>
+            </a:r>
+            <a:endParaRPr sz="1800">
+              <a:solidFill>
+                <a:schemeClr val="dk1"/>
+              </a:solidFill>
+            </a:endParaRPr>
+          </a:p>
+          <a:p>
+            <a:pPr indent="0" lvl="0" marL="0" rtl="0" algn="l">
+              <a:spcBef>
+                <a:spcPts val="0"/>
+              </a:spcBef>
+              <a:spcAft>
+                <a:spcPts val="0"/>
+              </a:spcAft>
+              <a:buClr>
+                <a:schemeClr val="dk1"/>
+              </a:buClr>
+              <a:buSzPts val="1100"/>
+              <a:buFont typeface="Arial"/>
+              <a:buNone/>
+            </a:pPr>
+            <a:r>
+              <a:rPr lang="en-US" sz="1800">
+                <a:solidFill>
+                  <a:schemeClr val="dk1"/>
+                </a:solidFill>
+              </a:rPr>
+              <a:t>Owner: Amit Sdeor</a:t>
+            </a:r>
+            <a:endParaRPr sz="1800">
+              <a:solidFill>
+                <a:schemeClr val="dk1"/>
+              </a:solidFill>
+            </a:endParaRPr>
+          </a:p>
+          <a:p>
+            <a:pPr indent="0" lvl="0" marL="0" rtl="0" algn="l">
+              <a:spcBef>
+                <a:spcPts val="0"/>
+              </a:spcBef>
+              <a:spcAft>
+                <a:spcPts val="0"/>
+              </a:spcAft>
+              <a:buClr>
+                <a:schemeClr val="dk1"/>
+              </a:buClr>
+              <a:buSzPts val="1100"/>
+              <a:buFont typeface="Arial"/>
+              <a:buNone/>
+            </a:pPr>
+            <a:r>
+              <a:t/>
+            </a:r>
+            <a:endParaRPr sz="1800">
+              <a:solidFill>
+                <a:schemeClr val="dk1"/>
+              </a:solidFill>
+            </a:endParaRPr>
+          </a:p>
+          <a:p>
+            <a:pPr indent="0" lvl="0" marL="0" rtl="0" algn="l">
+              <a:spcBef>
+                <a:spcPts val="0"/>
+              </a:spcBef>
+              <a:spcAft>
+                <a:spcPts val="0"/>
+              </a:spcAft>
+              <a:buClr>
+                <a:schemeClr val="dk1"/>
+              </a:buClr>
+              <a:buSzPts val="1100"/>
+              <a:buFont typeface="Arial"/>
+              <a:buNone/>
+            </a:pPr>
+            <a:r>
+              <a:rPr lang="en-US" sz="1800">
+                <a:solidFill>
+                  <a:schemeClr val="dk1"/>
+                </a:solidFill>
+              </a:rPr>
+              <a:t>Frameworks: Firebase, Android Studio</a:t>
+            </a:r>
+            <a:endParaRPr sz="1800">
+              <a:solidFill>
+                <a:schemeClr val="dk1"/>
+              </a:solidFill>
+            </a:endParaRPr>
+          </a:p>
+          <a:p>
+            <a:pPr indent="0" lvl="0" marL="0" rtl="0" algn="l">
+              <a:spcBef>
+                <a:spcPts val="0"/>
+              </a:spcBef>
+              <a:spcAft>
+                <a:spcPts val="0"/>
+              </a:spcAft>
+              <a:buClr>
+                <a:schemeClr val="dk1"/>
+              </a:buClr>
+              <a:buSzPts val="1100"/>
+              <a:buFont typeface="Arial"/>
+              <a:buNone/>
+            </a:pPr>
+            <a:r>
+              <a:t/>
+            </a:r>
+            <a:endParaRPr sz="1800">
+              <a:solidFill>
+                <a:schemeClr val="dk1"/>
+              </a:solidFill>
+            </a:endParaRPr>
+          </a:p>
+          <a:p>
+            <a:pPr indent="0" lvl="0" marL="0" rtl="0" algn="l">
+              <a:spcBef>
+                <a:spcPts val="0"/>
+              </a:spcBef>
+              <a:spcAft>
+                <a:spcPts val="0"/>
+              </a:spcAft>
+              <a:buClr>
+                <a:schemeClr val="dk1"/>
+              </a:buClr>
+              <a:buSzPts val="1100"/>
+              <a:buFont typeface="Arial"/>
+              <a:buNone/>
+            </a:pPr>
+            <a:r>
+              <a:rPr lang="en-US" sz="1800">
+                <a:solidFill>
+                  <a:schemeClr val="dk1"/>
+                </a:solidFill>
+              </a:rPr>
+              <a:t>Risks: None.</a:t>
+            </a:r>
+            <a:endParaRPr sz="1800">
+              <a:solidFill>
+                <a:schemeClr val="dk1"/>
+              </a:solidFill>
+            </a:endParaRPr>
+          </a:p>
+          <a:p>
+            <a:pPr indent="0" lvl="0" marL="0" rtl="0" algn="l">
+              <a:spcBef>
+                <a:spcPts val="0"/>
+              </a:spcBef>
+              <a:spcAft>
+                <a:spcPts val="0"/>
+              </a:spcAft>
+              <a:buNone/>
+            </a:pPr>
+            <a:r>
+              <a:t/>
+            </a:r>
+            <a:endParaRPr sz="1800">
+              <a:solidFill>
+                <a:schemeClr val="dk1"/>
+              </a:solidFill>
+            </a:endParaRPr>
+          </a:p>
+        </p:txBody>
+      </p:sp>
+    </p:spTree>
+  </p:cSld>
+  <p:clrMapOvr>
+    <a:masterClrMapping/>
+  </p:clrMapOvr>
+</p:sld>
+</file>
+
+<file path=ppt/slides/slide25.xml><?xml version="1.0" encoding="utf-8"?>
+<p:sld xmlns:a="http://schemas.openxmlformats.org/drawingml/2006/main" xmlns:r="http://schemas.openxmlformats.org/officeDocument/2006/relationships" xmlns:mc="http://schemas.openxmlformats.org/markup-compatibility/2006" xmlns:mv="urn:schemas-microsoft-com:mac:vml" xmlns:p="http://schemas.openxmlformats.org/presentationml/2006/main" xmlns:c="http://schemas.openxmlformats.org/drawingml/2006/chart" xmlns:dgm="http://schemas.openxmlformats.org/drawingml/2006/diagram" xmlns:o="urn:schemas-microsoft-com:office:office" xmlns:v="urn:schemas-microsoft-com:vml" xmlns:pvml="urn:schemas-microsoft-com:office:powerpoint" xmlns:com="http://schemas.openxmlformats.org/drawingml/2006/compatibility" xmlns:p14="http://schemas.microsoft.com/office/powerpoint/2010/main" xmlns:p15="http://schemas.microsoft.com/office/powerpoint/2012/main">
+  <p:cSld>
+    <p:spTree>
+      <p:nvGrpSpPr>
+        <p:cNvPr id="328" name="Shape 328"/>
+        <p:cNvGrpSpPr/>
+        <p:nvPr/>
+      </p:nvGrpSpPr>
+      <p:grpSpPr>
+        <a:xfrm>
+          <a:off x="0" y="0"/>
+          <a:ext cx="0" cy="0"/>
+          <a:chOff x="0" y="0"/>
+          <a:chExt cx="0" cy="0"/>
+        </a:xfrm>
+      </p:grpSpPr>
+      <p:sp>
+        <p:nvSpPr>
+          <p:cNvPr id="329" name="Google Shape;329;p43"/>
+          <p:cNvSpPr txBox="1"/>
+          <p:nvPr/>
+        </p:nvSpPr>
+        <p:spPr>
+          <a:xfrm>
+            <a:off x="1724850" y="725550"/>
+            <a:ext cx="8742300" cy="1505700"/>
+          </a:xfrm>
+          <a:prstGeom prst="rect">
+            <a:avLst/>
+          </a:prstGeom>
+          <a:noFill/>
+          <a:ln>
+            <a:noFill/>
+          </a:ln>
+        </p:spPr>
+        <p:txBody>
+          <a:bodyPr anchorCtr="0" anchor="t" bIns="91425" lIns="91425" spcFirstLastPara="1" rIns="91425" wrap="square" tIns="91425">
+            <a:noAutofit/>
+          </a:bodyPr>
+          <a:lstStyle/>
+          <a:p>
+            <a:pPr indent="0" lvl="0" marL="0" rtl="0" algn="l">
+              <a:spcBef>
+                <a:spcPts val="0"/>
+              </a:spcBef>
+              <a:spcAft>
+                <a:spcPts val="0"/>
+              </a:spcAft>
+              <a:buClr>
+                <a:schemeClr val="dk1"/>
+              </a:buClr>
+              <a:buSzPts val="1100"/>
+              <a:buFont typeface="Arial"/>
+              <a:buNone/>
+            </a:pPr>
+            <a:r>
+              <a:rPr lang="en-US" sz="3000">
+                <a:solidFill>
+                  <a:schemeClr val="dk1"/>
+                </a:solidFill>
+                <a:latin typeface="Teko"/>
+                <a:ea typeface="Teko"/>
+                <a:cs typeface="Teko"/>
+                <a:sym typeface="Teko"/>
+              </a:rPr>
+              <a:t>“As a user I want to contact easily a student who has published a review so that I could ask them any follow up questions.”</a:t>
+            </a:r>
+            <a:endParaRPr sz="3000">
+              <a:solidFill>
+                <a:schemeClr val="dk1"/>
+              </a:solidFill>
+              <a:latin typeface="Teko"/>
+              <a:ea typeface="Teko"/>
+              <a:cs typeface="Teko"/>
+              <a:sym typeface="Teko"/>
+            </a:endParaRPr>
+          </a:p>
+          <a:p>
+            <a:pPr indent="0" lvl="0" marL="0" rtl="0" algn="r">
+              <a:spcBef>
+                <a:spcPts val="0"/>
+              </a:spcBef>
+              <a:spcAft>
+                <a:spcPts val="0"/>
+              </a:spcAft>
+              <a:buNone/>
+            </a:pPr>
+            <a:r>
+              <a:t/>
+            </a:r>
+            <a:endParaRPr sz="3000">
+              <a:solidFill>
+                <a:schemeClr val="dk1"/>
+              </a:solidFill>
+              <a:latin typeface="Teko"/>
+              <a:ea typeface="Teko"/>
+              <a:cs typeface="Teko"/>
+              <a:sym typeface="Teko"/>
+            </a:endParaRPr>
+          </a:p>
+        </p:txBody>
+      </p:sp>
+      <p:sp>
+        <p:nvSpPr>
+          <p:cNvPr id="330" name="Google Shape;330;p43"/>
+          <p:cNvSpPr txBox="1"/>
+          <p:nvPr/>
+        </p:nvSpPr>
+        <p:spPr>
+          <a:xfrm>
+            <a:off x="3057150" y="2365350"/>
+            <a:ext cx="6077700" cy="2127300"/>
+          </a:xfrm>
+          <a:prstGeom prst="rect">
+            <a:avLst/>
+          </a:prstGeom>
+          <a:noFill/>
+          <a:ln>
+            <a:noFill/>
+          </a:ln>
+        </p:spPr>
+        <p:txBody>
+          <a:bodyPr anchorCtr="0" anchor="t" bIns="91425" lIns="91425" spcFirstLastPara="1" rIns="91425" wrap="square" tIns="91425">
+            <a:noAutofit/>
+          </a:bodyPr>
+          <a:lstStyle/>
+          <a:p>
+            <a:pPr indent="0" lvl="0" marL="0" rtl="0" algn="l">
+              <a:spcBef>
+                <a:spcPts val="0"/>
+              </a:spcBef>
+              <a:spcAft>
+                <a:spcPts val="0"/>
+              </a:spcAft>
+              <a:buClr>
+                <a:schemeClr val="dk1"/>
+              </a:buClr>
+              <a:buSzPts val="1100"/>
+              <a:buFont typeface="Arial"/>
+              <a:buNone/>
+            </a:pPr>
+            <a:r>
+              <a:rPr lang="en-US" sz="1800">
+                <a:solidFill>
+                  <a:schemeClr val="dk1"/>
+                </a:solidFill>
+              </a:rPr>
+              <a:t>Time Estimation: 1 hour</a:t>
+            </a:r>
+            <a:endParaRPr sz="1800">
+              <a:solidFill>
+                <a:schemeClr val="dk1"/>
+              </a:solidFill>
+            </a:endParaRPr>
+          </a:p>
+          <a:p>
+            <a:pPr indent="0" lvl="0" marL="0" rtl="0" algn="l">
+              <a:spcBef>
+                <a:spcPts val="0"/>
+              </a:spcBef>
+              <a:spcAft>
+                <a:spcPts val="0"/>
+              </a:spcAft>
+              <a:buClr>
+                <a:schemeClr val="dk1"/>
+              </a:buClr>
+              <a:buSzPts val="1100"/>
+              <a:buFont typeface="Arial"/>
+              <a:buNone/>
+            </a:pPr>
+            <a:r>
+              <a:t/>
+            </a:r>
+            <a:endParaRPr sz="1800">
+              <a:solidFill>
+                <a:schemeClr val="dk1"/>
+              </a:solidFill>
+            </a:endParaRPr>
+          </a:p>
+          <a:p>
+            <a:pPr indent="0" lvl="0" marL="0" rtl="0" algn="l">
+              <a:spcBef>
+                <a:spcPts val="0"/>
+              </a:spcBef>
+              <a:spcAft>
+                <a:spcPts val="0"/>
+              </a:spcAft>
+              <a:buClr>
+                <a:schemeClr val="dk1"/>
+              </a:buClr>
+              <a:buSzPts val="1100"/>
+              <a:buFont typeface="Arial"/>
+              <a:buNone/>
+            </a:pPr>
+            <a:r>
+              <a:rPr lang="en-US" sz="1800">
+                <a:solidFill>
+                  <a:schemeClr val="dk1"/>
+                </a:solidFill>
+              </a:rPr>
+              <a:t>Owner: Amit</a:t>
+            </a:r>
+            <a:endParaRPr sz="1800">
+              <a:solidFill>
+                <a:schemeClr val="dk1"/>
+              </a:solidFill>
+            </a:endParaRPr>
+          </a:p>
+          <a:p>
+            <a:pPr indent="0" lvl="0" marL="0" rtl="0" algn="l">
+              <a:spcBef>
+                <a:spcPts val="0"/>
+              </a:spcBef>
+              <a:spcAft>
+                <a:spcPts val="0"/>
+              </a:spcAft>
+              <a:buClr>
+                <a:schemeClr val="dk1"/>
+              </a:buClr>
+              <a:buSzPts val="1100"/>
+              <a:buFont typeface="Arial"/>
+              <a:buNone/>
+            </a:pPr>
+            <a:r>
+              <a:t/>
+            </a:r>
+            <a:endParaRPr sz="1800">
+              <a:solidFill>
+                <a:schemeClr val="dk1"/>
+              </a:solidFill>
+            </a:endParaRPr>
+          </a:p>
+          <a:p>
+            <a:pPr indent="0" lvl="0" marL="0" rtl="0" algn="l">
+              <a:spcBef>
+                <a:spcPts val="0"/>
+              </a:spcBef>
+              <a:spcAft>
+                <a:spcPts val="0"/>
+              </a:spcAft>
+              <a:buClr>
+                <a:schemeClr val="dk1"/>
+              </a:buClr>
+              <a:buSzPts val="1100"/>
+              <a:buFont typeface="Arial"/>
+              <a:buNone/>
+            </a:pPr>
+            <a:r>
+              <a:rPr lang="en-US" sz="1800">
+                <a:solidFill>
+                  <a:schemeClr val="dk1"/>
+                </a:solidFill>
+              </a:rPr>
+              <a:t>Frameworks: Firebase, Android Studio</a:t>
+            </a:r>
+            <a:endParaRPr sz="1800">
+              <a:solidFill>
+                <a:schemeClr val="dk1"/>
+              </a:solidFill>
+            </a:endParaRPr>
+          </a:p>
+          <a:p>
+            <a:pPr indent="0" lvl="0" marL="0" rtl="0" algn="l">
+              <a:spcBef>
+                <a:spcPts val="0"/>
+              </a:spcBef>
+              <a:spcAft>
+                <a:spcPts val="0"/>
+              </a:spcAft>
+              <a:buClr>
+                <a:schemeClr val="dk1"/>
+              </a:buClr>
+              <a:buSzPts val="1100"/>
+              <a:buFont typeface="Arial"/>
+              <a:buNone/>
+            </a:pPr>
+            <a:r>
+              <a:t/>
+            </a:r>
+            <a:endParaRPr sz="1800">
+              <a:solidFill>
+                <a:schemeClr val="dk1"/>
+              </a:solidFill>
+            </a:endParaRPr>
+          </a:p>
+          <a:p>
+            <a:pPr indent="0" lvl="0" marL="0" rtl="0" algn="l">
+              <a:spcBef>
+                <a:spcPts val="0"/>
+              </a:spcBef>
+              <a:spcAft>
+                <a:spcPts val="0"/>
+              </a:spcAft>
+              <a:buClr>
+                <a:schemeClr val="dk1"/>
+              </a:buClr>
+              <a:buSzPts val="1100"/>
+              <a:buFont typeface="Arial"/>
+              <a:buNone/>
+            </a:pPr>
+            <a:r>
+              <a:rPr lang="en-US" sz="1800">
+                <a:solidFill>
+                  <a:schemeClr val="dk1"/>
+                </a:solidFill>
+              </a:rPr>
+              <a:t>Risks: Users will refuse to provide contact information</a:t>
+            </a:r>
+            <a:endParaRPr sz="1800">
+              <a:solidFill>
+                <a:schemeClr val="dk1"/>
+              </a:solidFill>
+            </a:endParaRPr>
+          </a:p>
+          <a:p>
+            <a:pPr indent="0" lvl="0" marL="0" rtl="0" algn="l">
+              <a:spcBef>
+                <a:spcPts val="0"/>
+              </a:spcBef>
+              <a:spcAft>
+                <a:spcPts val="0"/>
+              </a:spcAft>
+              <a:buNone/>
+            </a:pPr>
+            <a:r>
+              <a:t/>
+            </a:r>
+            <a:endParaRPr sz="1800">
+              <a:solidFill>
+                <a:schemeClr val="dk1"/>
+              </a:solidFill>
+            </a:endParaRPr>
+          </a:p>
+        </p:txBody>
+      </p:sp>
+    </p:spTree>
+  </p:cSld>
+  <p:clrMapOvr>
+    <a:masterClrMapping/>
+  </p:clrMapOvr>
+</p:sld>
+</file>
+
+<file path=ppt/slides/slide26.xml><?xml version="1.0" encoding="utf-8"?>
+<p:sld xmlns:a="http://schemas.openxmlformats.org/drawingml/2006/main" xmlns:r="http://schemas.openxmlformats.org/officeDocument/2006/relationships" xmlns:mc="http://schemas.openxmlformats.org/markup-compatibility/2006" xmlns:mv="urn:schemas-microsoft-com:mac:vml" xmlns:p="http://schemas.openxmlformats.org/presentationml/2006/main" xmlns:c="http://schemas.openxmlformats.org/drawingml/2006/chart" xmlns:dgm="http://schemas.openxmlformats.org/drawingml/2006/diagram" xmlns:o="urn:schemas-microsoft-com:office:office" xmlns:v="urn:schemas-microsoft-com:vml" xmlns:pvml="urn:schemas-microsoft-com:office:powerpoint" xmlns:com="http://schemas.openxmlformats.org/drawingml/2006/compatibility" xmlns:p14="http://schemas.microsoft.com/office/powerpoint/2010/main" xmlns:p15="http://schemas.microsoft.com/office/powerpoint/2012/main">
+  <p:cSld>
+    <p:spTree>
+      <p:nvGrpSpPr>
+        <p:cNvPr id="334" name="Shape 334"/>
+        <p:cNvGrpSpPr/>
+        <p:nvPr/>
+      </p:nvGrpSpPr>
+      <p:grpSpPr>
+        <a:xfrm>
+          <a:off x="0" y="0"/>
+          <a:ext cx="0" cy="0"/>
+          <a:chOff x="0" y="0"/>
+          <a:chExt cx="0" cy="0"/>
+        </a:xfrm>
+      </p:grpSpPr>
+      <p:sp>
+        <p:nvSpPr>
+          <p:cNvPr id="335" name="Google Shape;335;p44"/>
           <p:cNvSpPr txBox="1"/>
           <p:nvPr/>
         </p:nvSpPr>
@@ -22862,6 +23785,11 @@
               <a:spcAft>
                 <a:spcPts val="0"/>
               </a:spcAft>
+              <a:buClr>
+                <a:schemeClr val="dk1"/>
+              </a:buClr>
+              <a:buSzPts val="1100"/>
+              <a:buFont typeface="Arial"/>
               <a:buNone/>
             </a:pPr>
             <a:r>
@@ -22880,7 +23808,7 @@
                 <a:cs typeface="Teko"/>
                 <a:sym typeface="Teko"/>
               </a:rPr>
-              <a:t>As a user I want to get notifications when interesting things happen - my friends are looking for partners, my partner suggestion was accepted/rejected, or if the system found me new matches.</a:t>
+              <a:t>As a user I want to follow-up an existing review (add questions/corrections) so that other users might also get an answer if my question seems common</a:t>
             </a:r>
             <a:r>
               <a:rPr lang="en-US" sz="3000">
@@ -22889,7 +23817,7 @@
                 <a:cs typeface="Teko"/>
                 <a:sym typeface="Teko"/>
               </a:rPr>
-              <a:t>”</a:t>
+              <a:t>.”</a:t>
             </a:r>
             <a:endParaRPr sz="3000">
               <a:latin typeface="Teko"/>
@@ -22898,11 +23826,31 @@
               <a:sym typeface="Teko"/>
             </a:endParaRPr>
           </a:p>
+          <a:p>
+            <a:pPr indent="0" lvl="0" marL="0" rtl="0" algn="l">
+              <a:spcBef>
+                <a:spcPts val="0"/>
+              </a:spcBef>
+              <a:spcAft>
+                <a:spcPts val="0"/>
+              </a:spcAft>
+              <a:buNone/>
+            </a:pPr>
+            <a:r>
+              <a:t/>
+            </a:r>
+            <a:endParaRPr sz="3000">
+              <a:latin typeface="Teko"/>
+              <a:ea typeface="Teko"/>
+              <a:cs typeface="Teko"/>
+              <a:sym typeface="Teko"/>
+            </a:endParaRPr>
+          </a:p>
         </p:txBody>
       </p:sp>
       <p:sp>
         <p:nvSpPr>
-          <p:cNvPr id="314" name="Google Shape;314;p40"/>
+          <p:cNvPr id="336" name="Google Shape;336;p44"/>
           <p:cNvSpPr txBox="1"/>
           <p:nvPr/>
         </p:nvSpPr>
@@ -22967,7 +23915,7 @@
             </a:pPr>
             <a:r>
               <a:rPr lang="en-US" sz="1800"/>
-              <a:t>Owner: Roy Hirsch</a:t>
+              <a:t>Owner: Denis Nastic.</a:t>
             </a:r>
             <a:endParaRPr sz="1800"/>
           </a:p>
@@ -22998,7 +23946,7 @@
             </a:pPr>
             <a:r>
               <a:rPr lang="en-US" sz="1800"/>
-              <a:t>Frameworks: Firebase</a:t>
+              <a:t>Frameworks: Firebase, Android Studio</a:t>
             </a:r>
             <a:endParaRPr sz="1800"/>
           </a:p>
@@ -23043,12 +23991,12 @@
 </p:sld>
 </file>
 
-<file path=ppt/slides/slide23.xml><?xml version="1.0" encoding="utf-8"?>
+<file path=ppt/slides/slide27.xml><?xml version="1.0" encoding="utf-8"?>
 <p:sld xmlns:a="http://schemas.openxmlformats.org/drawingml/2006/main" xmlns:r="http://schemas.openxmlformats.org/officeDocument/2006/relationships" xmlns:mc="http://schemas.openxmlformats.org/markup-compatibility/2006" xmlns:mv="urn:schemas-microsoft-com:mac:vml" xmlns:p="http://schemas.openxmlformats.org/presentationml/2006/main" xmlns:c="http://schemas.openxmlformats.org/drawingml/2006/chart" xmlns:dgm="http://schemas.openxmlformats.org/drawingml/2006/diagram" xmlns:o="urn:schemas-microsoft-com:office:office" xmlns:v="urn:schemas-microsoft-com:vml" xmlns:pvml="urn:schemas-microsoft-com:office:powerpoint" xmlns:com="http://schemas.openxmlformats.org/drawingml/2006/compatibility" xmlns:p14="http://schemas.microsoft.com/office/powerpoint/2010/main" xmlns:p15="http://schemas.microsoft.com/office/powerpoint/2012/main">
   <p:cSld>
     <p:spTree>
       <p:nvGrpSpPr>
-        <p:cNvPr id="318" name="Shape 318"/>
+        <p:cNvPr id="340" name="Shape 340"/>
         <p:cNvGrpSpPr/>
         <p:nvPr/>
       </p:nvGrpSpPr>
@@ -23062,7 +24010,7 @@
       </p:grpSpPr>
       <p:sp>
         <p:nvSpPr>
-          <p:cNvPr id="319" name="Google Shape;319;p41"/>
+          <p:cNvPr id="341" name="Google Shape;341;p45"/>
           <p:cNvSpPr txBox="1"/>
           <p:nvPr/>
         </p:nvSpPr>
@@ -23110,7 +24058,7 @@
                 <a:cs typeface="Teko"/>
                 <a:sym typeface="Teko"/>
               </a:rPr>
-              <a:t>As a user I want to see my match ratio for a certain course.</a:t>
+              <a:t>As a user I want to give feedback for other students' reviews (anonymously) so that other users (and myself) will see less irrelevant reviews.</a:t>
             </a:r>
             <a:r>
               <a:rPr lang="en-US" sz="3000">
@@ -23132,7 +24080,7 @@
       </p:sp>
       <p:sp>
         <p:nvSpPr>
-          <p:cNvPr id="320" name="Google Shape;320;p41"/>
+          <p:cNvPr id="342" name="Google Shape;342;p45"/>
           <p:cNvSpPr txBox="1"/>
           <p:nvPr/>
         </p:nvSpPr>
@@ -23166,7 +24114,7 @@
             </a:pPr>
             <a:r>
               <a:rPr lang="en-US" sz="1800"/>
-              <a:t>Time Estimation: 4 hours.</a:t>
+              <a:t>Time Estimation: 2 hours for the Android activity. </a:t>
             </a:r>
             <a:endParaRPr sz="1800"/>
           </a:p>
@@ -23228,1030 +24176,7 @@
             </a:pPr>
             <a:r>
               <a:rPr lang="en-US" sz="1800"/>
-              <a:t>Frameworks: Firebase, Android Studio</a:t>
-            </a:r>
-            <a:endParaRPr sz="1800"/>
-          </a:p>
-          <a:p>
-            <a:pPr indent="0" lvl="0" marL="0" rtl="0" algn="l">
-              <a:spcBef>
-                <a:spcPts val="0"/>
-              </a:spcBef>
-              <a:spcAft>
-                <a:spcPts val="0"/>
-              </a:spcAft>
-              <a:buNone/>
-            </a:pPr>
-            <a:r>
-              <a:t/>
-            </a:r>
-            <a:endParaRPr sz="1800"/>
-          </a:p>
-          <a:p>
-            <a:pPr indent="0" lvl="0" marL="0" rtl="0" algn="l">
-              <a:spcBef>
-                <a:spcPts val="0"/>
-              </a:spcBef>
-              <a:spcAft>
-                <a:spcPts val="0"/>
-              </a:spcAft>
-              <a:buNone/>
-            </a:pPr>
-            <a:r>
-              <a:rPr lang="en-US" sz="1800"/>
-              <a:t>Risks: None.</a:t>
-            </a:r>
-            <a:endParaRPr sz="1800"/>
-          </a:p>
-        </p:txBody>
-      </p:sp>
-    </p:spTree>
-  </p:cSld>
-  <p:clrMapOvr>
-    <a:masterClrMapping/>
-  </p:clrMapOvr>
-</p:sld>
-</file>
-
-<file path=ppt/slides/slide24.xml><?xml version="1.0" encoding="utf-8"?>
-<p:sld xmlns:a="http://schemas.openxmlformats.org/drawingml/2006/main" xmlns:r="http://schemas.openxmlformats.org/officeDocument/2006/relationships" xmlns:mc="http://schemas.openxmlformats.org/markup-compatibility/2006" xmlns:mv="urn:schemas-microsoft-com:mac:vml" xmlns:p="http://schemas.openxmlformats.org/presentationml/2006/main" xmlns:c="http://schemas.openxmlformats.org/drawingml/2006/chart" xmlns:dgm="http://schemas.openxmlformats.org/drawingml/2006/diagram" xmlns:o="urn:schemas-microsoft-com:office:office" xmlns:v="urn:schemas-microsoft-com:vml" xmlns:pvml="urn:schemas-microsoft-com:office:powerpoint" xmlns:com="http://schemas.openxmlformats.org/drawingml/2006/compatibility" xmlns:p14="http://schemas.microsoft.com/office/powerpoint/2010/main" xmlns:p15="http://schemas.microsoft.com/office/powerpoint/2012/main">
-  <p:cSld>
-    <p:spTree>
-      <p:nvGrpSpPr>
-        <p:cNvPr id="324" name="Shape 324"/>
-        <p:cNvGrpSpPr/>
-        <p:nvPr/>
-      </p:nvGrpSpPr>
-      <p:grpSpPr>
-        <a:xfrm>
-          <a:off x="0" y="0"/>
-          <a:ext cx="0" cy="0"/>
-          <a:chOff x="0" y="0"/>
-          <a:chExt cx="0" cy="0"/>
-        </a:xfrm>
-      </p:grpSpPr>
-      <p:sp>
-        <p:nvSpPr>
-          <p:cNvPr id="325" name="Google Shape;325;p42"/>
-          <p:cNvSpPr txBox="1"/>
-          <p:nvPr/>
-        </p:nvSpPr>
-        <p:spPr>
-          <a:xfrm>
-            <a:off x="1984800" y="698125"/>
-            <a:ext cx="10207200" cy="1437300"/>
-          </a:xfrm>
-          <a:prstGeom prst="rect">
-            <a:avLst/>
-          </a:prstGeom>
-          <a:noFill/>
-          <a:ln>
-            <a:noFill/>
-          </a:ln>
-        </p:spPr>
-        <p:txBody>
-          <a:bodyPr anchorCtr="0" anchor="t" bIns="91425" lIns="91425" spcFirstLastPara="1" rIns="91425" wrap="square" tIns="91425">
-            <a:noAutofit/>
-          </a:bodyPr>
-          <a:lstStyle/>
-          <a:p>
-            <a:pPr indent="0" lvl="0" marL="0" rtl="0" algn="l">
-              <a:spcBef>
-                <a:spcPts val="0"/>
-              </a:spcBef>
-              <a:spcAft>
-                <a:spcPts val="0"/>
-              </a:spcAft>
-              <a:buClr>
-                <a:schemeClr val="dk1"/>
-              </a:buClr>
-              <a:buSzPts val="1100"/>
-              <a:buFont typeface="Arial"/>
-              <a:buNone/>
-            </a:pPr>
-            <a:r>
-              <a:rPr lang="en-US" sz="3000">
-                <a:latin typeface="Teko"/>
-                <a:ea typeface="Teko"/>
-                <a:cs typeface="Teko"/>
-                <a:sym typeface="Teko"/>
-              </a:rPr>
-              <a:t>“As a user I want to interactively rate (Like/Dislike) courses and I would like the </a:t>
-            </a:r>
-            <a:r>
-              <a:rPr lang="en-US" sz="3000">
-                <a:latin typeface="Teko"/>
-                <a:ea typeface="Teko"/>
-                <a:cs typeface="Teko"/>
-                <a:sym typeface="Teko"/>
-              </a:rPr>
-              <a:t>experience</a:t>
-            </a:r>
-            <a:r>
-              <a:rPr lang="en-US" sz="3000">
-                <a:latin typeface="Teko"/>
-                <a:ea typeface="Teko"/>
-                <a:cs typeface="Teko"/>
-                <a:sym typeface="Teko"/>
-              </a:rPr>
-              <a:t> to be good and fun- short,interactive,rewarding. So that I will be happy contributing data without spending too much of my time.”</a:t>
-            </a:r>
-            <a:endParaRPr sz="3000">
-              <a:latin typeface="Teko"/>
-              <a:ea typeface="Teko"/>
-              <a:cs typeface="Teko"/>
-              <a:sym typeface="Teko"/>
-            </a:endParaRPr>
-          </a:p>
-          <a:p>
-            <a:pPr indent="0" lvl="0" marL="0" rtl="0" algn="l">
-              <a:spcBef>
-                <a:spcPts val="0"/>
-              </a:spcBef>
-              <a:spcAft>
-                <a:spcPts val="0"/>
-              </a:spcAft>
-              <a:buNone/>
-            </a:pPr>
-            <a:r>
-              <a:t/>
-            </a:r>
-            <a:endParaRPr sz="3000">
-              <a:latin typeface="Teko"/>
-              <a:ea typeface="Teko"/>
-              <a:cs typeface="Teko"/>
-              <a:sym typeface="Teko"/>
-            </a:endParaRPr>
-          </a:p>
-        </p:txBody>
-      </p:sp>
-      <p:sp>
-        <p:nvSpPr>
-          <p:cNvPr id="326" name="Google Shape;326;p42"/>
-          <p:cNvSpPr txBox="1"/>
-          <p:nvPr/>
-        </p:nvSpPr>
-        <p:spPr>
-          <a:xfrm>
-            <a:off x="1984800" y="2135425"/>
-            <a:ext cx="8578200" cy="2381700"/>
-          </a:xfrm>
-          <a:prstGeom prst="rect">
-            <a:avLst/>
-          </a:prstGeom>
-          <a:noFill/>
-          <a:ln>
-            <a:noFill/>
-          </a:ln>
-        </p:spPr>
-        <p:txBody>
-          <a:bodyPr anchorCtr="0" anchor="t" bIns="91425" lIns="91425" spcFirstLastPara="1" rIns="91425" wrap="square" tIns="91425">
-            <a:noAutofit/>
-          </a:bodyPr>
-          <a:lstStyle/>
-          <a:p>
-            <a:pPr indent="0" lvl="0" marL="0" rtl="0" algn="l">
-              <a:spcBef>
-                <a:spcPts val="0"/>
-              </a:spcBef>
-              <a:spcAft>
-                <a:spcPts val="0"/>
-              </a:spcAft>
-              <a:buNone/>
-            </a:pPr>
-            <a:r>
-              <a:rPr lang="en-US" sz="1800"/>
-              <a:t>T</a:t>
-            </a:r>
-            <a:r>
-              <a:rPr lang="en-US" sz="1800"/>
-              <a:t>ime Estimation: 9 hours.</a:t>
-            </a:r>
-            <a:endParaRPr sz="1800"/>
-          </a:p>
-          <a:p>
-            <a:pPr indent="0" lvl="0" marL="0" rtl="0" algn="l">
-              <a:spcBef>
-                <a:spcPts val="0"/>
-              </a:spcBef>
-              <a:spcAft>
-                <a:spcPts val="0"/>
-              </a:spcAft>
-              <a:buNone/>
-            </a:pPr>
-            <a:r>
-              <a:t/>
-            </a:r>
-            <a:endParaRPr sz="1800"/>
-          </a:p>
-          <a:p>
-            <a:pPr indent="0" lvl="0" marL="0" rtl="0" algn="l">
-              <a:spcBef>
-                <a:spcPts val="0"/>
-              </a:spcBef>
-              <a:spcAft>
-                <a:spcPts val="0"/>
-              </a:spcAft>
-              <a:buNone/>
-            </a:pPr>
-            <a:r>
-              <a:rPr lang="en-US" sz="1800"/>
-              <a:t>Owner: Roy Hirsch</a:t>
-            </a:r>
-            <a:endParaRPr sz="1800"/>
-          </a:p>
-          <a:p>
-            <a:pPr indent="0" lvl="0" marL="0" rtl="0" algn="l">
-              <a:spcBef>
-                <a:spcPts val="0"/>
-              </a:spcBef>
-              <a:spcAft>
-                <a:spcPts val="0"/>
-              </a:spcAft>
-              <a:buNone/>
-            </a:pPr>
-            <a:r>
-              <a:t/>
-            </a:r>
-            <a:endParaRPr sz="1800"/>
-          </a:p>
-          <a:p>
-            <a:pPr indent="0" lvl="0" marL="0" rtl="0" algn="l">
-              <a:spcBef>
-                <a:spcPts val="0"/>
-              </a:spcBef>
-              <a:spcAft>
-                <a:spcPts val="0"/>
-              </a:spcAft>
-              <a:buNone/>
-            </a:pPr>
-            <a:r>
-              <a:rPr lang="en-US" sz="1800"/>
-              <a:t>Frameworks: Firebase, Android Studio, Animation/GUI library</a:t>
-            </a:r>
-            <a:endParaRPr sz="1800"/>
-          </a:p>
-          <a:p>
-            <a:pPr indent="0" lvl="0" marL="0" rtl="0" algn="l">
-              <a:spcBef>
-                <a:spcPts val="0"/>
-              </a:spcBef>
-              <a:spcAft>
-                <a:spcPts val="0"/>
-              </a:spcAft>
-              <a:buNone/>
-            </a:pPr>
-            <a:r>
-              <a:t/>
-            </a:r>
-            <a:endParaRPr sz="1800"/>
-          </a:p>
-          <a:p>
-            <a:pPr indent="0" lvl="0" marL="0" rtl="0" algn="l">
-              <a:spcBef>
-                <a:spcPts val="0"/>
-              </a:spcBef>
-              <a:spcAft>
-                <a:spcPts val="0"/>
-              </a:spcAft>
-              <a:buNone/>
-            </a:pPr>
-            <a:r>
-              <a:rPr lang="en-US" sz="1800"/>
-              <a:t>Risks: None.</a:t>
-            </a:r>
-            <a:endParaRPr sz="1800"/>
-          </a:p>
-        </p:txBody>
-      </p:sp>
-    </p:spTree>
-  </p:cSld>
-  <p:clrMapOvr>
-    <a:masterClrMapping/>
-  </p:clrMapOvr>
-</p:sld>
-</file>
-
-<file path=ppt/slides/slide25.xml><?xml version="1.0" encoding="utf-8"?>
-<p:sld xmlns:a="http://schemas.openxmlformats.org/drawingml/2006/main" xmlns:r="http://schemas.openxmlformats.org/officeDocument/2006/relationships" xmlns:mc="http://schemas.openxmlformats.org/markup-compatibility/2006" xmlns:mv="urn:schemas-microsoft-com:mac:vml" xmlns:p="http://schemas.openxmlformats.org/presentationml/2006/main" xmlns:c="http://schemas.openxmlformats.org/drawingml/2006/chart" xmlns:dgm="http://schemas.openxmlformats.org/drawingml/2006/diagram" xmlns:o="urn:schemas-microsoft-com:office:office" xmlns:v="urn:schemas-microsoft-com:vml" xmlns:pvml="urn:schemas-microsoft-com:office:powerpoint" xmlns:com="http://schemas.openxmlformats.org/drawingml/2006/compatibility" xmlns:p14="http://schemas.microsoft.com/office/powerpoint/2010/main" xmlns:p15="http://schemas.microsoft.com/office/powerpoint/2012/main">
-  <p:cSld>
-    <p:spTree>
-      <p:nvGrpSpPr>
-        <p:cNvPr id="330" name="Shape 330"/>
-        <p:cNvGrpSpPr/>
-        <p:nvPr/>
-      </p:nvGrpSpPr>
-      <p:grpSpPr>
-        <a:xfrm>
-          <a:off x="0" y="0"/>
-          <a:ext cx="0" cy="0"/>
-          <a:chOff x="0" y="0"/>
-          <a:chExt cx="0" cy="0"/>
-        </a:xfrm>
-      </p:grpSpPr>
-      <p:sp>
-        <p:nvSpPr>
-          <p:cNvPr id="331" name="Google Shape;331;p43"/>
-          <p:cNvSpPr txBox="1"/>
-          <p:nvPr/>
-        </p:nvSpPr>
-        <p:spPr>
-          <a:xfrm>
-            <a:off x="1984800" y="698125"/>
-            <a:ext cx="10207200" cy="1437300"/>
-          </a:xfrm>
-          <a:prstGeom prst="rect">
-            <a:avLst/>
-          </a:prstGeom>
-          <a:noFill/>
-          <a:ln>
-            <a:noFill/>
-          </a:ln>
-        </p:spPr>
-        <p:txBody>
-          <a:bodyPr anchorCtr="0" anchor="t" bIns="91425" lIns="91425" spcFirstLastPara="1" rIns="91425" wrap="square" tIns="91425">
-            <a:noAutofit/>
-          </a:bodyPr>
-          <a:lstStyle/>
-          <a:p>
-            <a:pPr indent="0" lvl="0" marL="0" rtl="0" algn="l">
-              <a:spcBef>
-                <a:spcPts val="0"/>
-              </a:spcBef>
-              <a:spcAft>
-                <a:spcPts val="0"/>
-              </a:spcAft>
-              <a:buClr>
-                <a:schemeClr val="dk1"/>
-              </a:buClr>
-              <a:buSzPts val="1100"/>
-              <a:buFont typeface="Arial"/>
-              <a:buNone/>
-            </a:pPr>
-            <a:r>
-              <a:rPr lang="en-US" sz="3000">
-                <a:latin typeface="Teko"/>
-                <a:ea typeface="Teko"/>
-                <a:cs typeface="Teko"/>
-                <a:sym typeface="Teko"/>
-              </a:rPr>
-              <a:t>“</a:t>
-            </a:r>
-            <a:r>
-              <a:rPr lang="en-US" sz="3000">
-                <a:latin typeface="Teko"/>
-                <a:ea typeface="Teko"/>
-                <a:cs typeface="Teko"/>
-                <a:sym typeface="Teko"/>
-              </a:rPr>
-              <a:t>As a user I want to see who is looking for a partner in a certain course &amp; mark that I am looking for one &amp; actively initiate a partner request.”</a:t>
-            </a:r>
-            <a:endParaRPr sz="3000">
-              <a:latin typeface="Teko"/>
-              <a:ea typeface="Teko"/>
-              <a:cs typeface="Teko"/>
-              <a:sym typeface="Teko"/>
-            </a:endParaRPr>
-          </a:p>
-          <a:p>
-            <a:pPr indent="0" lvl="0" marL="0" rtl="0" algn="l">
-              <a:spcBef>
-                <a:spcPts val="0"/>
-              </a:spcBef>
-              <a:spcAft>
-                <a:spcPts val="0"/>
-              </a:spcAft>
-              <a:buNone/>
-            </a:pPr>
-            <a:r>
-              <a:t/>
-            </a:r>
-            <a:endParaRPr sz="3000">
-              <a:latin typeface="Teko"/>
-              <a:ea typeface="Teko"/>
-              <a:cs typeface="Teko"/>
-              <a:sym typeface="Teko"/>
-            </a:endParaRPr>
-          </a:p>
-        </p:txBody>
-      </p:sp>
-      <p:sp>
-        <p:nvSpPr>
-          <p:cNvPr id="332" name="Google Shape;332;p43"/>
-          <p:cNvSpPr txBox="1"/>
-          <p:nvPr/>
-        </p:nvSpPr>
-        <p:spPr>
-          <a:xfrm>
-            <a:off x="1984800" y="2135425"/>
-            <a:ext cx="8578200" cy="2381700"/>
-          </a:xfrm>
-          <a:prstGeom prst="rect">
-            <a:avLst/>
-          </a:prstGeom>
-          <a:noFill/>
-          <a:ln>
-            <a:noFill/>
-          </a:ln>
-        </p:spPr>
-        <p:txBody>
-          <a:bodyPr anchorCtr="0" anchor="t" bIns="91425" lIns="91425" spcFirstLastPara="1" rIns="91425" wrap="square" tIns="91425">
-            <a:noAutofit/>
-          </a:bodyPr>
-          <a:lstStyle/>
-          <a:p>
-            <a:pPr indent="0" lvl="0" marL="0" rtl="0" algn="l">
-              <a:spcBef>
-                <a:spcPts val="0"/>
-              </a:spcBef>
-              <a:spcAft>
-                <a:spcPts val="0"/>
-              </a:spcAft>
-              <a:buNone/>
-            </a:pPr>
-            <a:r>
-              <a:rPr lang="en-US" sz="1800"/>
-              <a:t>Time Estimation:</a:t>
-            </a:r>
-            <a:r>
-              <a:rPr lang="en-US" sz="1800"/>
-              <a:t> 9 hours</a:t>
-            </a:r>
-            <a:r>
-              <a:rPr lang="en-US" sz="1800"/>
-              <a:t>.</a:t>
-            </a:r>
-            <a:endParaRPr sz="1800"/>
-          </a:p>
-          <a:p>
-            <a:pPr indent="0" lvl="0" marL="0" rtl="0" algn="l">
-              <a:spcBef>
-                <a:spcPts val="0"/>
-              </a:spcBef>
-              <a:spcAft>
-                <a:spcPts val="0"/>
-              </a:spcAft>
-              <a:buNone/>
-            </a:pPr>
-            <a:r>
-              <a:t/>
-            </a:r>
-            <a:endParaRPr sz="1800"/>
-          </a:p>
-          <a:p>
-            <a:pPr indent="0" lvl="0" marL="0" rtl="0" algn="l">
-              <a:spcBef>
-                <a:spcPts val="0"/>
-              </a:spcBef>
-              <a:spcAft>
-                <a:spcPts val="0"/>
-              </a:spcAft>
-              <a:buNone/>
-            </a:pPr>
-            <a:r>
-              <a:rPr lang="en-US" sz="1800"/>
-              <a:t>Owner: Denis Nastic.</a:t>
-            </a:r>
-            <a:endParaRPr sz="1800"/>
-          </a:p>
-          <a:p>
-            <a:pPr indent="0" lvl="0" marL="0" rtl="0" algn="l">
-              <a:spcBef>
-                <a:spcPts val="0"/>
-              </a:spcBef>
-              <a:spcAft>
-                <a:spcPts val="0"/>
-              </a:spcAft>
-              <a:buNone/>
-            </a:pPr>
-            <a:r>
-              <a:t/>
-            </a:r>
-            <a:endParaRPr sz="1800"/>
-          </a:p>
-          <a:p>
-            <a:pPr indent="0" lvl="0" marL="0" rtl="0" algn="l">
-              <a:spcBef>
-                <a:spcPts val="0"/>
-              </a:spcBef>
-              <a:spcAft>
-                <a:spcPts val="0"/>
-              </a:spcAft>
-              <a:buNone/>
-            </a:pPr>
-            <a:r>
-              <a:rPr lang="en-US" sz="1800"/>
-              <a:t>Frameworks: Firebase, Android Studio, Animation/GUI library</a:t>
-            </a:r>
-            <a:endParaRPr sz="1800"/>
-          </a:p>
-          <a:p>
-            <a:pPr indent="0" lvl="0" marL="0" rtl="0" algn="l">
-              <a:spcBef>
-                <a:spcPts val="0"/>
-              </a:spcBef>
-              <a:spcAft>
-                <a:spcPts val="0"/>
-              </a:spcAft>
-              <a:buNone/>
-            </a:pPr>
-            <a:r>
-              <a:t/>
-            </a:r>
-            <a:endParaRPr sz="1800"/>
-          </a:p>
-          <a:p>
-            <a:pPr indent="0" lvl="0" marL="0" rtl="0" algn="l">
-              <a:spcBef>
-                <a:spcPts val="0"/>
-              </a:spcBef>
-              <a:spcAft>
-                <a:spcPts val="0"/>
-              </a:spcAft>
-              <a:buNone/>
-            </a:pPr>
-            <a:r>
-              <a:rPr lang="en-US" sz="1800"/>
-              <a:t>Risks: None.</a:t>
-            </a:r>
-            <a:endParaRPr sz="1800"/>
-          </a:p>
-        </p:txBody>
-      </p:sp>
-    </p:spTree>
-  </p:cSld>
-  <p:clrMapOvr>
-    <a:masterClrMapping/>
-  </p:clrMapOvr>
-</p:sld>
-</file>
-
-<file path=ppt/slides/slide26.xml><?xml version="1.0" encoding="utf-8"?>
-<p:sld xmlns:a="http://schemas.openxmlformats.org/drawingml/2006/main" xmlns:r="http://schemas.openxmlformats.org/officeDocument/2006/relationships" xmlns:mc="http://schemas.openxmlformats.org/markup-compatibility/2006" xmlns:mv="urn:schemas-microsoft-com:mac:vml" xmlns:p="http://schemas.openxmlformats.org/presentationml/2006/main" xmlns:c="http://schemas.openxmlformats.org/drawingml/2006/chart" xmlns:dgm="http://schemas.openxmlformats.org/drawingml/2006/diagram" xmlns:o="urn:schemas-microsoft-com:office:office" xmlns:v="urn:schemas-microsoft-com:vml" xmlns:pvml="urn:schemas-microsoft-com:office:powerpoint" xmlns:com="http://schemas.openxmlformats.org/drawingml/2006/compatibility" xmlns:p14="http://schemas.microsoft.com/office/powerpoint/2010/main" xmlns:p15="http://schemas.microsoft.com/office/powerpoint/2012/main">
-  <p:cSld>
-    <p:spTree>
-      <p:nvGrpSpPr>
-        <p:cNvPr id="336" name="Shape 336"/>
-        <p:cNvGrpSpPr/>
-        <p:nvPr/>
-      </p:nvGrpSpPr>
-      <p:grpSpPr>
-        <a:xfrm>
-          <a:off x="0" y="0"/>
-          <a:ext cx="0" cy="0"/>
-          <a:chOff x="0" y="0"/>
-          <a:chExt cx="0" cy="0"/>
-        </a:xfrm>
-      </p:grpSpPr>
-      <p:sp>
-        <p:nvSpPr>
-          <p:cNvPr id="337" name="Google Shape;337;p44"/>
-          <p:cNvSpPr txBox="1"/>
-          <p:nvPr/>
-        </p:nvSpPr>
-        <p:spPr>
-          <a:xfrm>
-            <a:off x="1984800" y="698125"/>
-            <a:ext cx="10207200" cy="1437300"/>
-          </a:xfrm>
-          <a:prstGeom prst="rect">
-            <a:avLst/>
-          </a:prstGeom>
-          <a:noFill/>
-          <a:ln>
-            <a:noFill/>
-          </a:ln>
-        </p:spPr>
-        <p:txBody>
-          <a:bodyPr anchorCtr="0" anchor="t" bIns="91425" lIns="91425" spcFirstLastPara="1" rIns="91425" wrap="square" tIns="91425">
-            <a:noAutofit/>
-          </a:bodyPr>
-          <a:lstStyle/>
-          <a:p>
-            <a:pPr indent="0" lvl="0" marL="0" rtl="0" algn="l">
-              <a:spcBef>
-                <a:spcPts val="0"/>
-              </a:spcBef>
-              <a:spcAft>
-                <a:spcPts val="0"/>
-              </a:spcAft>
-              <a:buClr>
-                <a:schemeClr val="dk1"/>
-              </a:buClr>
-              <a:buSzPts val="1100"/>
-              <a:buFont typeface="Arial"/>
-              <a:buNone/>
-            </a:pPr>
-            <a:r>
-              <a:rPr lang="en-US" sz="3000">
-                <a:latin typeface="Teko"/>
-                <a:ea typeface="Teko"/>
-                <a:cs typeface="Teko"/>
-                <a:sym typeface="Teko"/>
-              </a:rPr>
-              <a:t>“</a:t>
-            </a:r>
-            <a:r>
-              <a:rPr lang="en-US" sz="3000">
-                <a:latin typeface="Teko"/>
-                <a:ea typeface="Teko"/>
-                <a:cs typeface="Teko"/>
-                <a:sym typeface="Teko"/>
-              </a:rPr>
-              <a:t>As a user I want to mark potential courses I am considering on taking next semester so that my friends will know</a:t>
-            </a:r>
-            <a:r>
-              <a:rPr lang="en-US" sz="3000">
-                <a:latin typeface="Teko"/>
-                <a:ea typeface="Teko"/>
-                <a:cs typeface="Teko"/>
-                <a:sym typeface="Teko"/>
-              </a:rPr>
-              <a:t>.”</a:t>
-            </a:r>
-            <a:endParaRPr sz="3000">
-              <a:latin typeface="Teko"/>
-              <a:ea typeface="Teko"/>
-              <a:cs typeface="Teko"/>
-              <a:sym typeface="Teko"/>
-            </a:endParaRPr>
-          </a:p>
-          <a:p>
-            <a:pPr indent="0" lvl="0" marL="0" rtl="0" algn="l">
-              <a:spcBef>
-                <a:spcPts val="0"/>
-              </a:spcBef>
-              <a:spcAft>
-                <a:spcPts val="0"/>
-              </a:spcAft>
-              <a:buNone/>
-            </a:pPr>
-            <a:r>
-              <a:t/>
-            </a:r>
-            <a:endParaRPr sz="3000">
-              <a:latin typeface="Teko"/>
-              <a:ea typeface="Teko"/>
-              <a:cs typeface="Teko"/>
-              <a:sym typeface="Teko"/>
-            </a:endParaRPr>
-          </a:p>
-        </p:txBody>
-      </p:sp>
-      <p:sp>
-        <p:nvSpPr>
-          <p:cNvPr id="338" name="Google Shape;338;p44"/>
-          <p:cNvSpPr txBox="1"/>
-          <p:nvPr/>
-        </p:nvSpPr>
-        <p:spPr>
-          <a:xfrm>
-            <a:off x="1984800" y="2135425"/>
-            <a:ext cx="8578200" cy="2381700"/>
-          </a:xfrm>
-          <a:prstGeom prst="rect">
-            <a:avLst/>
-          </a:prstGeom>
-          <a:noFill/>
-          <a:ln>
-            <a:noFill/>
-          </a:ln>
-        </p:spPr>
-        <p:txBody>
-          <a:bodyPr anchorCtr="0" anchor="t" bIns="91425" lIns="91425" spcFirstLastPara="1" rIns="91425" wrap="square" tIns="91425">
-            <a:noAutofit/>
-          </a:bodyPr>
-          <a:lstStyle/>
-          <a:p>
-            <a:pPr indent="0" lvl="0" marL="0" rtl="0" algn="l">
-              <a:spcBef>
-                <a:spcPts val="0"/>
-              </a:spcBef>
-              <a:spcAft>
-                <a:spcPts val="0"/>
-              </a:spcAft>
-              <a:buNone/>
-            </a:pPr>
-            <a:r>
-              <a:rPr lang="en-US" sz="1800"/>
-              <a:t>Time Estimation: 6 hours.</a:t>
-            </a:r>
-            <a:endParaRPr sz="1800"/>
-          </a:p>
-          <a:p>
-            <a:pPr indent="0" lvl="0" marL="0" rtl="0" algn="l">
-              <a:spcBef>
-                <a:spcPts val="0"/>
-              </a:spcBef>
-              <a:spcAft>
-                <a:spcPts val="0"/>
-              </a:spcAft>
-              <a:buNone/>
-            </a:pPr>
-            <a:r>
-              <a:t/>
-            </a:r>
-            <a:endParaRPr sz="1800"/>
-          </a:p>
-          <a:p>
-            <a:pPr indent="0" lvl="0" marL="0" rtl="0" algn="l">
-              <a:spcBef>
-                <a:spcPts val="0"/>
-              </a:spcBef>
-              <a:spcAft>
-                <a:spcPts val="0"/>
-              </a:spcAft>
-              <a:buNone/>
-            </a:pPr>
-            <a:r>
-              <a:rPr lang="en-US" sz="1800"/>
-              <a:t>Owner: Denis Nastic.</a:t>
-            </a:r>
-            <a:endParaRPr sz="1800"/>
-          </a:p>
-          <a:p>
-            <a:pPr indent="0" lvl="0" marL="0" rtl="0" algn="l">
-              <a:spcBef>
-                <a:spcPts val="0"/>
-              </a:spcBef>
-              <a:spcAft>
-                <a:spcPts val="0"/>
-              </a:spcAft>
-              <a:buNone/>
-            </a:pPr>
-            <a:r>
-              <a:t/>
-            </a:r>
-            <a:endParaRPr sz="1800"/>
-          </a:p>
-          <a:p>
-            <a:pPr indent="0" lvl="0" marL="0" rtl="0" algn="l">
-              <a:spcBef>
-                <a:spcPts val="0"/>
-              </a:spcBef>
-              <a:spcAft>
-                <a:spcPts val="0"/>
-              </a:spcAft>
-              <a:buNone/>
-            </a:pPr>
-            <a:r>
-              <a:rPr lang="en-US" sz="1800"/>
-              <a:t>Frameworks: Firebase, Android Studio, Animation/GUI library</a:t>
-            </a:r>
-            <a:endParaRPr sz="1800"/>
-          </a:p>
-          <a:p>
-            <a:pPr indent="0" lvl="0" marL="0" rtl="0" algn="l">
-              <a:spcBef>
-                <a:spcPts val="0"/>
-              </a:spcBef>
-              <a:spcAft>
-                <a:spcPts val="0"/>
-              </a:spcAft>
-              <a:buNone/>
-            </a:pPr>
-            <a:r>
-              <a:t/>
-            </a:r>
-            <a:endParaRPr sz="1800"/>
-          </a:p>
-          <a:p>
-            <a:pPr indent="0" lvl="0" marL="0" rtl="0" algn="l">
-              <a:spcBef>
-                <a:spcPts val="0"/>
-              </a:spcBef>
-              <a:spcAft>
-                <a:spcPts val="0"/>
-              </a:spcAft>
-              <a:buNone/>
-            </a:pPr>
-            <a:r>
-              <a:rPr lang="en-US" sz="1800"/>
-              <a:t>Risks: None.</a:t>
-            </a:r>
-            <a:endParaRPr sz="1800"/>
-          </a:p>
-        </p:txBody>
-      </p:sp>
-    </p:spTree>
-  </p:cSld>
-  <p:clrMapOvr>
-    <a:masterClrMapping/>
-  </p:clrMapOvr>
-</p:sld>
-</file>
-
-<file path=ppt/slides/slide27.xml><?xml version="1.0" encoding="utf-8"?>
-<p:sld xmlns:a="http://schemas.openxmlformats.org/drawingml/2006/main" xmlns:r="http://schemas.openxmlformats.org/officeDocument/2006/relationships" xmlns:mc="http://schemas.openxmlformats.org/markup-compatibility/2006" xmlns:mv="urn:schemas-microsoft-com:mac:vml" xmlns:p="http://schemas.openxmlformats.org/presentationml/2006/main" xmlns:c="http://schemas.openxmlformats.org/drawingml/2006/chart" xmlns:dgm="http://schemas.openxmlformats.org/drawingml/2006/diagram" xmlns:o="urn:schemas-microsoft-com:office:office" xmlns:v="urn:schemas-microsoft-com:vml" xmlns:pvml="urn:schemas-microsoft-com:office:powerpoint" xmlns:com="http://schemas.openxmlformats.org/drawingml/2006/compatibility" xmlns:p14="http://schemas.microsoft.com/office/powerpoint/2010/main" xmlns:p15="http://schemas.microsoft.com/office/powerpoint/2012/main">
-  <p:cSld>
-    <p:spTree>
-      <p:nvGrpSpPr>
-        <p:cNvPr id="342" name="Shape 342"/>
-        <p:cNvGrpSpPr/>
-        <p:nvPr/>
-      </p:nvGrpSpPr>
-      <p:grpSpPr>
-        <a:xfrm>
-          <a:off x="0" y="0"/>
-          <a:ext cx="0" cy="0"/>
-          <a:chOff x="0" y="0"/>
-          <a:chExt cx="0" cy="0"/>
-        </a:xfrm>
-      </p:grpSpPr>
-      <p:sp>
-        <p:nvSpPr>
-          <p:cNvPr id="343" name="Google Shape;343;p45"/>
-          <p:cNvSpPr txBox="1"/>
-          <p:nvPr/>
-        </p:nvSpPr>
-        <p:spPr>
-          <a:xfrm>
-            <a:off x="1984800" y="698125"/>
-            <a:ext cx="10207200" cy="1437300"/>
-          </a:xfrm>
-          <a:prstGeom prst="rect">
-            <a:avLst/>
-          </a:prstGeom>
-          <a:noFill/>
-          <a:ln>
-            <a:noFill/>
-          </a:ln>
-        </p:spPr>
-        <p:txBody>
-          <a:bodyPr anchorCtr="0" anchor="t" bIns="91425" lIns="91425" spcFirstLastPara="1" rIns="91425" wrap="square" tIns="91425">
-            <a:noAutofit/>
-          </a:bodyPr>
-          <a:lstStyle/>
-          <a:p>
-            <a:pPr indent="0" lvl="0" marL="0" rtl="0" algn="l">
-              <a:spcBef>
-                <a:spcPts val="0"/>
-              </a:spcBef>
-              <a:spcAft>
-                <a:spcPts val="0"/>
-              </a:spcAft>
-              <a:buClr>
-                <a:schemeClr val="dk1"/>
-              </a:buClr>
-              <a:buSzPts val="1100"/>
-              <a:buFont typeface="Arial"/>
-              <a:buNone/>
-            </a:pPr>
-            <a:r>
-              <a:rPr lang="en-US" sz="3000">
-                <a:latin typeface="Teko"/>
-                <a:ea typeface="Teko"/>
-                <a:cs typeface="Teko"/>
-                <a:sym typeface="Teko"/>
-              </a:rPr>
-              <a:t>“</a:t>
-            </a:r>
-            <a:r>
-              <a:rPr lang="en-US" sz="3000">
-                <a:latin typeface="Teko"/>
-                <a:ea typeface="Teko"/>
-                <a:cs typeface="Teko"/>
-                <a:sym typeface="Teko"/>
-              </a:rPr>
-              <a:t>As a user I want to report a problem in the system or the data, and to make improvement suggestions.</a:t>
-            </a:r>
-            <a:r>
-              <a:rPr lang="en-US" sz="3000">
-                <a:latin typeface="Teko"/>
-                <a:ea typeface="Teko"/>
-                <a:cs typeface="Teko"/>
-                <a:sym typeface="Teko"/>
-              </a:rPr>
-              <a:t>.”</a:t>
-            </a:r>
-            <a:endParaRPr sz="3000">
-              <a:latin typeface="Teko"/>
-              <a:ea typeface="Teko"/>
-              <a:cs typeface="Teko"/>
-              <a:sym typeface="Teko"/>
-            </a:endParaRPr>
-          </a:p>
-          <a:p>
-            <a:pPr indent="0" lvl="0" marL="0" rtl="0" algn="l">
-              <a:spcBef>
-                <a:spcPts val="0"/>
-              </a:spcBef>
-              <a:spcAft>
-                <a:spcPts val="0"/>
-              </a:spcAft>
-              <a:buNone/>
-            </a:pPr>
-            <a:r>
-              <a:t/>
-            </a:r>
-            <a:endParaRPr sz="3000">
-              <a:latin typeface="Teko"/>
-              <a:ea typeface="Teko"/>
-              <a:cs typeface="Teko"/>
-              <a:sym typeface="Teko"/>
-            </a:endParaRPr>
-          </a:p>
-        </p:txBody>
-      </p:sp>
-      <p:sp>
-        <p:nvSpPr>
-          <p:cNvPr id="344" name="Google Shape;344;p45"/>
-          <p:cNvSpPr txBox="1"/>
-          <p:nvPr/>
-        </p:nvSpPr>
-        <p:spPr>
-          <a:xfrm>
-            <a:off x="1984800" y="2135425"/>
-            <a:ext cx="8578200" cy="2381700"/>
-          </a:xfrm>
-          <a:prstGeom prst="rect">
-            <a:avLst/>
-          </a:prstGeom>
-          <a:noFill/>
-          <a:ln>
-            <a:noFill/>
-          </a:ln>
-        </p:spPr>
-        <p:txBody>
-          <a:bodyPr anchorCtr="0" anchor="t" bIns="91425" lIns="91425" spcFirstLastPara="1" rIns="91425" wrap="square" tIns="91425">
-            <a:noAutofit/>
-          </a:bodyPr>
-          <a:lstStyle/>
-          <a:p>
-            <a:pPr indent="0" lvl="0" marL="0" rtl="0" algn="l">
-              <a:spcBef>
-                <a:spcPts val="0"/>
-              </a:spcBef>
-              <a:spcAft>
-                <a:spcPts val="0"/>
-              </a:spcAft>
-              <a:buNone/>
-            </a:pPr>
-            <a:r>
-              <a:rPr lang="en-US" sz="1800"/>
-              <a:t>Time Estimation: 3 hours.</a:t>
-            </a:r>
-            <a:endParaRPr sz="1800"/>
-          </a:p>
-          <a:p>
-            <a:pPr indent="0" lvl="0" marL="0" rtl="0" algn="l">
-              <a:spcBef>
-                <a:spcPts val="0"/>
-              </a:spcBef>
-              <a:spcAft>
-                <a:spcPts val="0"/>
-              </a:spcAft>
-              <a:buNone/>
-            </a:pPr>
-            <a:r>
-              <a:t/>
-            </a:r>
-            <a:endParaRPr sz="1800"/>
-          </a:p>
-          <a:p>
-            <a:pPr indent="0" lvl="0" marL="0" rtl="0" algn="l">
-              <a:spcBef>
-                <a:spcPts val="0"/>
-              </a:spcBef>
-              <a:spcAft>
-                <a:spcPts val="0"/>
-              </a:spcAft>
-              <a:buNone/>
-            </a:pPr>
-            <a:r>
-              <a:rPr lang="en-US" sz="1800"/>
-              <a:t>Owner: Denis Nastic.</a:t>
-            </a:r>
-            <a:endParaRPr sz="1800"/>
-          </a:p>
-          <a:p>
-            <a:pPr indent="0" lvl="0" marL="0" rtl="0" algn="l">
-              <a:spcBef>
-                <a:spcPts val="0"/>
-              </a:spcBef>
-              <a:spcAft>
-                <a:spcPts val="0"/>
-              </a:spcAft>
-              <a:buNone/>
-            </a:pPr>
-            <a:r>
-              <a:t/>
-            </a:r>
-            <a:endParaRPr sz="1800"/>
-          </a:p>
-          <a:p>
-            <a:pPr indent="0" lvl="0" marL="0" rtl="0" algn="l">
-              <a:spcBef>
-                <a:spcPts val="0"/>
-              </a:spcBef>
-              <a:spcAft>
-                <a:spcPts val="0"/>
-              </a:spcAft>
-              <a:buNone/>
-            </a:pPr>
-            <a:r>
-              <a:rPr lang="en-US" sz="1800"/>
-              <a:t>Frameworks: Firebase, Android Studio</a:t>
+              <a:t>Frameworks: Firebase &amp; Android Studio</a:t>
             </a:r>
             <a:endParaRPr sz="1800"/>
           </a:p>
@@ -24301,7 +24226,7 @@
   <p:cSld>
     <p:spTree>
       <p:nvGrpSpPr>
-        <p:cNvPr id="348" name="Shape 348"/>
+        <p:cNvPr id="346" name="Shape 346"/>
         <p:cNvGrpSpPr/>
         <p:nvPr/>
       </p:nvGrpSpPr>
@@ -24315,14 +24240,14 @@
       </p:grpSpPr>
       <p:sp>
         <p:nvSpPr>
-          <p:cNvPr id="349" name="Google Shape;349;p46"/>
+          <p:cNvPr id="347" name="Google Shape;347;p46"/>
           <p:cNvSpPr txBox="1"/>
           <p:nvPr/>
         </p:nvSpPr>
         <p:spPr>
           <a:xfrm>
-            <a:off x="1984800" y="698125"/>
-            <a:ext cx="10207200" cy="1437300"/>
+            <a:off x="0" y="2665058"/>
+            <a:ext cx="12192000" cy="1283700"/>
           </a:xfrm>
           <a:prstGeom prst="rect">
             <a:avLst/>
@@ -24333,12 +24258,12 @@
           </a:ln>
         </p:spPr>
         <p:txBody>
-          <a:bodyPr anchorCtr="0" anchor="t" bIns="91425" lIns="91425" spcFirstLastPara="1" rIns="91425" wrap="square" tIns="91425">
+          <a:bodyPr anchorCtr="0" anchor="t" bIns="45700" lIns="91425" spcFirstLastPara="1" rIns="91425" wrap="square" tIns="45700">
             <a:noAutofit/>
           </a:bodyPr>
           <a:lstStyle/>
           <a:p>
-            <a:pPr indent="0" lvl="0" marL="0" rtl="0" algn="l">
+            <a:pPr indent="0" lvl="0" marL="0" marR="0" rtl="1" algn="ctr">
               <a:spcBef>
                 <a:spcPts val="0"/>
               </a:spcBef>
@@ -24348,198 +24273,31 @@
               <a:buClr>
                 <a:schemeClr val="dk1"/>
               </a:buClr>
-              <a:buSzPts val="1100"/>
-              <a:buFont typeface="Arial"/>
-              <a:buNone/>
-            </a:pPr>
-            <a:r>
-              <a:rPr lang="en-US" sz="3000">
+              <a:buSzPts val="4000"/>
+              <a:buFont typeface="Teko"/>
+              <a:buNone/>
+            </a:pPr>
+            <a:r>
+              <a:rPr lang="en-US" sz="9600">
+                <a:solidFill>
+                  <a:schemeClr val="dk1"/>
+                </a:solidFill>
                 <a:latin typeface="Teko"/>
                 <a:ea typeface="Teko"/>
                 <a:cs typeface="Teko"/>
                 <a:sym typeface="Teko"/>
               </a:rPr>
-              <a:t>“</a:t>
-            </a:r>
-            <a:r>
-              <a:rPr lang="en-US" sz="3000">
-                <a:latin typeface="Teko"/>
-                <a:ea typeface="Teko"/>
-                <a:cs typeface="Teko"/>
-                <a:sym typeface="Teko"/>
-              </a:rPr>
-              <a:t>As a user I want to follow-up an existing review (add questions/corrections) so that other users might also get an answer if my question seems common</a:t>
-            </a:r>
-            <a:r>
-              <a:rPr lang="en-US" sz="3000">
-                <a:latin typeface="Teko"/>
-                <a:ea typeface="Teko"/>
-                <a:cs typeface="Teko"/>
-                <a:sym typeface="Teko"/>
-              </a:rPr>
-              <a:t>.”</a:t>
-            </a:r>
-            <a:endParaRPr sz="3000">
+              <a:t>Nice to have</a:t>
+            </a:r>
+            <a:endParaRPr sz="9600" cap="none">
+              <a:solidFill>
+                <a:schemeClr val="dk1"/>
+              </a:solidFill>
               <a:latin typeface="Teko"/>
               <a:ea typeface="Teko"/>
               <a:cs typeface="Teko"/>
               <a:sym typeface="Teko"/>
             </a:endParaRPr>
-          </a:p>
-          <a:p>
-            <a:pPr indent="0" lvl="0" marL="0" rtl="0" algn="l">
-              <a:spcBef>
-                <a:spcPts val="0"/>
-              </a:spcBef>
-              <a:spcAft>
-                <a:spcPts val="0"/>
-              </a:spcAft>
-              <a:buNone/>
-            </a:pPr>
-            <a:r>
-              <a:t/>
-            </a:r>
-            <a:endParaRPr sz="3000">
-              <a:latin typeface="Teko"/>
-              <a:ea typeface="Teko"/>
-              <a:cs typeface="Teko"/>
-              <a:sym typeface="Teko"/>
-            </a:endParaRPr>
-          </a:p>
-        </p:txBody>
-      </p:sp>
-      <p:sp>
-        <p:nvSpPr>
-          <p:cNvPr id="350" name="Google Shape;350;p46"/>
-          <p:cNvSpPr txBox="1"/>
-          <p:nvPr/>
-        </p:nvSpPr>
-        <p:spPr>
-          <a:xfrm>
-            <a:off x="1984800" y="2135425"/>
-            <a:ext cx="8578200" cy="2381700"/>
-          </a:xfrm>
-          <a:prstGeom prst="rect">
-            <a:avLst/>
-          </a:prstGeom>
-          <a:noFill/>
-          <a:ln>
-            <a:noFill/>
-          </a:ln>
-        </p:spPr>
-        <p:txBody>
-          <a:bodyPr anchorCtr="0" anchor="t" bIns="91425" lIns="91425" spcFirstLastPara="1" rIns="91425" wrap="square" tIns="91425">
-            <a:noAutofit/>
-          </a:bodyPr>
-          <a:lstStyle/>
-          <a:p>
-            <a:pPr indent="0" lvl="0" marL="0" rtl="0" algn="l">
-              <a:spcBef>
-                <a:spcPts val="0"/>
-              </a:spcBef>
-              <a:spcAft>
-                <a:spcPts val="0"/>
-              </a:spcAft>
-              <a:buNone/>
-            </a:pPr>
-            <a:r>
-              <a:rPr lang="en-US" sz="1800"/>
-              <a:t>Time Estimation: 5 hours.</a:t>
-            </a:r>
-            <a:endParaRPr sz="1800"/>
-          </a:p>
-          <a:p>
-            <a:pPr indent="0" lvl="0" marL="0" rtl="0" algn="l">
-              <a:spcBef>
-                <a:spcPts val="0"/>
-              </a:spcBef>
-              <a:spcAft>
-                <a:spcPts val="0"/>
-              </a:spcAft>
-              <a:buNone/>
-            </a:pPr>
-            <a:r>
-              <a:t/>
-            </a:r>
-            <a:endParaRPr sz="1800"/>
-          </a:p>
-          <a:p>
-            <a:pPr indent="0" lvl="0" marL="0" rtl="0" algn="l">
-              <a:spcBef>
-                <a:spcPts val="0"/>
-              </a:spcBef>
-              <a:spcAft>
-                <a:spcPts val="0"/>
-              </a:spcAft>
-              <a:buNone/>
-            </a:pPr>
-            <a:r>
-              <a:rPr lang="en-US" sz="1800"/>
-              <a:t>Owner: Denis Nastic.</a:t>
-            </a:r>
-            <a:endParaRPr sz="1800"/>
-          </a:p>
-          <a:p>
-            <a:pPr indent="0" lvl="0" marL="0" rtl="0" algn="l">
-              <a:spcBef>
-                <a:spcPts val="0"/>
-              </a:spcBef>
-              <a:spcAft>
-                <a:spcPts val="0"/>
-              </a:spcAft>
-              <a:buNone/>
-            </a:pPr>
-            <a:r>
-              <a:t/>
-            </a:r>
-            <a:endParaRPr sz="1800"/>
-          </a:p>
-          <a:p>
-            <a:pPr indent="0" lvl="0" marL="0" rtl="0" algn="l">
-              <a:spcBef>
-                <a:spcPts val="0"/>
-              </a:spcBef>
-              <a:spcAft>
-                <a:spcPts val="0"/>
-              </a:spcAft>
-              <a:buNone/>
-            </a:pPr>
-            <a:r>
-              <a:rPr lang="en-US" sz="1800"/>
-              <a:t>Frameworks: Firebase, Android Studio</a:t>
-            </a:r>
-            <a:endParaRPr sz="1800"/>
-          </a:p>
-          <a:p>
-            <a:pPr indent="0" lvl="0" marL="0" rtl="0" algn="l">
-              <a:spcBef>
-                <a:spcPts val="0"/>
-              </a:spcBef>
-              <a:spcAft>
-                <a:spcPts val="0"/>
-              </a:spcAft>
-              <a:buNone/>
-            </a:pPr>
-            <a:r>
-              <a:t/>
-            </a:r>
-            <a:endParaRPr sz="1800"/>
-          </a:p>
-          <a:p>
-            <a:pPr indent="0" lvl="0" marL="0" rtl="0" algn="l">
-              <a:spcBef>
-                <a:spcPts val="0"/>
-              </a:spcBef>
-              <a:spcAft>
-                <a:spcPts val="0"/>
-              </a:spcAft>
-              <a:buNone/>
-            </a:pPr>
-            <a:r>
-              <a:rPr lang="en-US" sz="1800"/>
-              <a:t>Risks: None.</a:t>
-            </a:r>
-            <a:endParaRPr sz="1800"/>
           </a:p>
         </p:txBody>
       </p:sp>
@@ -24556,7 +24314,7 @@
   <p:cSld>
     <p:spTree>
       <p:nvGrpSpPr>
-        <p:cNvPr id="354" name="Shape 354"/>
+        <p:cNvPr id="351" name="Shape 351"/>
         <p:cNvGrpSpPr/>
         <p:nvPr/>
       </p:nvGrpSpPr>
@@ -24570,14 +24328,14 @@
       </p:grpSpPr>
       <p:sp>
         <p:nvSpPr>
-          <p:cNvPr id="355" name="Google Shape;355;p47"/>
+          <p:cNvPr id="352" name="Google Shape;352;p47"/>
           <p:cNvSpPr txBox="1"/>
           <p:nvPr/>
         </p:nvSpPr>
         <p:spPr>
           <a:xfrm>
-            <a:off x="1984800" y="698125"/>
-            <a:ext cx="10207200" cy="1437300"/>
+            <a:off x="1724850" y="725550"/>
+            <a:ext cx="8742300" cy="1505700"/>
           </a:xfrm>
           <a:prstGeom prst="rect">
             <a:avLst/>
@@ -24609,32 +24367,20 @@
             </a:pPr>
             <a:r>
               <a:rPr lang="en-US" sz="3000">
+                <a:solidFill>
+                  <a:schemeClr val="dk1"/>
+                </a:solidFill>
                 <a:latin typeface="Teko"/>
                 <a:ea typeface="Teko"/>
                 <a:cs typeface="Teko"/>
                 <a:sym typeface="Teko"/>
               </a:rPr>
-              <a:t>“</a:t>
-            </a:r>
-            <a:r>
-              <a:rPr lang="en-US" sz="3000">
-                <a:latin typeface="Teko"/>
-                <a:ea typeface="Teko"/>
-                <a:cs typeface="Teko"/>
-                <a:sym typeface="Teko"/>
-              </a:rPr>
-              <a:t>As a user I want to see the content in my preferred language (Hebrew,English)</a:t>
-            </a:r>
-            <a:r>
-              <a:rPr lang="en-US" sz="3000">
-                <a:latin typeface="Teko"/>
-                <a:ea typeface="Teko"/>
-                <a:cs typeface="Teko"/>
-                <a:sym typeface="Teko"/>
-              </a:rPr>
-              <a:t>.”</a:t>
+              <a:t>“As a user I want to see the data about a course as it is shown in the UG website.”</a:t>
             </a:r>
             <a:endParaRPr sz="3000">
+              <a:solidFill>
+                <a:schemeClr val="dk1"/>
+              </a:solidFill>
               <a:latin typeface="Teko"/>
               <a:ea typeface="Teko"/>
               <a:cs typeface="Teko"/>
@@ -24642,7 +24388,7 @@
             </a:endParaRPr>
           </a:p>
           <a:p>
-            <a:pPr indent="0" lvl="0" marL="0" rtl="0" algn="l">
+            <a:pPr indent="0" lvl="0" marL="0" rtl="0" algn="r">
               <a:spcBef>
                 <a:spcPts val="0"/>
               </a:spcBef>
@@ -24655,6 +24401,9 @@
               <a:t/>
             </a:r>
             <a:endParaRPr sz="3000">
+              <a:solidFill>
+                <a:schemeClr val="dk1"/>
+              </a:solidFill>
               <a:latin typeface="Teko"/>
               <a:ea typeface="Teko"/>
               <a:cs typeface="Teko"/>
@@ -24665,14 +24414,14 @@
       </p:sp>
       <p:sp>
         <p:nvSpPr>
-          <p:cNvPr id="356" name="Google Shape;356;p47"/>
+          <p:cNvPr id="353" name="Google Shape;353;p47"/>
           <p:cNvSpPr txBox="1"/>
           <p:nvPr/>
         </p:nvSpPr>
         <p:spPr>
           <a:xfrm>
-            <a:off x="1984800" y="2135425"/>
-            <a:ext cx="8578200" cy="2381700"/>
+            <a:off x="3057150" y="2365350"/>
+            <a:ext cx="6077700" cy="2127300"/>
           </a:xfrm>
           <a:prstGeom prst="rect">
             <a:avLst/>
@@ -24695,83 +24444,26 @@
               <a:spcAft>
                 <a:spcPts val="0"/>
               </a:spcAft>
-              <a:buNone/>
-            </a:pPr>
-            <a:r>
-              <a:rPr lang="en-US" sz="1800"/>
-              <a:t>Time Estimation: 3 hours.</a:t>
-            </a:r>
-            <a:endParaRPr sz="1800"/>
-          </a:p>
-          <a:p>
-            <a:pPr indent="0" lvl="0" marL="0" rtl="0" algn="l">
-              <a:spcBef>
-                <a:spcPts val="0"/>
-              </a:spcBef>
-              <a:spcAft>
-                <a:spcPts val="0"/>
-              </a:spcAft>
-              <a:buNone/>
-            </a:pPr>
-            <a:r>
-              <a:t/>
-            </a:r>
-            <a:endParaRPr sz="1800"/>
-          </a:p>
-          <a:p>
-            <a:pPr indent="0" lvl="0" marL="0" rtl="0" algn="l">
-              <a:spcBef>
-                <a:spcPts val="0"/>
-              </a:spcBef>
-              <a:spcAft>
-                <a:spcPts val="0"/>
-              </a:spcAft>
-              <a:buNone/>
-            </a:pPr>
-            <a:r>
-              <a:rPr lang="en-US" sz="1800"/>
-              <a:t>Owner: Denis Nastic.</a:t>
-            </a:r>
-            <a:endParaRPr sz="1800"/>
-          </a:p>
-          <a:p>
-            <a:pPr indent="0" lvl="0" marL="0" rtl="0" algn="l">
-              <a:spcBef>
-                <a:spcPts val="0"/>
-              </a:spcBef>
-              <a:spcAft>
-                <a:spcPts val="0"/>
-              </a:spcAft>
-              <a:buNone/>
-            </a:pPr>
-            <a:r>
-              <a:t/>
-            </a:r>
-            <a:endParaRPr sz="1800"/>
-          </a:p>
-          <a:p>
-            <a:pPr indent="0" lvl="0" marL="0" rtl="0" algn="l">
-              <a:spcBef>
-                <a:spcPts val="0"/>
-              </a:spcBef>
-              <a:spcAft>
-                <a:spcPts val="0"/>
-              </a:spcAft>
-              <a:buNone/>
-            </a:pPr>
-            <a:r>
-              <a:rPr lang="en-US" sz="1800"/>
-              <a:t>Frameworks: Android Studio, </a:t>
-            </a:r>
+              <a:buClr>
+                <a:schemeClr val="dk1"/>
+              </a:buClr>
+              <a:buSzPts val="1100"/>
+              <a:buFont typeface="Arial"/>
+              <a:buNone/>
+            </a:pPr>
             <a:r>
               <a:rPr lang="en-US" sz="1800">
                 <a:solidFill>
                   <a:schemeClr val="dk1"/>
                 </a:solidFill>
               </a:rPr>
-              <a:t>App language management framework.</a:t>
-            </a:r>
-            <a:endParaRPr sz="1800"/>
+              <a:t>Time Estimation: 2 hours</a:t>
+            </a:r>
+            <a:endParaRPr sz="1800">
+              <a:solidFill>
+                <a:schemeClr val="dk1"/>
+              </a:solidFill>
+            </a:endParaRPr>
           </a:p>
           <a:p>
             <a:pPr indent="0" lvl="0" marL="0" rtl="0" algn="l">
@@ -24781,12 +24473,21 @@
               <a:spcAft>
                 <a:spcPts val="0"/>
               </a:spcAft>
+              <a:buClr>
+                <a:schemeClr val="dk1"/>
+              </a:buClr>
+              <a:buSzPts val="1100"/>
+              <a:buFont typeface="Arial"/>
               <a:buNone/>
             </a:pPr>
             <a:r>
               <a:t/>
             </a:r>
-            <a:endParaRPr sz="1800"/>
+            <a:endParaRPr sz="1800">
+              <a:solidFill>
+                <a:schemeClr val="dk1"/>
+              </a:solidFill>
+            </a:endParaRPr>
           </a:p>
           <a:p>
             <a:pPr indent="0" lvl="0" marL="0" rtl="0" algn="l">
@@ -24796,13 +24497,151 @@
               <a:spcAft>
                 <a:spcPts val="0"/>
               </a:spcAft>
-              <a:buNone/>
-            </a:pPr>
-            <a:r>
-              <a:rPr lang="en-US" sz="1800"/>
-              <a:t>Risks: None.</a:t>
-            </a:r>
-            <a:endParaRPr sz="1800"/>
+              <a:buClr>
+                <a:schemeClr val="dk1"/>
+              </a:buClr>
+              <a:buSzPts val="1100"/>
+              <a:buFont typeface="Arial"/>
+              <a:buNone/>
+            </a:pPr>
+            <a:r>
+              <a:rPr lang="en-US" sz="1800">
+                <a:solidFill>
+                  <a:schemeClr val="dk1"/>
+                </a:solidFill>
+              </a:rPr>
+              <a:t>Owner: Amit Sdeor</a:t>
+            </a:r>
+            <a:endParaRPr sz="1800">
+              <a:solidFill>
+                <a:schemeClr val="dk1"/>
+              </a:solidFill>
+            </a:endParaRPr>
+          </a:p>
+          <a:p>
+            <a:pPr indent="0" lvl="0" marL="0" rtl="0" algn="l">
+              <a:spcBef>
+                <a:spcPts val="0"/>
+              </a:spcBef>
+              <a:spcAft>
+                <a:spcPts val="0"/>
+              </a:spcAft>
+              <a:buClr>
+                <a:schemeClr val="dk1"/>
+              </a:buClr>
+              <a:buSzPts val="1100"/>
+              <a:buFont typeface="Arial"/>
+              <a:buNone/>
+            </a:pPr>
+            <a:r>
+              <a:t/>
+            </a:r>
+            <a:endParaRPr sz="1800">
+              <a:solidFill>
+                <a:schemeClr val="dk1"/>
+              </a:solidFill>
+            </a:endParaRPr>
+          </a:p>
+          <a:p>
+            <a:pPr indent="0" lvl="0" marL="0" rtl="0" algn="l">
+              <a:spcBef>
+                <a:spcPts val="0"/>
+              </a:spcBef>
+              <a:spcAft>
+                <a:spcPts val="0"/>
+              </a:spcAft>
+              <a:buClr>
+                <a:schemeClr val="dk1"/>
+              </a:buClr>
+              <a:buSzPts val="1100"/>
+              <a:buFont typeface="Arial"/>
+              <a:buNone/>
+            </a:pPr>
+            <a:r>
+              <a:rPr lang="en-US" sz="1800">
+                <a:solidFill>
+                  <a:schemeClr val="dk1"/>
+                </a:solidFill>
+              </a:rPr>
+              <a:t>Frameworks: Python, javascript</a:t>
+            </a:r>
+            <a:endParaRPr sz="1800">
+              <a:solidFill>
+                <a:schemeClr val="dk1"/>
+              </a:solidFill>
+            </a:endParaRPr>
+          </a:p>
+          <a:p>
+            <a:pPr indent="0" lvl="0" marL="0" rtl="0" algn="l">
+              <a:spcBef>
+                <a:spcPts val="0"/>
+              </a:spcBef>
+              <a:spcAft>
+                <a:spcPts val="0"/>
+              </a:spcAft>
+              <a:buClr>
+                <a:schemeClr val="dk1"/>
+              </a:buClr>
+              <a:buSzPts val="1100"/>
+              <a:buFont typeface="Arial"/>
+              <a:buNone/>
+            </a:pPr>
+            <a:r>
+              <a:t/>
+            </a:r>
+            <a:endParaRPr sz="1800">
+              <a:solidFill>
+                <a:schemeClr val="dk1"/>
+              </a:solidFill>
+            </a:endParaRPr>
+          </a:p>
+          <a:p>
+            <a:pPr indent="0" lvl="0" marL="0" rtl="0" algn="l">
+              <a:spcBef>
+                <a:spcPts val="0"/>
+              </a:spcBef>
+              <a:spcAft>
+                <a:spcPts val="0"/>
+              </a:spcAft>
+              <a:buClr>
+                <a:schemeClr val="dk1"/>
+              </a:buClr>
+              <a:buSzPts val="1100"/>
+              <a:buFont typeface="Arial"/>
+              <a:buNone/>
+            </a:pPr>
+            <a:r>
+              <a:rPr lang="en-US" sz="1800">
+                <a:solidFill>
+                  <a:schemeClr val="dk1"/>
+                </a:solidFill>
+              </a:rPr>
+              <a:t>Risks: Depends on the UG website being available.</a:t>
+            </a:r>
+            <a:endParaRPr sz="1800">
+              <a:solidFill>
+                <a:schemeClr val="dk1"/>
+              </a:solidFill>
+            </a:endParaRPr>
+          </a:p>
+          <a:p>
+            <a:pPr indent="0" lvl="0" marL="0" rtl="0" algn="l">
+              <a:spcBef>
+                <a:spcPts val="0"/>
+              </a:spcBef>
+              <a:spcAft>
+                <a:spcPts val="0"/>
+              </a:spcAft>
+              <a:buNone/>
+            </a:pPr>
+            <a:r>
+              <a:t/>
+            </a:r>
+            <a:endParaRPr sz="1800">
+              <a:solidFill>
+                <a:schemeClr val="dk1"/>
+              </a:solidFill>
+            </a:endParaRPr>
           </a:p>
         </p:txBody>
       </p:sp>
@@ -25237,7 +25076,7 @@
   <p:cSld>
     <p:spTree>
       <p:nvGrpSpPr>
-        <p:cNvPr id="360" name="Shape 360"/>
+        <p:cNvPr id="357" name="Shape 357"/>
         <p:cNvGrpSpPr/>
         <p:nvPr/>
       </p:nvGrpSpPr>
@@ -25251,7 +25090,7 @@
       </p:grpSpPr>
       <p:sp>
         <p:nvSpPr>
-          <p:cNvPr id="361" name="Google Shape;361;p48"/>
+          <p:cNvPr id="358" name="Google Shape;358;p48"/>
           <p:cNvSpPr txBox="1"/>
           <p:nvPr/>
         </p:nvSpPr>
@@ -25281,11 +25120,6 @@
               <a:spcAft>
                 <a:spcPts val="0"/>
               </a:spcAft>
-              <a:buClr>
-                <a:schemeClr val="dk1"/>
-              </a:buClr>
-              <a:buSzPts val="1100"/>
-              <a:buFont typeface="Arial"/>
               <a:buNone/>
             </a:pPr>
             <a:r>
@@ -25304,7 +25138,242 @@
                 <a:cs typeface="Teko"/>
                 <a:sym typeface="Teko"/>
               </a:rPr>
-              <a:t>As a user I want to get the app's content in my language(Arabic,Russian,Spanish,French,Chinese)</a:t>
+              <a:t>As a user I want to see my match ratio for a certain course.</a:t>
+            </a:r>
+            <a:r>
+              <a:rPr lang="en-US" sz="3000">
+                <a:latin typeface="Teko"/>
+                <a:ea typeface="Teko"/>
+                <a:cs typeface="Teko"/>
+                <a:sym typeface="Teko"/>
+              </a:rPr>
+              <a:t>”</a:t>
+            </a:r>
+            <a:endParaRPr sz="3000">
+              <a:latin typeface="Teko"/>
+              <a:ea typeface="Teko"/>
+              <a:cs typeface="Teko"/>
+              <a:sym typeface="Teko"/>
+            </a:endParaRPr>
+          </a:p>
+        </p:txBody>
+      </p:sp>
+      <p:sp>
+        <p:nvSpPr>
+          <p:cNvPr id="359" name="Google Shape;359;p48"/>
+          <p:cNvSpPr txBox="1"/>
+          <p:nvPr/>
+        </p:nvSpPr>
+        <p:spPr>
+          <a:xfrm>
+            <a:off x="1984800" y="2135425"/>
+            <a:ext cx="8578200" cy="2381700"/>
+          </a:xfrm>
+          <a:prstGeom prst="rect">
+            <a:avLst/>
+          </a:prstGeom>
+          <a:noFill/>
+          <a:ln>
+            <a:noFill/>
+          </a:ln>
+        </p:spPr>
+        <p:txBody>
+          <a:bodyPr anchorCtr="0" anchor="t" bIns="91425" lIns="91425" spcFirstLastPara="1" rIns="91425" wrap="square" tIns="91425">
+            <a:noAutofit/>
+          </a:bodyPr>
+          <a:lstStyle/>
+          <a:p>
+            <a:pPr indent="0" lvl="0" marL="0" rtl="0" algn="l">
+              <a:spcBef>
+                <a:spcPts val="0"/>
+              </a:spcBef>
+              <a:spcAft>
+                <a:spcPts val="0"/>
+              </a:spcAft>
+              <a:buNone/>
+            </a:pPr>
+            <a:r>
+              <a:rPr lang="en-US" sz="1800"/>
+              <a:t>Time Estimation: 4 hours.</a:t>
+            </a:r>
+            <a:endParaRPr sz="1800"/>
+          </a:p>
+          <a:p>
+            <a:pPr indent="0" lvl="0" marL="0" rtl="0" algn="l">
+              <a:spcBef>
+                <a:spcPts val="0"/>
+              </a:spcBef>
+              <a:spcAft>
+                <a:spcPts val="0"/>
+              </a:spcAft>
+              <a:buNone/>
+            </a:pPr>
+            <a:r>
+              <a:t/>
+            </a:r>
+            <a:endParaRPr sz="1800"/>
+          </a:p>
+          <a:p>
+            <a:pPr indent="0" lvl="0" marL="0" rtl="0" algn="l">
+              <a:spcBef>
+                <a:spcPts val="0"/>
+              </a:spcBef>
+              <a:spcAft>
+                <a:spcPts val="0"/>
+              </a:spcAft>
+              <a:buNone/>
+            </a:pPr>
+            <a:r>
+              <a:rPr lang="en-US" sz="1800"/>
+              <a:t>Owner: Roy Hirsch</a:t>
+            </a:r>
+            <a:endParaRPr sz="1800"/>
+          </a:p>
+          <a:p>
+            <a:pPr indent="0" lvl="0" marL="0" rtl="0" algn="l">
+              <a:spcBef>
+                <a:spcPts val="0"/>
+              </a:spcBef>
+              <a:spcAft>
+                <a:spcPts val="0"/>
+              </a:spcAft>
+              <a:buNone/>
+            </a:pPr>
+            <a:r>
+              <a:t/>
+            </a:r>
+            <a:endParaRPr sz="1800"/>
+          </a:p>
+          <a:p>
+            <a:pPr indent="0" lvl="0" marL="0" rtl="0" algn="l">
+              <a:spcBef>
+                <a:spcPts val="0"/>
+              </a:spcBef>
+              <a:spcAft>
+                <a:spcPts val="0"/>
+              </a:spcAft>
+              <a:buNone/>
+            </a:pPr>
+            <a:r>
+              <a:rPr lang="en-US" sz="1800"/>
+              <a:t>Frameworks: Firebase, Android Studio</a:t>
+            </a:r>
+            <a:endParaRPr sz="1800"/>
+          </a:p>
+          <a:p>
+            <a:pPr indent="0" lvl="0" marL="0" rtl="0" algn="l">
+              <a:spcBef>
+                <a:spcPts val="0"/>
+              </a:spcBef>
+              <a:spcAft>
+                <a:spcPts val="0"/>
+              </a:spcAft>
+              <a:buNone/>
+            </a:pPr>
+            <a:r>
+              <a:t/>
+            </a:r>
+            <a:endParaRPr sz="1800"/>
+          </a:p>
+          <a:p>
+            <a:pPr indent="0" lvl="0" marL="0" rtl="0" algn="l">
+              <a:spcBef>
+                <a:spcPts val="0"/>
+              </a:spcBef>
+              <a:spcAft>
+                <a:spcPts val="0"/>
+              </a:spcAft>
+              <a:buNone/>
+            </a:pPr>
+            <a:r>
+              <a:rPr lang="en-US" sz="1800"/>
+              <a:t>Risks: None.</a:t>
+            </a:r>
+            <a:endParaRPr sz="1800"/>
+          </a:p>
+        </p:txBody>
+      </p:sp>
+    </p:spTree>
+  </p:cSld>
+  <p:clrMapOvr>
+    <a:masterClrMapping/>
+  </p:clrMapOvr>
+</p:sld>
+</file>
+
+<file path=ppt/slides/slide31.xml><?xml version="1.0" encoding="utf-8"?>
+<p:sld xmlns:a="http://schemas.openxmlformats.org/drawingml/2006/main" xmlns:r="http://schemas.openxmlformats.org/officeDocument/2006/relationships" xmlns:mc="http://schemas.openxmlformats.org/markup-compatibility/2006" xmlns:mv="urn:schemas-microsoft-com:mac:vml" xmlns:p="http://schemas.openxmlformats.org/presentationml/2006/main" xmlns:c="http://schemas.openxmlformats.org/drawingml/2006/chart" xmlns:dgm="http://schemas.openxmlformats.org/drawingml/2006/diagram" xmlns:o="urn:schemas-microsoft-com:office:office" xmlns:v="urn:schemas-microsoft-com:vml" xmlns:pvml="urn:schemas-microsoft-com:office:powerpoint" xmlns:com="http://schemas.openxmlformats.org/drawingml/2006/compatibility" xmlns:p14="http://schemas.microsoft.com/office/powerpoint/2010/main" xmlns:p15="http://schemas.microsoft.com/office/powerpoint/2012/main">
+  <p:cSld>
+    <p:spTree>
+      <p:nvGrpSpPr>
+        <p:cNvPr id="363" name="Shape 363"/>
+        <p:cNvGrpSpPr/>
+        <p:nvPr/>
+      </p:nvGrpSpPr>
+      <p:grpSpPr>
+        <a:xfrm>
+          <a:off x="0" y="0"/>
+          <a:ext cx="0" cy="0"/>
+          <a:chOff x="0" y="0"/>
+          <a:chExt cx="0" cy="0"/>
+        </a:xfrm>
+      </p:grpSpPr>
+      <p:sp>
+        <p:nvSpPr>
+          <p:cNvPr id="364" name="Google Shape;364;p49"/>
+          <p:cNvSpPr txBox="1"/>
+          <p:nvPr/>
+        </p:nvSpPr>
+        <p:spPr>
+          <a:xfrm>
+            <a:off x="1984800" y="698125"/>
+            <a:ext cx="10207200" cy="1437300"/>
+          </a:xfrm>
+          <a:prstGeom prst="rect">
+            <a:avLst/>
+          </a:prstGeom>
+          <a:noFill/>
+          <a:ln>
+            <a:noFill/>
+          </a:ln>
+        </p:spPr>
+        <p:txBody>
+          <a:bodyPr anchorCtr="0" anchor="t" bIns="91425" lIns="91425" spcFirstLastPara="1" rIns="91425" wrap="square" tIns="91425">
+            <a:noAutofit/>
+          </a:bodyPr>
+          <a:lstStyle/>
+          <a:p>
+            <a:pPr indent="0" lvl="0" marL="0" rtl="0" algn="l">
+              <a:spcBef>
+                <a:spcPts val="0"/>
+              </a:spcBef>
+              <a:spcAft>
+                <a:spcPts val="0"/>
+              </a:spcAft>
+              <a:buClr>
+                <a:schemeClr val="dk1"/>
+              </a:buClr>
+              <a:buSzPts val="1100"/>
+              <a:buFont typeface="Arial"/>
+              <a:buNone/>
+            </a:pPr>
+            <a:r>
+              <a:rPr lang="en-US" sz="3000">
+                <a:latin typeface="Teko"/>
+                <a:ea typeface="Teko"/>
+                <a:cs typeface="Teko"/>
+                <a:sym typeface="Teko"/>
+              </a:rPr>
+              <a:t>“</a:t>
+            </a:r>
+            <a:r>
+              <a:rPr lang="en-US" sz="3000">
+                <a:latin typeface="Teko"/>
+                <a:ea typeface="Teko"/>
+                <a:cs typeface="Teko"/>
+                <a:sym typeface="Teko"/>
+              </a:rPr>
+              <a:t>As a user I want to report a problem in the system or the data, and to make improvement suggestions.</a:t>
             </a:r>
             <a:r>
               <a:rPr lang="en-US" sz="3000">
@@ -25346,7 +25415,262 @@
       </p:sp>
       <p:sp>
         <p:nvSpPr>
-          <p:cNvPr id="362" name="Google Shape;362;p48"/>
+          <p:cNvPr id="365" name="Google Shape;365;p49"/>
+          <p:cNvSpPr txBox="1"/>
+          <p:nvPr/>
+        </p:nvSpPr>
+        <p:spPr>
+          <a:xfrm>
+            <a:off x="1984800" y="2135425"/>
+            <a:ext cx="8578200" cy="2381700"/>
+          </a:xfrm>
+          <a:prstGeom prst="rect">
+            <a:avLst/>
+          </a:prstGeom>
+          <a:noFill/>
+          <a:ln>
+            <a:noFill/>
+          </a:ln>
+        </p:spPr>
+        <p:txBody>
+          <a:bodyPr anchorCtr="0" anchor="t" bIns="91425" lIns="91425" spcFirstLastPara="1" rIns="91425" wrap="square" tIns="91425">
+            <a:noAutofit/>
+          </a:bodyPr>
+          <a:lstStyle/>
+          <a:p>
+            <a:pPr indent="0" lvl="0" marL="0" rtl="0" algn="l">
+              <a:spcBef>
+                <a:spcPts val="0"/>
+              </a:spcBef>
+              <a:spcAft>
+                <a:spcPts val="0"/>
+              </a:spcAft>
+              <a:buNone/>
+            </a:pPr>
+            <a:r>
+              <a:rPr lang="en-US" sz="1800"/>
+              <a:t>Time Estimation: 3 hours.</a:t>
+            </a:r>
+            <a:endParaRPr sz="1800"/>
+          </a:p>
+          <a:p>
+            <a:pPr indent="0" lvl="0" marL="0" rtl="0" algn="l">
+              <a:spcBef>
+                <a:spcPts val="0"/>
+              </a:spcBef>
+              <a:spcAft>
+                <a:spcPts val="0"/>
+              </a:spcAft>
+              <a:buNone/>
+            </a:pPr>
+            <a:r>
+              <a:t/>
+            </a:r>
+            <a:endParaRPr sz="1800"/>
+          </a:p>
+          <a:p>
+            <a:pPr indent="0" lvl="0" marL="0" rtl="0" algn="l">
+              <a:spcBef>
+                <a:spcPts val="0"/>
+              </a:spcBef>
+              <a:spcAft>
+                <a:spcPts val="0"/>
+              </a:spcAft>
+              <a:buNone/>
+            </a:pPr>
+            <a:r>
+              <a:rPr lang="en-US" sz="1800"/>
+              <a:t>Owner: Denis Nastic.</a:t>
+            </a:r>
+            <a:endParaRPr sz="1800"/>
+          </a:p>
+          <a:p>
+            <a:pPr indent="0" lvl="0" marL="0" rtl="0" algn="l">
+              <a:spcBef>
+                <a:spcPts val="0"/>
+              </a:spcBef>
+              <a:spcAft>
+                <a:spcPts val="0"/>
+              </a:spcAft>
+              <a:buNone/>
+            </a:pPr>
+            <a:r>
+              <a:t/>
+            </a:r>
+            <a:endParaRPr sz="1800"/>
+          </a:p>
+          <a:p>
+            <a:pPr indent="0" lvl="0" marL="0" rtl="0" algn="l">
+              <a:spcBef>
+                <a:spcPts val="0"/>
+              </a:spcBef>
+              <a:spcAft>
+                <a:spcPts val="0"/>
+              </a:spcAft>
+              <a:buNone/>
+            </a:pPr>
+            <a:r>
+              <a:rPr lang="en-US" sz="1800"/>
+              <a:t>Frameworks: Firebase, Android Studio</a:t>
+            </a:r>
+            <a:endParaRPr sz="1800"/>
+          </a:p>
+          <a:p>
+            <a:pPr indent="0" lvl="0" marL="0" rtl="0" algn="l">
+              <a:spcBef>
+                <a:spcPts val="0"/>
+              </a:spcBef>
+              <a:spcAft>
+                <a:spcPts val="0"/>
+              </a:spcAft>
+              <a:buNone/>
+            </a:pPr>
+            <a:r>
+              <a:t/>
+            </a:r>
+            <a:endParaRPr sz="1800"/>
+          </a:p>
+          <a:p>
+            <a:pPr indent="0" lvl="0" marL="0" rtl="0" algn="l">
+              <a:spcBef>
+                <a:spcPts val="0"/>
+              </a:spcBef>
+              <a:spcAft>
+                <a:spcPts val="0"/>
+              </a:spcAft>
+              <a:buNone/>
+            </a:pPr>
+            <a:r>
+              <a:rPr lang="en-US" sz="1800"/>
+              <a:t>Risks: None.</a:t>
+            </a:r>
+            <a:endParaRPr sz="1800"/>
+          </a:p>
+        </p:txBody>
+      </p:sp>
+    </p:spTree>
+  </p:cSld>
+  <p:clrMapOvr>
+    <a:masterClrMapping/>
+  </p:clrMapOvr>
+</p:sld>
+</file>
+
+<file path=ppt/slides/slide32.xml><?xml version="1.0" encoding="utf-8"?>
+<p:sld xmlns:a="http://schemas.openxmlformats.org/drawingml/2006/main" xmlns:r="http://schemas.openxmlformats.org/officeDocument/2006/relationships" xmlns:mc="http://schemas.openxmlformats.org/markup-compatibility/2006" xmlns:mv="urn:schemas-microsoft-com:mac:vml" xmlns:p="http://schemas.openxmlformats.org/presentationml/2006/main" xmlns:c="http://schemas.openxmlformats.org/drawingml/2006/chart" xmlns:dgm="http://schemas.openxmlformats.org/drawingml/2006/diagram" xmlns:o="urn:schemas-microsoft-com:office:office" xmlns:v="urn:schemas-microsoft-com:vml" xmlns:pvml="urn:schemas-microsoft-com:office:powerpoint" xmlns:com="http://schemas.openxmlformats.org/drawingml/2006/compatibility" xmlns:p14="http://schemas.microsoft.com/office/powerpoint/2010/main" xmlns:p15="http://schemas.microsoft.com/office/powerpoint/2012/main">
+  <p:cSld>
+    <p:spTree>
+      <p:nvGrpSpPr>
+        <p:cNvPr id="369" name="Shape 369"/>
+        <p:cNvGrpSpPr/>
+        <p:nvPr/>
+      </p:nvGrpSpPr>
+      <p:grpSpPr>
+        <a:xfrm>
+          <a:off x="0" y="0"/>
+          <a:ext cx="0" cy="0"/>
+          <a:chOff x="0" y="0"/>
+          <a:chExt cx="0" cy="0"/>
+        </a:xfrm>
+      </p:grpSpPr>
+      <p:sp>
+        <p:nvSpPr>
+          <p:cNvPr id="370" name="Google Shape;370;p50"/>
+          <p:cNvSpPr txBox="1"/>
+          <p:nvPr/>
+        </p:nvSpPr>
+        <p:spPr>
+          <a:xfrm>
+            <a:off x="1984800" y="698125"/>
+            <a:ext cx="10207200" cy="1437300"/>
+          </a:xfrm>
+          <a:prstGeom prst="rect">
+            <a:avLst/>
+          </a:prstGeom>
+          <a:noFill/>
+          <a:ln>
+            <a:noFill/>
+          </a:ln>
+        </p:spPr>
+        <p:txBody>
+          <a:bodyPr anchorCtr="0" anchor="t" bIns="91425" lIns="91425" spcFirstLastPara="1" rIns="91425" wrap="square" tIns="91425">
+            <a:noAutofit/>
+          </a:bodyPr>
+          <a:lstStyle/>
+          <a:p>
+            <a:pPr indent="0" lvl="0" marL="0" rtl="0" algn="l">
+              <a:spcBef>
+                <a:spcPts val="0"/>
+              </a:spcBef>
+              <a:spcAft>
+                <a:spcPts val="0"/>
+              </a:spcAft>
+              <a:buClr>
+                <a:schemeClr val="dk1"/>
+              </a:buClr>
+              <a:buSzPts val="1100"/>
+              <a:buFont typeface="Arial"/>
+              <a:buNone/>
+            </a:pPr>
+            <a:r>
+              <a:rPr lang="en-US" sz="3000">
+                <a:latin typeface="Teko"/>
+                <a:ea typeface="Teko"/>
+                <a:cs typeface="Teko"/>
+                <a:sym typeface="Teko"/>
+              </a:rPr>
+              <a:t>“</a:t>
+            </a:r>
+            <a:r>
+              <a:rPr lang="en-US" sz="3000">
+                <a:latin typeface="Teko"/>
+                <a:ea typeface="Teko"/>
+                <a:cs typeface="Teko"/>
+                <a:sym typeface="Teko"/>
+              </a:rPr>
+              <a:t>As a user I want to get the app's content in my language(Arabic,Russian,Spanish,French,Chinese)</a:t>
+            </a:r>
+            <a:r>
+              <a:rPr lang="en-US" sz="3000">
+                <a:latin typeface="Teko"/>
+                <a:ea typeface="Teko"/>
+                <a:cs typeface="Teko"/>
+                <a:sym typeface="Teko"/>
+              </a:rPr>
+              <a:t>.”</a:t>
+            </a:r>
+            <a:endParaRPr sz="3000">
+              <a:latin typeface="Teko"/>
+              <a:ea typeface="Teko"/>
+              <a:cs typeface="Teko"/>
+              <a:sym typeface="Teko"/>
+            </a:endParaRPr>
+          </a:p>
+          <a:p>
+            <a:pPr indent="0" lvl="0" marL="0" rtl="0" algn="l">
+              <a:spcBef>
+                <a:spcPts val="0"/>
+              </a:spcBef>
+              <a:spcAft>
+                <a:spcPts val="0"/>
+              </a:spcAft>
+              <a:buNone/>
+            </a:pPr>
+            <a:r>
+              <a:t/>
+            </a:r>
+            <a:endParaRPr sz="3000">
+              <a:latin typeface="Teko"/>
+              <a:ea typeface="Teko"/>
+              <a:cs typeface="Teko"/>
+              <a:sym typeface="Teko"/>
+            </a:endParaRPr>
+          </a:p>
+        </p:txBody>
+      </p:sp>
+      <p:sp>
+        <p:nvSpPr>
+          <p:cNvPr id="371" name="Google Shape;371;p50"/>
           <p:cNvSpPr txBox="1"/>
           <p:nvPr/>
         </p:nvSpPr>
@@ -28238,8 +28562,8 @@
         </p:nvSpPr>
         <p:spPr>
           <a:xfrm>
-            <a:off x="1648650" y="725550"/>
-            <a:ext cx="8905200" cy="1505700"/>
+            <a:off x="0" y="2665058"/>
+            <a:ext cx="12192000" cy="1283700"/>
           </a:xfrm>
           <a:prstGeom prst="rect">
             <a:avLst/>
@@ -28250,170 +28574,46 @@
           </a:ln>
         </p:spPr>
         <p:txBody>
-          <a:bodyPr anchorCtr="0" anchor="t" bIns="91425" lIns="91425" spcFirstLastPara="1" rIns="91425" wrap="square" tIns="91425">
+          <a:bodyPr anchorCtr="0" anchor="t" bIns="45700" lIns="91425" spcFirstLastPara="1" rIns="91425" wrap="square" tIns="45700">
             <a:noAutofit/>
           </a:bodyPr>
           <a:lstStyle/>
           <a:p>
-            <a:pPr indent="0" lvl="0" marL="0" rtl="0" algn="l">
-              <a:spcBef>
-                <a:spcPts val="0"/>
-              </a:spcBef>
-              <a:spcAft>
-                <a:spcPts val="0"/>
-              </a:spcAft>
-              <a:buNone/>
-            </a:pPr>
-            <a:r>
-              <a:rPr lang="en-US" sz="3000">
+            <a:pPr indent="0" lvl="0" marL="0" marR="0" rtl="1" algn="ctr">
+              <a:spcBef>
+                <a:spcPts val="0"/>
+              </a:spcBef>
+              <a:spcAft>
+                <a:spcPts val="0"/>
+              </a:spcAft>
+              <a:buClr>
+                <a:schemeClr val="dk1"/>
+              </a:buClr>
+              <a:buSzPts val="4000"/>
+              <a:buFont typeface="Teko"/>
+              <a:buNone/>
+            </a:pPr>
+            <a:r>
+              <a:rPr lang="en-US" sz="9600">
+                <a:solidFill>
+                  <a:schemeClr val="dk1"/>
+                </a:solidFill>
                 <a:latin typeface="Teko"/>
                 <a:ea typeface="Teko"/>
                 <a:cs typeface="Teko"/>
                 <a:sym typeface="Teko"/>
               </a:rPr>
-              <a:t>“As a user I want to get recommendations for courses that might interest me”</a:t>
-            </a:r>
-            <a:endParaRPr sz="3000">
+              <a:t>Sprint 1</a:t>
+            </a:r>
+            <a:endParaRPr sz="9600" cap="none">
+              <a:solidFill>
+                <a:schemeClr val="dk1"/>
+              </a:solidFill>
               <a:latin typeface="Teko"/>
               <a:ea typeface="Teko"/>
               <a:cs typeface="Teko"/>
               <a:sym typeface="Teko"/>
             </a:endParaRPr>
-          </a:p>
-        </p:txBody>
-      </p:sp>
-      <p:sp>
-        <p:nvSpPr>
-          <p:cNvPr id="236" name="Google Shape;236;p27"/>
-          <p:cNvSpPr txBox="1"/>
-          <p:nvPr/>
-        </p:nvSpPr>
-        <p:spPr>
-          <a:xfrm>
-            <a:off x="3057150" y="2365350"/>
-            <a:ext cx="6077700" cy="2127300"/>
-          </a:xfrm>
-          <a:prstGeom prst="rect">
-            <a:avLst/>
-          </a:prstGeom>
-          <a:noFill/>
-          <a:ln>
-            <a:noFill/>
-          </a:ln>
-        </p:spPr>
-        <p:txBody>
-          <a:bodyPr anchorCtr="0" anchor="t" bIns="91425" lIns="91425" spcFirstLastPara="1" rIns="91425" wrap="square" tIns="91425">
-            <a:noAutofit/>
-          </a:bodyPr>
-          <a:lstStyle/>
-          <a:p>
-            <a:pPr indent="0" lvl="0" marL="0" rtl="0" algn="l">
-              <a:spcBef>
-                <a:spcPts val="0"/>
-              </a:spcBef>
-              <a:spcAft>
-                <a:spcPts val="0"/>
-              </a:spcAft>
-              <a:buNone/>
-            </a:pPr>
-            <a:r>
-              <a:rPr lang="en-US" sz="1800"/>
-              <a:t>Time Estimation: 6 hours</a:t>
-            </a:r>
-            <a:endParaRPr sz="1800"/>
-          </a:p>
-          <a:p>
-            <a:pPr indent="0" lvl="0" marL="0" rtl="0" algn="l">
-              <a:spcBef>
-                <a:spcPts val="0"/>
-              </a:spcBef>
-              <a:spcAft>
-                <a:spcPts val="0"/>
-              </a:spcAft>
-              <a:buNone/>
-            </a:pPr>
-            <a:r>
-              <a:t/>
-            </a:r>
-            <a:endParaRPr sz="1800"/>
-          </a:p>
-          <a:p>
-            <a:pPr indent="0" lvl="0" marL="0" rtl="0" algn="l">
-              <a:spcBef>
-                <a:spcPts val="0"/>
-              </a:spcBef>
-              <a:spcAft>
-                <a:spcPts val="0"/>
-              </a:spcAft>
-              <a:buNone/>
-            </a:pPr>
-            <a:r>
-              <a:rPr lang="en-US" sz="1800"/>
-              <a:t>Owner: Amit Sdeor</a:t>
-            </a:r>
-            <a:endParaRPr sz="1800"/>
-          </a:p>
-          <a:p>
-            <a:pPr indent="0" lvl="0" marL="0" rtl="0" algn="l">
-              <a:spcBef>
-                <a:spcPts val="0"/>
-              </a:spcBef>
-              <a:spcAft>
-                <a:spcPts val="0"/>
-              </a:spcAft>
-              <a:buNone/>
-            </a:pPr>
-            <a:r>
-              <a:t/>
-            </a:r>
-            <a:endParaRPr sz="1800"/>
-          </a:p>
-          <a:p>
-            <a:pPr indent="0" lvl="0" marL="0" rtl="0" algn="l">
-              <a:spcBef>
-                <a:spcPts val="0"/>
-              </a:spcBef>
-              <a:spcAft>
-                <a:spcPts val="0"/>
-              </a:spcAft>
-              <a:buNone/>
-            </a:pPr>
-            <a:r>
-              <a:rPr lang="en-US" sz="1800"/>
-              <a:t>Frameworks: Firebase, JML or LAML, Android Studio</a:t>
-            </a:r>
-            <a:endParaRPr sz="1800"/>
-          </a:p>
-          <a:p>
-            <a:pPr indent="0" lvl="0" marL="0" rtl="0" algn="l">
-              <a:spcBef>
-                <a:spcPts val="0"/>
-              </a:spcBef>
-              <a:spcAft>
-                <a:spcPts val="0"/>
-              </a:spcAft>
-              <a:buNone/>
-            </a:pPr>
-            <a:r>
-              <a:t/>
-            </a:r>
-            <a:endParaRPr sz="1800"/>
-          </a:p>
-          <a:p>
-            <a:pPr indent="0" lvl="0" marL="0" rtl="0" algn="l">
-              <a:spcBef>
-                <a:spcPts val="0"/>
-              </a:spcBef>
-              <a:spcAft>
-                <a:spcPts val="0"/>
-              </a:spcAft>
-              <a:buNone/>
-            </a:pPr>
-            <a:r>
-              <a:rPr lang="en-US" sz="1800"/>
-              <a:t>Risks: Recommendation engine will take time to train well.</a:t>
-            </a:r>
-            <a:endParaRPr sz="1800"/>
           </a:p>
         </p:txBody>
       </p:sp>
@@ -28426,6 +28626,285 @@
 </file>
 
 <file path=ppt/theme/theme1.xml><?xml version="1.0" encoding="utf-8"?>
+<a:theme xmlns:a="http://schemas.openxmlformats.org/drawingml/2006/main" xmlns:r="http://schemas.openxmlformats.org/officeDocument/2006/relationships" name="פרלקסה">
+  <a:themeElements>
+    <a:clrScheme name="פרלקסה">
+      <a:dk1>
+        <a:srgbClr val="000000"/>
+      </a:dk1>
+      <a:lt1>
+        <a:srgbClr val="FFFFFF"/>
+      </a:lt1>
+      <a:dk2>
+        <a:srgbClr val="212121"/>
+      </a:dk2>
+      <a:lt2>
+        <a:srgbClr val="CDD0D1"/>
+      </a:lt2>
+      <a:accent1>
+        <a:srgbClr val="30ACEC"/>
+      </a:accent1>
+      <a:accent2>
+        <a:srgbClr val="80C34F"/>
+      </a:accent2>
+      <a:accent3>
+        <a:srgbClr val="E29D3E"/>
+      </a:accent3>
+      <a:accent4>
+        <a:srgbClr val="D64A3B"/>
+      </a:accent4>
+      <a:accent5>
+        <a:srgbClr val="D64787"/>
+      </a:accent5>
+      <a:accent6>
+        <a:srgbClr val="A666E1"/>
+      </a:accent6>
+      <a:hlink>
+        <a:srgbClr val="3085ED"/>
+      </a:hlink>
+      <a:folHlink>
+        <a:srgbClr val="82B6F4"/>
+      </a:folHlink>
+    </a:clrScheme>
+    <a:fontScheme name="Office">
+      <a:majorFont>
+        <a:latin typeface="Arial"/>
+        <a:ea typeface=""/>
+        <a:cs typeface=""/>
+        <a:font script="Jpan" typeface="ＭＳ Ｐゴシック"/>
+        <a:font script="Hang" typeface="맑은 고딕"/>
+        <a:font script="Hans" typeface="宋体"/>
+        <a:font script="Hant" typeface="新細明體"/>
+        <a:font script="Arab" typeface="Times New Roman"/>
+        <a:font script="Hebr" typeface="Times New Roman"/>
+        <a:font script="Thai" typeface="Angsana New"/>
+        <a:font script="Ethi" typeface="Nyala"/>
+        <a:font script="Beng" typeface="Vrinda"/>
+        <a:font script="Gujr" typeface="Shruti"/>
+        <a:font script="Khmr" typeface="MoolBoran"/>
+        <a:font script="Knda" typeface="Tunga"/>
+        <a:font script="Guru" typeface="Raavi"/>
+        <a:font script="Cans" typeface="Euphemia"/>
+        <a:font script="Cher" typeface="Plantagenet Cherokee"/>
+        <a:font script="Yiii" typeface="Microsoft Yi Baiti"/>
+        <a:font script="Tibt" typeface="Microsoft Himalaya"/>
+        <a:font script="Thaa" typeface="MV Boli"/>
+        <a:font script="Deva" typeface="Mangal"/>
+        <a:font script="Telu" typeface="Gautami"/>
+        <a:font script="Taml" typeface="Latha"/>
+        <a:font script="Syrc" typeface="Estrangelo Edessa"/>
+        <a:font script="Orya" typeface="Kalinga"/>
+        <a:font script="Mlym" typeface="Kartika"/>
+        <a:font script="Laoo" typeface="DokChampa"/>
+        <a:font script="Sinh" typeface="Iskoola Pota"/>
+        <a:font script="Mong" typeface="Mongolian Baiti"/>
+        <a:font script="Viet" typeface="Times New Roman"/>
+        <a:font script="Uigh" typeface="Microsoft Uighur"/>
+        <a:font script="Geor" typeface="Sylfaen"/>
+      </a:majorFont>
+      <a:minorFont>
+        <a:latin typeface="Arial"/>
+        <a:ea typeface=""/>
+        <a:cs typeface=""/>
+        <a:font script="Jpan" typeface="ＭＳ Ｐゴシック"/>
+        <a:font script="Hang" typeface="맑은 고딕"/>
+        <a:font script="Hans" typeface="宋体"/>
+        <a:font script="Hant" typeface="新細明體"/>
+        <a:font script="Arab" typeface="Arial"/>
+        <a:font script="Hebr" typeface="Arial"/>
+        <a:font script="Thai" typeface="Cordia New"/>
+        <a:font script="Ethi" typeface="Nyala"/>
+        <a:font script="Beng" typeface="Vrinda"/>
+        <a:font script="Gujr" typeface="Shruti"/>
+        <a:font script="Khmr" typeface="DaunPenh"/>
+        <a:font script="Knda" typeface="Tunga"/>
+        <a:font script="Guru" typeface="Raavi"/>
+        <a:font script="Cans" typeface="Euphemia"/>
+        <a:font script="Cher" typeface="Plantagenet Cherokee"/>
+        <a:font script="Yiii" typeface="Microsoft Yi Baiti"/>
+        <a:font script="Tibt" typeface="Microsoft Himalaya"/>
+        <a:font script="Thaa" typeface="MV Boli"/>
+        <a:font script="Deva" typeface="Mangal"/>
+        <a:font script="Telu" typeface="Gautami"/>
+        <a:font script="Taml" typeface="Latha"/>
+        <a:font script="Syrc" typeface="Estrangelo Edessa"/>
+        <a:font script="Orya" typeface="Kalinga"/>
+        <a:font script="Mlym" typeface="Kartika"/>
+        <a:font script="Laoo" typeface="DokChampa"/>
+        <a:font script="Sinh" typeface="Iskoola Pota"/>
+        <a:font script="Mong" typeface="Mongolian Baiti"/>
+        <a:font script="Viet" typeface="Arial"/>
+        <a:font script="Uigh" typeface="Microsoft Uighur"/>
+        <a:font script="Geor" typeface="Sylfaen"/>
+      </a:minorFont>
+    </a:fontScheme>
+    <a:fmtScheme name="Office">
+      <a:fillStyleLst>
+        <a:solidFill>
+          <a:schemeClr val="phClr"/>
+        </a:solidFill>
+        <a:gradFill rotWithShape="1">
+          <a:gsLst>
+            <a:gs pos="0">
+              <a:schemeClr val="phClr">
+                <a:tint val="50000"/>
+                <a:satMod val="300000"/>
+              </a:schemeClr>
+            </a:gs>
+            <a:gs pos="35000">
+              <a:schemeClr val="phClr">
+                <a:tint val="37000"/>
+                <a:satMod val="300000"/>
+              </a:schemeClr>
+            </a:gs>
+            <a:gs pos="100000">
+              <a:schemeClr val="phClr">
+                <a:tint val="15000"/>
+                <a:satMod val="350000"/>
+              </a:schemeClr>
+            </a:gs>
+          </a:gsLst>
+          <a:lin ang="16200000" scaled="1"/>
+        </a:gradFill>
+        <a:gradFill rotWithShape="1">
+          <a:gsLst>
+            <a:gs pos="0">
+              <a:schemeClr val="phClr">
+                <a:tint val="100000"/>
+                <a:shade val="100000"/>
+                <a:satMod val="130000"/>
+              </a:schemeClr>
+            </a:gs>
+            <a:gs pos="100000">
+              <a:schemeClr val="phClr">
+                <a:tint val="50000"/>
+                <a:shade val="100000"/>
+                <a:satMod val="350000"/>
+              </a:schemeClr>
+            </a:gs>
+          </a:gsLst>
+          <a:lin ang="16200000" scaled="0"/>
+        </a:gradFill>
+      </a:fillStyleLst>
+      <a:lnStyleLst>
+        <a:ln w="9525" cap="flat" cmpd="sng" algn="ctr">
+          <a:solidFill>
+            <a:schemeClr val="phClr">
+              <a:shade val="95000"/>
+              <a:satMod val="105000"/>
+            </a:schemeClr>
+          </a:solidFill>
+          <a:prstDash val="solid"/>
+        </a:ln>
+        <a:ln w="25400" cap="flat" cmpd="sng" algn="ctr">
+          <a:solidFill>
+            <a:schemeClr val="phClr"/>
+          </a:solidFill>
+          <a:prstDash val="solid"/>
+        </a:ln>
+        <a:ln w="38100" cap="flat" cmpd="sng" algn="ctr">
+          <a:solidFill>
+            <a:schemeClr val="phClr"/>
+          </a:solidFill>
+          <a:prstDash val="solid"/>
+        </a:ln>
+      </a:lnStyleLst>
+      <a:effectStyleLst>
+        <a:effectStyle>
+          <a:effectLst>
+            <a:outerShdw blurRad="40000" dist="20000" dir="5400000" rotWithShape="0">
+              <a:srgbClr val="000000">
+                <a:alpha val="38000"/>
+              </a:srgbClr>
+            </a:outerShdw>
+          </a:effectLst>
+        </a:effectStyle>
+        <a:effectStyle>
+          <a:effectLst>
+            <a:outerShdw blurRad="40000" dist="23000" dir="5400000" rotWithShape="0">
+              <a:srgbClr val="000000">
+                <a:alpha val="35000"/>
+              </a:srgbClr>
+            </a:outerShdw>
+          </a:effectLst>
+        </a:effectStyle>
+        <a:effectStyle>
+          <a:effectLst>
+            <a:outerShdw blurRad="40000" dist="23000" dir="5400000" rotWithShape="0">
+              <a:srgbClr val="000000">
+                <a:alpha val="35000"/>
+              </a:srgbClr>
+            </a:outerShdw>
+          </a:effectLst>
+          <a:scene3d>
+            <a:camera prst="orthographicFront">
+              <a:rot lat="0" lon="0" rev="0"/>
+            </a:camera>
+            <a:lightRig rig="threePt" dir="t">
+              <a:rot lat="0" lon="0" rev="1200000"/>
+            </a:lightRig>
+          </a:scene3d>
+          <a:sp3d>
+            <a:bevelT w="63500" h="25400"/>
+          </a:sp3d>
+        </a:effectStyle>
+      </a:effectStyleLst>
+      <a:bgFillStyleLst>
+        <a:solidFill>
+          <a:schemeClr val="phClr"/>
+        </a:solidFill>
+        <a:gradFill rotWithShape="1">
+          <a:gsLst>
+            <a:gs pos="0">
+              <a:schemeClr val="phClr">
+                <a:tint val="40000"/>
+                <a:satMod val="350000"/>
+              </a:schemeClr>
+            </a:gs>
+            <a:gs pos="40000">
+              <a:schemeClr val="phClr">
+                <a:tint val="45000"/>
+                <a:shade val="99000"/>
+                <a:satMod val="350000"/>
+              </a:schemeClr>
+            </a:gs>
+            <a:gs pos="100000">
+              <a:schemeClr val="phClr">
+                <a:shade val="20000"/>
+                <a:satMod val="255000"/>
+              </a:schemeClr>
+            </a:gs>
+          </a:gsLst>
+          <a:path path="circle">
+            <a:fillToRect l="50000" t="-80000" r="50000" b="180000"/>
+          </a:path>
+        </a:gradFill>
+        <a:gradFill rotWithShape="1">
+          <a:gsLst>
+            <a:gs pos="0">
+              <a:schemeClr val="phClr">
+                <a:tint val="80000"/>
+                <a:satMod val="300000"/>
+              </a:schemeClr>
+            </a:gs>
+            <a:gs pos="100000">
+              <a:schemeClr val="phClr">
+                <a:shade val="30000"/>
+                <a:satMod val="200000"/>
+              </a:schemeClr>
+            </a:gs>
+          </a:gsLst>
+          <a:path path="circle">
+            <a:fillToRect l="50000" t="50000" r="50000" b="50000"/>
+          </a:path>
+        </a:gradFill>
+      </a:bgFillStyleLst>
+    </a:fmtScheme>
+  </a:themeElements>
+</a:theme>
+</file>
+
+<file path=ppt/theme/theme2.xml><?xml version="1.0" encoding="utf-8"?>
 <a:theme xmlns:a="http://schemas.openxmlformats.org/drawingml/2006/main" xmlns:r="http://schemas.openxmlformats.org/officeDocument/2006/relationships">
   <a:themeElements>
     <a:clrScheme name="Default">
@@ -28702,283 +29181,4 @@
     </a:fmtScheme>
   </a:themeElements>
 </a:theme>
-</file>
-
-<file path=ppt/theme/theme2.xml><?xml version="1.0" encoding="utf-8"?>
-<a:theme xmlns:a="http://schemas.openxmlformats.org/drawingml/2006/main" xmlns:r="http://schemas.openxmlformats.org/officeDocument/2006/relationships" name="פרלקסה">
-  <a:themeElements>
-    <a:clrScheme name="פרלקסה">
-      <a:dk1>
-        <a:srgbClr val="000000"/>
-      </a:dk1>
-      <a:lt1>
-        <a:srgbClr val="FFFFFF"/>
-      </a:lt1>
-      <a:dk2>
-        <a:srgbClr val="212121"/>
-      </a:dk2>
-      <a:lt2>
-        <a:srgbClr val="CDD0D1"/>
-      </a:lt2>
-      <a:accent1>
-        <a:srgbClr val="30ACEC"/>
-      </a:accent1>
-      <a:accent2>
-        <a:srgbClr val="80C34F"/>
-      </a:accent2>
-      <a:accent3>
-        <a:srgbClr val="E29D3E"/>
-      </a:accent3>
-      <a:accent4>
-        <a:srgbClr val="D64A3B"/>
-      </a:accent4>
-      <a:accent5>
-        <a:srgbClr val="D64787"/>
-      </a:accent5>
-      <a:accent6>
-        <a:srgbClr val="A666E1"/>
-      </a:accent6>
-      <a:hlink>
-        <a:srgbClr val="3085ED"/>
-      </a:hlink>
-      <a:folHlink>
-        <a:srgbClr val="82B6F4"/>
-      </a:folHlink>
-    </a:clrScheme>
-    <a:fontScheme name="Office">
-      <a:majorFont>
-        <a:latin typeface="Arial"/>
-        <a:ea typeface=""/>
-        <a:cs typeface=""/>
-        <a:font script="Jpan" typeface="ＭＳ Ｐゴシック"/>
-        <a:font script="Hang" typeface="맑은 고딕"/>
-        <a:font script="Hans" typeface="宋体"/>
-        <a:font script="Hant" typeface="新細明體"/>
-        <a:font script="Arab" typeface="Times New Roman"/>
-        <a:font script="Hebr" typeface="Times New Roman"/>
-        <a:font script="Thai" typeface="Angsana New"/>
-        <a:font script="Ethi" typeface="Nyala"/>
-        <a:font script="Beng" typeface="Vrinda"/>
-        <a:font script="Gujr" typeface="Shruti"/>
-        <a:font script="Khmr" typeface="MoolBoran"/>
-        <a:font script="Knda" typeface="Tunga"/>
-        <a:font script="Guru" typeface="Raavi"/>
-        <a:font script="Cans" typeface="Euphemia"/>
-        <a:font script="Cher" typeface="Plantagenet Cherokee"/>
-        <a:font script="Yiii" typeface="Microsoft Yi Baiti"/>
-        <a:font script="Tibt" typeface="Microsoft Himalaya"/>
-        <a:font script="Thaa" typeface="MV Boli"/>
-        <a:font script="Deva" typeface="Mangal"/>
-        <a:font script="Telu" typeface="Gautami"/>
-        <a:font script="Taml" typeface="Latha"/>
-        <a:font script="Syrc" typeface="Estrangelo Edessa"/>
-        <a:font script="Orya" typeface="Kalinga"/>
-        <a:font script="Mlym" typeface="Kartika"/>
-        <a:font script="Laoo" typeface="DokChampa"/>
-        <a:font script="Sinh" typeface="Iskoola Pota"/>
-        <a:font script="Mong" typeface="Mongolian Baiti"/>
-        <a:font script="Viet" typeface="Times New Roman"/>
-        <a:font script="Uigh" typeface="Microsoft Uighur"/>
-        <a:font script="Geor" typeface="Sylfaen"/>
-      </a:majorFont>
-      <a:minorFont>
-        <a:latin typeface="Arial"/>
-        <a:ea typeface=""/>
-        <a:cs typeface=""/>
-        <a:font script="Jpan" typeface="ＭＳ Ｐゴシック"/>
-        <a:font script="Hang" typeface="맑은 고딕"/>
-        <a:font script="Hans" typeface="宋体"/>
-        <a:font script="Hant" typeface="新細明體"/>
-        <a:font script="Arab" typeface="Arial"/>
-        <a:font script="Hebr" typeface="Arial"/>
-        <a:font script="Thai" typeface="Cordia New"/>
-        <a:font script="Ethi" typeface="Nyala"/>
-        <a:font script="Beng" typeface="Vrinda"/>
-        <a:font script="Gujr" typeface="Shruti"/>
-        <a:font script="Khmr" typeface="DaunPenh"/>
-        <a:font script="Knda" typeface="Tunga"/>
-        <a:font script="Guru" typeface="Raavi"/>
-        <a:font script="Cans" typeface="Euphemia"/>
-        <a:font script="Cher" typeface="Plantagenet Cherokee"/>
-        <a:font script="Yiii" typeface="Microsoft Yi Baiti"/>
-        <a:font script="Tibt" typeface="Microsoft Himalaya"/>
-        <a:font script="Thaa" typeface="MV Boli"/>
-        <a:font script="Deva" typeface="Mangal"/>
-        <a:font script="Telu" typeface="Gautami"/>
-        <a:font script="Taml" typeface="Latha"/>
-        <a:font script="Syrc" typeface="Estrangelo Edessa"/>
-        <a:font script="Orya" typeface="Kalinga"/>
-        <a:font script="Mlym" typeface="Kartika"/>
-        <a:font script="Laoo" typeface="DokChampa"/>
-        <a:font script="Sinh" typeface="Iskoola Pota"/>
-        <a:font script="Mong" typeface="Mongolian Baiti"/>
-        <a:font script="Viet" typeface="Arial"/>
-        <a:font script="Uigh" typeface="Microsoft Uighur"/>
-        <a:font script="Geor" typeface="Sylfaen"/>
-      </a:minorFont>
-    </a:fontScheme>
-    <a:fmtScheme name="Office">
-      <a:fillStyleLst>
-        <a:solidFill>
-          <a:schemeClr val="phClr"/>
-        </a:solidFill>
-        <a:gradFill rotWithShape="1">
-          <a:gsLst>
-            <a:gs pos="0">
-              <a:schemeClr val="phClr">
-                <a:tint val="50000"/>
-                <a:satMod val="300000"/>
-              </a:schemeClr>
-            </a:gs>
-            <a:gs pos="35000">
-              <a:schemeClr val="phClr">
-                <a:tint val="37000"/>
-                <a:satMod val="300000"/>
-              </a:schemeClr>
-            </a:gs>
-            <a:gs pos="100000">
-              <a:schemeClr val="phClr">
-                <a:tint val="15000"/>
-                <a:satMod val="350000"/>
-              </a:schemeClr>
-            </a:gs>
-          </a:gsLst>
-          <a:lin ang="16200000" scaled="1"/>
-        </a:gradFill>
-        <a:gradFill rotWithShape="1">
-          <a:gsLst>
-            <a:gs pos="0">
-              <a:schemeClr val="phClr">
-                <a:tint val="100000"/>
-                <a:shade val="100000"/>
-                <a:satMod val="130000"/>
-              </a:schemeClr>
-            </a:gs>
-            <a:gs pos="100000">
-              <a:schemeClr val="phClr">
-                <a:tint val="50000"/>
-                <a:shade val="100000"/>
-                <a:satMod val="350000"/>
-              </a:schemeClr>
-            </a:gs>
-          </a:gsLst>
-          <a:lin ang="16200000" scaled="0"/>
-        </a:gradFill>
-      </a:fillStyleLst>
-      <a:lnStyleLst>
-        <a:ln w="9525" cap="flat" cmpd="sng" algn="ctr">
-          <a:solidFill>
-            <a:schemeClr val="phClr">
-              <a:shade val="95000"/>
-              <a:satMod val="105000"/>
-            </a:schemeClr>
-          </a:solidFill>
-          <a:prstDash val="solid"/>
-        </a:ln>
-        <a:ln w="25400" cap="flat" cmpd="sng" algn="ctr">
-          <a:solidFill>
-            <a:schemeClr val="phClr"/>
-          </a:solidFill>
-          <a:prstDash val="solid"/>
-        </a:ln>
-        <a:ln w="38100" cap="flat" cmpd="sng" algn="ctr">
-          <a:solidFill>
-            <a:schemeClr val="phClr"/>
-          </a:solidFill>
-          <a:prstDash val="solid"/>
-        </a:ln>
-      </a:lnStyleLst>
-      <a:effectStyleLst>
-        <a:effectStyle>
-          <a:effectLst>
-            <a:outerShdw blurRad="40000" dist="20000" dir="5400000" rotWithShape="0">
-              <a:srgbClr val="000000">
-                <a:alpha val="38000"/>
-              </a:srgbClr>
-            </a:outerShdw>
-          </a:effectLst>
-        </a:effectStyle>
-        <a:effectStyle>
-          <a:effectLst>
-            <a:outerShdw blurRad="40000" dist="23000" dir="5400000" rotWithShape="0">
-              <a:srgbClr val="000000">
-                <a:alpha val="35000"/>
-              </a:srgbClr>
-            </a:outerShdw>
-          </a:effectLst>
-        </a:effectStyle>
-        <a:effectStyle>
-          <a:effectLst>
-            <a:outerShdw blurRad="40000" dist="23000" dir="5400000" rotWithShape="0">
-              <a:srgbClr val="000000">
-                <a:alpha val="35000"/>
-              </a:srgbClr>
-            </a:outerShdw>
-          </a:effectLst>
-          <a:scene3d>
-            <a:camera prst="orthographicFront">
-              <a:rot lat="0" lon="0" rev="0"/>
-            </a:camera>
-            <a:lightRig rig="threePt" dir="t">
-              <a:rot lat="0" lon="0" rev="1200000"/>
-            </a:lightRig>
-          </a:scene3d>
-          <a:sp3d>
-            <a:bevelT w="63500" h="25400"/>
-          </a:sp3d>
-        </a:effectStyle>
-      </a:effectStyleLst>
-      <a:bgFillStyleLst>
-        <a:solidFill>
-          <a:schemeClr val="phClr"/>
-        </a:solidFill>
-        <a:gradFill rotWithShape="1">
-          <a:gsLst>
-            <a:gs pos="0">
-              <a:schemeClr val="phClr">
-                <a:tint val="40000"/>
-                <a:satMod val="350000"/>
-              </a:schemeClr>
-            </a:gs>
-            <a:gs pos="40000">
-              <a:schemeClr val="phClr">
-                <a:tint val="45000"/>
-                <a:shade val="99000"/>
-                <a:satMod val="350000"/>
-              </a:schemeClr>
-            </a:gs>
-            <a:gs pos="100000">
-              <a:schemeClr val="phClr">
-                <a:shade val="20000"/>
-                <a:satMod val="255000"/>
-              </a:schemeClr>
-            </a:gs>
-          </a:gsLst>
-          <a:path path="circle">
-            <a:fillToRect l="50000" t="-80000" r="50000" b="180000"/>
-          </a:path>
-        </a:gradFill>
-        <a:gradFill rotWithShape="1">
-          <a:gsLst>
-            <a:gs pos="0">
-              <a:schemeClr val="phClr">
-                <a:tint val="80000"/>
-                <a:satMod val="300000"/>
-              </a:schemeClr>
-            </a:gs>
-            <a:gs pos="100000">
-              <a:schemeClr val="phClr">
-                <a:shade val="30000"/>
-                <a:satMod val="200000"/>
-              </a:schemeClr>
-            </a:gs>
-          </a:gsLst>
-          <a:path path="circle">
-            <a:fillToRect l="50000" t="50000" r="50000" b="50000"/>
-          </a:path>
-        </a:gradFill>
-      </a:bgFillStyleLst>
-    </a:fmtScheme>
-  </a:themeElements>
-</a:theme>
 </file>